--- a/Documents/Week 06/Meeting Minutes/Meeting Summary.pptx
+++ b/Documents/Week 06/Meeting Minutes/Meeting Summary.pptx
@@ -5,33 +5,18 @@
     <p:sldMasterId id="2147483790" r:id="rId1"/>
   </p:sldMasterIdLst>
   <p:notesMasterIdLst>
-    <p:notesMasterId r:id="rId23"/>
+    <p:notesMasterId r:id="rId8"/>
   </p:notesMasterIdLst>
   <p:handoutMasterIdLst>
-    <p:handoutMasterId r:id="rId24"/>
+    <p:handoutMasterId r:id="rId9"/>
   </p:handoutMasterIdLst>
   <p:sldIdLst>
-    <p:sldId id="312" r:id="rId2"/>
-    <p:sldId id="328" r:id="rId3"/>
+    <p:sldId id="350" r:id="rId2"/>
+    <p:sldId id="331" r:id="rId3"/>
     <p:sldId id="332" r:id="rId4"/>
     <p:sldId id="259" r:id="rId5"/>
-    <p:sldId id="331" r:id="rId6"/>
-    <p:sldId id="314" r:id="rId7"/>
-    <p:sldId id="339" r:id="rId8"/>
-    <p:sldId id="333" r:id="rId9"/>
-    <p:sldId id="341" r:id="rId10"/>
-    <p:sldId id="345" r:id="rId11"/>
-    <p:sldId id="334" r:id="rId12"/>
-    <p:sldId id="340" r:id="rId13"/>
-    <p:sldId id="343" r:id="rId14"/>
-    <p:sldId id="344" r:id="rId15"/>
-    <p:sldId id="347" r:id="rId16"/>
-    <p:sldId id="335" r:id="rId17"/>
-    <p:sldId id="337" r:id="rId18"/>
-    <p:sldId id="348" r:id="rId19"/>
-    <p:sldId id="349" r:id="rId20"/>
-    <p:sldId id="342" r:id="rId21"/>
-    <p:sldId id="336" r:id="rId22"/>
+    <p:sldId id="351" r:id="rId6"/>
+    <p:sldId id="333" r:id="rId7"/>
   </p:sldIdLst>
   <p:sldSz cx="9144000" cy="5143500" type="screen16x9"/>
   <p:notesSz cx="6858000" cy="9144000"/>
@@ -165,40 +150,22 @@
       <p14:sectionLst xmlns:p14="http://schemas.microsoft.com/office/powerpoint/2010/main">
         <p14:section name="Stage 1 (Wk 6 /7)" id="{5EA348D4-9E7B-8F4C-A7CA-47A3911101F6}">
           <p14:sldIdLst>
-            <p14:sldId id="312"/>
-            <p14:sldId id="328"/>
+            <p14:sldId id="350"/>
+            <p14:sldId id="331"/>
             <p14:sldId id="332"/>
             <p14:sldId id="259"/>
-            <p14:sldId id="331"/>
-            <p14:sldId id="314"/>
+            <p14:sldId id="351"/>
+            <p14:sldId id="333"/>
           </p14:sldIdLst>
         </p14:section>
         <p14:section name="Stage 2 (Wk 8/9)" id="{A8BFD4FF-B2AE-4D4F-BD9B-8F17EE3B6574}">
-          <p14:sldIdLst>
-            <p14:sldId id="339"/>
-            <p14:sldId id="333"/>
-            <p14:sldId id="341"/>
-            <p14:sldId id="345"/>
-            <p14:sldId id="334"/>
-          </p14:sldIdLst>
+          <p14:sldIdLst/>
         </p14:section>
         <p14:section name="Stage 3 (Wk 10/11)" id="{E5CA7BF5-D61A-8B4D-A0BD-7741A6A11B87}">
-          <p14:sldIdLst>
-            <p14:sldId id="340"/>
-            <p14:sldId id="343"/>
-            <p14:sldId id="344"/>
-            <p14:sldId id="347"/>
-            <p14:sldId id="335"/>
-          </p14:sldIdLst>
+          <p14:sldIdLst/>
         </p14:section>
         <p14:section name="Stage 4 (Final)" id="{65535E1C-93AE-7144-9CE3-A890374745FD}">
-          <p14:sldIdLst>
-            <p14:sldId id="337"/>
-            <p14:sldId id="348"/>
-            <p14:sldId id="349"/>
-            <p14:sldId id="342"/>
-            <p14:sldId id="336"/>
-          </p14:sldIdLst>
+          <p14:sldIdLst/>
         </p14:section>
       </p14:sectionLst>
     </p:ext>
@@ -317,7 +284,7 @@
           <a:p>
             <a:fld id="{BDA335CD-1F04-BE47-B798-E7E5B302FEE2}" type="datetimeFigureOut">
               <a:rPr lang="en-US" smtClean="0"/>
-              <a:t>2/5/22</a:t>
+              <a:t>4/6/25</a:t>
             </a:fld>
             <a:endParaRPr lang="en-US"/>
           </a:p>
@@ -494,7 +461,7 @@
           <a:p>
             <a:fld id="{54F5B07A-87A9-CF40-86D9-D2F6BB28DC45}" type="datetimeFigureOut">
               <a:rPr lang="en-US" smtClean="0"/>
-              <a:t>2/5/22</a:t>
+              <a:t>4/6/25</a:t>
             </a:fld>
             <a:endParaRPr lang="en-US"/>
           </a:p>
@@ -4861,14 +4828,14 @@
           </a:ln>
           <a:extLst>
             <a:ext uri="{909E8E84-426E-40dd-AFC4-6F175D3DCCD1}">
-              <a14:hiddenFill xmlns="" xmlns:a14="http://schemas.microsoft.com/office/drawing/2010/main">
+              <a14:hiddenFill xmlns:a14="http://schemas.microsoft.com/office/drawing/2010/main" xmlns="">
                 <a:solidFill>
                   <a:srgbClr val="FFFFFF"/>
                 </a:solidFill>
               </a14:hiddenFill>
             </a:ext>
             <a:ext uri="{91240B29-F687-4f45-9708-019B960494DF}">
-              <a14:hiddenLine xmlns="" xmlns:a14="http://schemas.microsoft.com/office/drawing/2010/main" w="9525">
+              <a14:hiddenLine xmlns:a14="http://schemas.microsoft.com/office/drawing/2010/main" xmlns="" w="9525">
                 <a:solidFill>
                   <a:srgbClr val="000000"/>
                 </a:solidFill>
@@ -4878,7 +4845,7 @@
               </a14:hiddenLine>
             </a:ext>
             <a:ext uri="{FAA26D3D-D897-4be2-8F04-BA451C77F1D7}">
-              <ma14:placeholderFlag xmlns="" xmlns:ma14="http://schemas.microsoft.com/office/mac/drawingml/2011/main" val="1"/>
+              <ma14:placeholderFlag xmlns:ma14="http://schemas.microsoft.com/office/mac/drawingml/2011/main" xmlns="" val="1"/>
             </a:ext>
           </a:extLst>
         </p:spPr>
@@ -4958,14 +4925,14 @@
           </a:ln>
           <a:extLst>
             <a:ext uri="{909E8E84-426E-40dd-AFC4-6F175D3DCCD1}">
-              <a14:hiddenFill xmlns="" xmlns:a14="http://schemas.microsoft.com/office/drawing/2010/main">
+              <a14:hiddenFill xmlns:a14="http://schemas.microsoft.com/office/drawing/2010/main" xmlns="">
                 <a:solidFill>
                   <a:srgbClr val="FFFFFF"/>
                 </a:solidFill>
               </a14:hiddenFill>
             </a:ext>
             <a:ext uri="{91240B29-F687-4f45-9708-019B960494DF}">
-              <a14:hiddenLine xmlns="" xmlns:a14="http://schemas.microsoft.com/office/drawing/2010/main" w="9525">
+              <a14:hiddenLine xmlns:a14="http://schemas.microsoft.com/office/drawing/2010/main" xmlns="" w="9525">
                 <a:solidFill>
                   <a:srgbClr val="000000"/>
                 </a:solidFill>
@@ -4975,7 +4942,7 @@
               </a14:hiddenLine>
             </a:ext>
             <a:ext uri="{FAA26D3D-D897-4be2-8F04-BA451C77F1D7}">
-              <ma14:placeholderFlag xmlns="" xmlns:ma14="http://schemas.microsoft.com/office/mac/drawingml/2011/main" val="1"/>
+              <ma14:placeholderFlag xmlns:ma14="http://schemas.microsoft.com/office/mac/drawingml/2011/main" xmlns="" val="1"/>
             </a:ext>
           </a:extLst>
         </p:spPr>
@@ -5292,14 +5259,14 @@
           </a:ln>
           <a:extLst>
             <a:ext uri="{909E8E84-426E-40dd-AFC4-6F175D3DCCD1}">
-              <a14:hiddenFill xmlns="" xmlns:a14="http://schemas.microsoft.com/office/drawing/2010/main">
+              <a14:hiddenFill xmlns:a14="http://schemas.microsoft.com/office/drawing/2010/main" xmlns="">
                 <a:solidFill>
                   <a:srgbClr val="FFFFFF"/>
                 </a:solidFill>
               </a14:hiddenFill>
             </a:ext>
             <a:ext uri="{91240B29-F687-4f45-9708-019B960494DF}">
-              <a14:hiddenLine xmlns="" xmlns:a14="http://schemas.microsoft.com/office/drawing/2010/main" w="9525">
+              <a14:hiddenLine xmlns:a14="http://schemas.microsoft.com/office/drawing/2010/main" xmlns="" w="9525">
                 <a:solidFill>
                   <a:srgbClr val="000000"/>
                 </a:solidFill>
@@ -5309,7 +5276,7 @@
               </a14:hiddenLine>
             </a:ext>
             <a:ext uri="{FAA26D3D-D897-4be2-8F04-BA451C77F1D7}">
-              <ma14:placeholderFlag xmlns="" xmlns:ma14="http://schemas.microsoft.com/office/mac/drawingml/2011/main" val="1"/>
+              <ma14:placeholderFlag xmlns:ma14="http://schemas.microsoft.com/office/mac/drawingml/2011/main" xmlns="" val="1"/>
             </a:ext>
           </a:extLst>
         </p:spPr>
@@ -5506,14 +5473,14 @@
           </a:ln>
           <a:extLst>
             <a:ext uri="{909E8E84-426E-40dd-AFC4-6F175D3DCCD1}">
-              <a14:hiddenFill xmlns="" xmlns:a14="http://schemas.microsoft.com/office/drawing/2010/main">
+              <a14:hiddenFill xmlns:a14="http://schemas.microsoft.com/office/drawing/2010/main" xmlns="">
                 <a:solidFill>
                   <a:srgbClr val="FFFFFF"/>
                 </a:solidFill>
               </a14:hiddenFill>
             </a:ext>
             <a:ext uri="{91240B29-F687-4f45-9708-019B960494DF}">
-              <a14:hiddenLine xmlns="" xmlns:a14="http://schemas.microsoft.com/office/drawing/2010/main" w="9525">
+              <a14:hiddenLine xmlns:a14="http://schemas.microsoft.com/office/drawing/2010/main" xmlns="" w="9525">
                 <a:solidFill>
                   <a:srgbClr val="000000"/>
                 </a:solidFill>
@@ -5523,7 +5490,7 @@
               </a14:hiddenLine>
             </a:ext>
             <a:ext uri="{FAA26D3D-D897-4be2-8F04-BA451C77F1D7}">
-              <ma14:placeholderFlag xmlns="" xmlns:ma14="http://schemas.microsoft.com/office/mac/drawingml/2011/main" val="1"/>
+              <ma14:placeholderFlag xmlns:ma14="http://schemas.microsoft.com/office/mac/drawingml/2011/main" xmlns="" val="1"/>
             </a:ext>
           </a:extLst>
         </p:spPr>
@@ -5773,14 +5740,14 @@
           </a:ln>
           <a:extLst>
             <a:ext uri="{909E8E84-426E-40dd-AFC4-6F175D3DCCD1}">
-              <a14:hiddenFill xmlns="" xmlns:a14="http://schemas.microsoft.com/office/drawing/2010/main">
+              <a14:hiddenFill xmlns:a14="http://schemas.microsoft.com/office/drawing/2010/main" xmlns="">
                 <a:solidFill>
                   <a:srgbClr val="FFFFFF"/>
                 </a:solidFill>
               </a14:hiddenFill>
             </a:ext>
             <a:ext uri="{91240B29-F687-4f45-9708-019B960494DF}">
-              <a14:hiddenLine xmlns="" xmlns:a14="http://schemas.microsoft.com/office/drawing/2010/main" w="9525">
+              <a14:hiddenLine xmlns:a14="http://schemas.microsoft.com/office/drawing/2010/main" xmlns="" w="9525">
                 <a:solidFill>
                   <a:srgbClr val="000000"/>
                 </a:solidFill>
@@ -5790,7 +5757,7 @@
               </a14:hiddenLine>
             </a:ext>
             <a:ext uri="{FAA26D3D-D897-4be2-8F04-BA451C77F1D7}">
-              <ma14:placeholderFlag xmlns="" xmlns:ma14="http://schemas.microsoft.com/office/mac/drawingml/2011/main" val="1"/>
+              <ma14:placeholderFlag xmlns:ma14="http://schemas.microsoft.com/office/mac/drawingml/2011/main" xmlns="" val="1"/>
             </a:ext>
           </a:extLst>
         </p:spPr>
@@ -6025,14 +5992,14 @@
           </a:ln>
           <a:extLst>
             <a:ext uri="{909E8E84-426E-40dd-AFC4-6F175D3DCCD1}">
-              <a14:hiddenFill xmlns="" xmlns:a14="http://schemas.microsoft.com/office/drawing/2010/main">
+              <a14:hiddenFill xmlns:a14="http://schemas.microsoft.com/office/drawing/2010/main" xmlns="">
                 <a:solidFill>
                   <a:srgbClr val="FFFFFF"/>
                 </a:solidFill>
               </a14:hiddenFill>
             </a:ext>
             <a:ext uri="{91240B29-F687-4f45-9708-019B960494DF}">
-              <a14:hiddenLine xmlns="" xmlns:a14="http://schemas.microsoft.com/office/drawing/2010/main" w="9525">
+              <a14:hiddenLine xmlns:a14="http://schemas.microsoft.com/office/drawing/2010/main" xmlns="" w="9525">
                 <a:solidFill>
                   <a:srgbClr val="000000"/>
                 </a:solidFill>
@@ -6042,7 +6009,7 @@
               </a14:hiddenLine>
             </a:ext>
             <a:ext uri="{FAA26D3D-D897-4be2-8F04-BA451C77F1D7}">
-              <ma14:placeholderFlag xmlns="" xmlns:ma14="http://schemas.microsoft.com/office/mac/drawingml/2011/main" val="1"/>
+              <ma14:placeholderFlag xmlns:ma14="http://schemas.microsoft.com/office/mac/drawingml/2011/main" xmlns="" val="1"/>
             </a:ext>
           </a:extLst>
         </p:spPr>
@@ -6122,14 +6089,14 @@
           </a:ln>
           <a:extLst>
             <a:ext uri="{909E8E84-426E-40dd-AFC4-6F175D3DCCD1}">
-              <a14:hiddenFill xmlns="" xmlns:a14="http://schemas.microsoft.com/office/drawing/2010/main">
+              <a14:hiddenFill xmlns:a14="http://schemas.microsoft.com/office/drawing/2010/main" xmlns="">
                 <a:solidFill>
                   <a:srgbClr val="FFFFFF"/>
                 </a:solidFill>
               </a14:hiddenFill>
             </a:ext>
             <a:ext uri="{91240B29-F687-4f45-9708-019B960494DF}">
-              <a14:hiddenLine xmlns="" xmlns:a14="http://schemas.microsoft.com/office/drawing/2010/main" w="9525">
+              <a14:hiddenLine xmlns:a14="http://schemas.microsoft.com/office/drawing/2010/main" xmlns="" w="9525">
                 <a:solidFill>
                   <a:srgbClr val="000000"/>
                 </a:solidFill>
@@ -6139,7 +6106,7 @@
               </a14:hiddenLine>
             </a:ext>
             <a:ext uri="{FAA26D3D-D897-4be2-8F04-BA451C77F1D7}">
-              <ma14:placeholderFlag xmlns="" xmlns:ma14="http://schemas.microsoft.com/office/mac/drawingml/2011/main" val="1"/>
+              <ma14:placeholderFlag xmlns:ma14="http://schemas.microsoft.com/office/mac/drawingml/2011/main" xmlns="" val="1"/>
             </a:ext>
           </a:extLst>
         </p:spPr>
@@ -6224,14 +6191,14 @@
           </a:ln>
           <a:extLst>
             <a:ext uri="{909E8E84-426E-40dd-AFC4-6F175D3DCCD1}">
-              <a14:hiddenFill xmlns="" xmlns:a14="http://schemas.microsoft.com/office/drawing/2010/main">
+              <a14:hiddenFill xmlns:a14="http://schemas.microsoft.com/office/drawing/2010/main" xmlns="">
                 <a:solidFill>
                   <a:srgbClr val="FFFFFF"/>
                 </a:solidFill>
               </a14:hiddenFill>
             </a:ext>
             <a:ext uri="{91240B29-F687-4f45-9708-019B960494DF}">
-              <a14:hiddenLine xmlns="" xmlns:a14="http://schemas.microsoft.com/office/drawing/2010/main" w="9525">
+              <a14:hiddenLine xmlns:a14="http://schemas.microsoft.com/office/drawing/2010/main" xmlns="" w="9525">
                 <a:solidFill>
                   <a:srgbClr val="000000"/>
                 </a:solidFill>
@@ -6373,14 +6340,14 @@
           </a:ln>
           <a:extLst>
             <a:ext uri="{909E8E84-426E-40dd-AFC4-6F175D3DCCD1}">
-              <a14:hiddenFill xmlns="" xmlns:a14="http://schemas.microsoft.com/office/drawing/2010/main">
+              <a14:hiddenFill xmlns:a14="http://schemas.microsoft.com/office/drawing/2010/main" xmlns="">
                 <a:solidFill>
                   <a:srgbClr val="FFFFFF"/>
                 </a:solidFill>
               </a14:hiddenFill>
             </a:ext>
             <a:ext uri="{91240B29-F687-4f45-9708-019B960494DF}">
-              <a14:hiddenLine xmlns="" xmlns:a14="http://schemas.microsoft.com/office/drawing/2010/main" w="9525">
+              <a14:hiddenLine xmlns:a14="http://schemas.microsoft.com/office/drawing/2010/main" xmlns="" w="9525">
                 <a:solidFill>
                   <a:srgbClr val="000000"/>
                 </a:solidFill>
@@ -6390,7 +6357,7 @@
               </a14:hiddenLine>
             </a:ext>
             <a:ext uri="{FAA26D3D-D897-4be2-8F04-BA451C77F1D7}">
-              <ma14:placeholderFlag xmlns="" xmlns:ma14="http://schemas.microsoft.com/office/mac/drawingml/2011/main" val="1"/>
+              <ma14:placeholderFlag xmlns:ma14="http://schemas.microsoft.com/office/mac/drawingml/2011/main" xmlns="" val="1"/>
             </a:ext>
           </a:extLst>
         </p:spPr>
@@ -9435,14 +9402,14 @@
           </a:ln>
           <a:extLst>
             <a:ext uri="{909E8E84-426E-40dd-AFC4-6F175D3DCCD1}">
-              <a14:hiddenFill xmlns="" xmlns:a14="http://schemas.microsoft.com/office/drawing/2010/main">
+              <a14:hiddenFill xmlns:a14="http://schemas.microsoft.com/office/drawing/2010/main" xmlns="">
                 <a:solidFill>
                   <a:srgbClr val="FFFFFF"/>
                 </a:solidFill>
               </a14:hiddenFill>
             </a:ext>
             <a:ext uri="{91240B29-F687-4f45-9708-019B960494DF}">
-              <a14:hiddenLine xmlns="" xmlns:a14="http://schemas.microsoft.com/office/drawing/2010/main" w="9525">
+              <a14:hiddenLine xmlns:a14="http://schemas.microsoft.com/office/drawing/2010/main" xmlns="" w="9525">
                 <a:solidFill>
                   <a:srgbClr val="000000"/>
                 </a:solidFill>
@@ -9452,7 +9419,7 @@
               </a14:hiddenLine>
             </a:ext>
             <a:ext uri="{FAA26D3D-D897-4be2-8F04-BA451C77F1D7}">
-              <ma14:placeholderFlag xmlns="" xmlns:ma14="http://schemas.microsoft.com/office/mac/drawingml/2011/main" val="1"/>
+              <ma14:placeholderFlag xmlns:ma14="http://schemas.microsoft.com/office/mac/drawingml/2011/main" xmlns="" val="1"/>
             </a:ext>
           </a:extLst>
         </p:spPr>
@@ -9502,14 +9469,14 @@
           </a:ln>
           <a:extLst>
             <a:ext uri="{909E8E84-426E-40dd-AFC4-6F175D3DCCD1}">
-              <a14:hiddenFill xmlns="" xmlns:a14="http://schemas.microsoft.com/office/drawing/2010/main">
+              <a14:hiddenFill xmlns:a14="http://schemas.microsoft.com/office/drawing/2010/main" xmlns="">
                 <a:solidFill>
                   <a:srgbClr val="FFFFFF"/>
                 </a:solidFill>
               </a14:hiddenFill>
             </a:ext>
             <a:ext uri="{91240B29-F687-4f45-9708-019B960494DF}">
-              <a14:hiddenLine xmlns="" xmlns:a14="http://schemas.microsoft.com/office/drawing/2010/main" w="9525">
+              <a14:hiddenLine xmlns:a14="http://schemas.microsoft.com/office/drawing/2010/main" xmlns="" w="9525">
                 <a:solidFill>
                   <a:srgbClr val="000000"/>
                 </a:solidFill>
@@ -9519,7 +9486,7 @@
               </a14:hiddenLine>
             </a:ext>
             <a:ext uri="{FAA26D3D-D897-4be2-8F04-BA451C77F1D7}">
-              <ma14:placeholderFlag xmlns="" xmlns:ma14="http://schemas.microsoft.com/office/mac/drawingml/2011/main" val="1"/>
+              <ma14:placeholderFlag xmlns:ma14="http://schemas.microsoft.com/office/mac/drawingml/2011/main" xmlns="" val="1"/>
             </a:ext>
           </a:extLst>
         </p:spPr>
@@ -10018,43 +9985,14 @@
         </p:spPr>
         <p:txBody>
           <a:bodyPr wrap="square" anchor="t">
-            <a:normAutofit fontScale="90000"/>
+            <a:normAutofit/>
           </a:bodyPr>
           <a:lstStyle/>
           <a:p>
             <a:r>
               <a:rPr lang="en-US" dirty="0"/>
-              <a:t>Group Name/Group Code </a:t>
-            </a:r>
-            <a:r>
-              <a:rPr lang="en-US" sz="1600" dirty="0"/>
-              <a:t>(</a:t>
-            </a:r>
-            <a:r>
-              <a:rPr lang="en-US" sz="1600" dirty="0" err="1"/>
-              <a:t>BrainXX</a:t>
-            </a:r>
-            <a:r>
-              <a:rPr lang="en-US" sz="1600" dirty="0"/>
-              <a:t> / </a:t>
-            </a:r>
-            <a:r>
-              <a:rPr lang="en-US" sz="1600" dirty="0" err="1"/>
-              <a:t>MarineXX</a:t>
-            </a:r>
-            <a:r>
-              <a:rPr lang="en-US" sz="1600" dirty="0"/>
-              <a:t> / COVIDXX / </a:t>
-            </a:r>
-            <a:r>
-              <a:rPr lang="en-US" sz="1600" dirty="0" err="1"/>
-              <a:t>HealthXX</a:t>
-            </a:r>
-            <a:r>
-              <a:rPr lang="en-US" sz="1600" dirty="0"/>
-              <a:t>)</a:t>
-            </a:r>
-            <a:endParaRPr lang="en-US" dirty="0"/>
+              <a:t>Optiver – 07</a:t>
+            </a:r>
           </a:p>
         </p:txBody>
       </p:sp>
@@ -10082,7 +10020,7 @@
         </p:spPr>
         <p:txBody>
           <a:bodyPr wrap="square" anchor="t">
-            <a:normAutofit/>
+            <a:normAutofit lnSpcReduction="10000"/>
           </a:bodyPr>
           <a:lstStyle/>
           <a:p>
@@ -10115,15 +10053,30 @@
             </a:pPr>
             <a:r>
               <a:rPr lang="en-US" dirty="0"/>
-              <a:t>Date: dd/mm/</a:t>
-            </a:r>
-            <a:r>
-              <a:rPr lang="en-US" dirty="0" err="1"/>
-              <a:t>yyyy</a:t>
-            </a:r>
-            <a:r>
-              <a:rPr lang="en-US" dirty="0"/>
-              <a:t> (Week x)</a:t>
+              <a:t>Date: 06/04/2025 (Week 6)</a:t>
+            </a:r>
+          </a:p>
+          <a:p>
+            <a:pPr marL="0" indent="0">
+              <a:buNone/>
+            </a:pPr>
+            <a:endParaRPr lang="en-US" dirty="0"/>
+          </a:p>
+          <a:p>
+            <a:pPr marL="0" indent="0">
+              <a:buNone/>
+            </a:pPr>
+            <a:r>
+              <a:rPr lang="en-US" sz="1200" dirty="0"/>
+              <a:t>Present: Ayush Singh, Christy Lee, Kylie Haryono, </a:t>
+            </a:r>
+            <a:r>
+              <a:rPr lang="en-US" sz="1200" dirty="0" err="1"/>
+              <a:t>Zichun</a:t>
+            </a:r>
+            <a:r>
+              <a:rPr lang="en-US" sz="1200" dirty="0"/>
+              <a:t> Han, Tobit Louis.</a:t>
             </a:r>
           </a:p>
           <a:p>
@@ -10137,2723 +10090,7 @@
     </p:spTree>
     <p:extLst>
       <p:ext uri="{BB962C8B-B14F-4D97-AF65-F5344CB8AC3E}">
-        <p14:creationId xmlns:p14="http://schemas.microsoft.com/office/powerpoint/2010/main" val="2196569219"/>
-      </p:ext>
-    </p:extLst>
-  </p:cSld>
-  <p:clrMapOvr>
-    <a:masterClrMapping/>
-  </p:clrMapOvr>
-</p:sld>
-</file>
-
-<file path=ppt/slides/slide10.xml><?xml version="1.0" encoding="utf-8"?>
-<p:sld xmlns:a="http://schemas.openxmlformats.org/drawingml/2006/main" xmlns:r="http://schemas.openxmlformats.org/officeDocument/2006/relationships" xmlns:p="http://schemas.openxmlformats.org/presentationml/2006/main">
-  <p:cSld>
-    <p:spTree>
-      <p:nvGrpSpPr>
-        <p:cNvPr id="1" name=""/>
-        <p:cNvGrpSpPr/>
-        <p:nvPr/>
-      </p:nvGrpSpPr>
-      <p:grpSpPr>
-        <a:xfrm>
-          <a:off x="0" y="0"/>
-          <a:ext cx="0" cy="0"/>
-          <a:chOff x="0" y="0"/>
-          <a:chExt cx="0" cy="0"/>
-        </a:xfrm>
-      </p:grpSpPr>
-      <p:sp>
-        <p:nvSpPr>
-          <p:cNvPr id="4" name="Content Placeholder 3">
-            <a:extLst>
-              <a:ext uri="{FF2B5EF4-FFF2-40B4-BE49-F238E27FC236}">
-                <a16:creationId xmlns:a16="http://schemas.microsoft.com/office/drawing/2014/main" id="{DF9469D1-0D7B-664F-AA8A-24BA09945622}"/>
-              </a:ext>
-            </a:extLst>
-          </p:cNvPr>
-          <p:cNvSpPr>
-            <a:spLocks noGrp="1"/>
-          </p:cNvSpPr>
-          <p:nvPr>
-            <p:ph type="body" sz="quarter" idx="11"/>
-          </p:nvPr>
-        </p:nvSpPr>
-        <p:spPr/>
-        <p:txBody>
-          <a:bodyPr/>
-          <a:lstStyle/>
-          <a:p>
-            <a:r>
-              <a:rPr lang="en-US" b="0" dirty="0"/>
-              <a:t>At least one figure showing the evaluation result</a:t>
-            </a:r>
-          </a:p>
-        </p:txBody>
-      </p:sp>
-      <p:sp>
-        <p:nvSpPr>
-          <p:cNvPr id="5" name="Picture Placeholder 4">
-            <a:extLst>
-              <a:ext uri="{FF2B5EF4-FFF2-40B4-BE49-F238E27FC236}">
-                <a16:creationId xmlns:a16="http://schemas.microsoft.com/office/drawing/2014/main" id="{EE1C8855-A556-7E4D-91DC-EC398D599EC3}"/>
-              </a:ext>
-            </a:extLst>
-          </p:cNvPr>
-          <p:cNvSpPr>
-            <a:spLocks noGrp="1"/>
-          </p:cNvSpPr>
-          <p:nvPr>
-            <p:ph type="pic" sz="quarter" idx="12"/>
-          </p:nvPr>
-        </p:nvSpPr>
-        <p:spPr/>
-      </p:sp>
-      <p:sp>
-        <p:nvSpPr>
-          <p:cNvPr id="2" name="Title 1">
-            <a:extLst>
-              <a:ext uri="{FF2B5EF4-FFF2-40B4-BE49-F238E27FC236}">
-                <a16:creationId xmlns:a16="http://schemas.microsoft.com/office/drawing/2014/main" id="{E2AEAF44-F909-4580-862E-7EB331AAAEC3}"/>
-              </a:ext>
-            </a:extLst>
-          </p:cNvPr>
-          <p:cNvSpPr>
-            <a:spLocks noGrp="1"/>
-          </p:cNvSpPr>
-          <p:nvPr>
-            <p:ph type="title"/>
-          </p:nvPr>
-        </p:nvSpPr>
-        <p:spPr/>
-        <p:txBody>
-          <a:bodyPr/>
-          <a:lstStyle/>
-          <a:p>
-            <a:r>
-              <a:rPr lang="en-US" dirty="0"/>
-              <a:t>Developing the project – </a:t>
-            </a:r>
-            <a:r>
-              <a:rPr lang="en-AU" dirty="0"/>
-              <a:t>initial evaluation </a:t>
-            </a:r>
-          </a:p>
-        </p:txBody>
-      </p:sp>
-    </p:spTree>
-    <p:extLst>
-      <p:ext uri="{BB962C8B-B14F-4D97-AF65-F5344CB8AC3E}">
-        <p14:creationId xmlns:p14="http://schemas.microsoft.com/office/powerpoint/2010/main" val="4113937976"/>
-      </p:ext>
-    </p:extLst>
-  </p:cSld>
-  <p:clrMapOvr>
-    <a:masterClrMapping/>
-  </p:clrMapOvr>
-</p:sld>
-</file>
-
-<file path=ppt/slides/slide11.xml><?xml version="1.0" encoding="utf-8"?>
-<p:sld xmlns:a="http://schemas.openxmlformats.org/drawingml/2006/main" xmlns:r="http://schemas.openxmlformats.org/officeDocument/2006/relationships" xmlns:p="http://schemas.openxmlformats.org/presentationml/2006/main">
-  <p:cSld>
-    <p:spTree>
-      <p:nvGrpSpPr>
-        <p:cNvPr id="1" name=""/>
-        <p:cNvGrpSpPr/>
-        <p:nvPr/>
-      </p:nvGrpSpPr>
-      <p:grpSpPr>
-        <a:xfrm>
-          <a:off x="0" y="0"/>
-          <a:ext cx="0" cy="0"/>
-          <a:chOff x="0" y="0"/>
-          <a:chExt cx="0" cy="0"/>
-        </a:xfrm>
-      </p:grpSpPr>
-      <p:sp>
-        <p:nvSpPr>
-          <p:cNvPr id="2" name="Title 1">
-            <a:extLst>
-              <a:ext uri="{FF2B5EF4-FFF2-40B4-BE49-F238E27FC236}">
-                <a16:creationId xmlns:a16="http://schemas.microsoft.com/office/drawing/2014/main" id="{E2AEAF44-F909-4580-862E-7EB331AAAEC3}"/>
-              </a:ext>
-            </a:extLst>
-          </p:cNvPr>
-          <p:cNvSpPr>
-            <a:spLocks noGrp="1"/>
-          </p:cNvSpPr>
-          <p:nvPr>
-            <p:ph type="title"/>
-          </p:nvPr>
-        </p:nvSpPr>
-        <p:spPr/>
-        <p:txBody>
-          <a:bodyPr/>
-          <a:lstStyle/>
-          <a:p>
-            <a:r>
-              <a:rPr lang="en-AU" dirty="0"/>
-              <a:t>Meeting minutes</a:t>
-            </a:r>
-          </a:p>
-        </p:txBody>
-      </p:sp>
-      <p:graphicFrame>
-        <p:nvGraphicFramePr>
-          <p:cNvPr id="8" name="Table 7">
-            <a:extLst>
-              <a:ext uri="{FF2B5EF4-FFF2-40B4-BE49-F238E27FC236}">
-                <a16:creationId xmlns:a16="http://schemas.microsoft.com/office/drawing/2014/main" id="{3A87D348-55EA-4938-B716-4176C77A2C27}"/>
-              </a:ext>
-            </a:extLst>
-          </p:cNvPr>
-          <p:cNvGraphicFramePr>
-            <a:graphicFrameLocks noGrp="1"/>
-          </p:cNvGraphicFramePr>
-          <p:nvPr/>
-        </p:nvGraphicFramePr>
-        <p:xfrm>
-          <a:off x="358775" y="1497142"/>
-          <a:ext cx="8518715" cy="2936749"/>
-        </p:xfrm>
-        <a:graphic>
-          <a:graphicData uri="http://schemas.openxmlformats.org/drawingml/2006/table">
-            <a:tbl>
-              <a:tblPr firstRow="1" firstCol="1" bandRow="1">
-                <a:tableStyleId>{5C22544A-7EE6-4342-B048-85BDC9FD1C3A}</a:tableStyleId>
-              </a:tblPr>
-              <a:tblGrid>
-                <a:gridCol w="1373987">
-                  <a:extLst>
-                    <a:ext uri="{9D8B030D-6E8A-4147-A177-3AD203B41FA5}">
-                      <a16:colId xmlns:a16="http://schemas.microsoft.com/office/drawing/2014/main" val="1573866123"/>
-                    </a:ext>
-                  </a:extLst>
-                </a:gridCol>
-                <a:gridCol w="2534438">
-                  <a:extLst>
-                    <a:ext uri="{9D8B030D-6E8A-4147-A177-3AD203B41FA5}">
-                      <a16:colId xmlns:a16="http://schemas.microsoft.com/office/drawing/2014/main" val="83730095"/>
-                    </a:ext>
-                  </a:extLst>
-                </a:gridCol>
-                <a:gridCol w="4610290">
-                  <a:extLst>
-                    <a:ext uri="{9D8B030D-6E8A-4147-A177-3AD203B41FA5}">
-                      <a16:colId xmlns:a16="http://schemas.microsoft.com/office/drawing/2014/main" val="1624356449"/>
-                    </a:ext>
-                  </a:extLst>
-                </a:gridCol>
-              </a:tblGrid>
-              <a:tr h="564619">
-                <a:tc>
-                  <a:txBody>
-                    <a:bodyPr/>
-                    <a:lstStyle/>
-                    <a:p>
-                      <a:pPr algn="ctr">
-                        <a:lnSpc>
-                          <a:spcPct val="107000"/>
-                        </a:lnSpc>
-                        <a:spcAft>
-                          <a:spcPts val="0"/>
-                        </a:spcAft>
-                      </a:pPr>
-                      <a:r>
-                        <a:rPr lang="en-AU" sz="1600" dirty="0">
-                          <a:effectLst/>
-                        </a:rPr>
-                        <a:t>Item</a:t>
-                      </a:r>
-                      <a:endParaRPr lang="en-AU" sz="1600" dirty="0">
-                        <a:effectLst/>
-                        <a:latin typeface="Tw Cen MT" panose="020B0602020104020603" pitchFamily="34" charset="0"/>
-                        <a:ea typeface="Calibri" panose="020F0502020204030204" pitchFamily="34" charset="0"/>
-                        <a:cs typeface="Times New Roman" panose="02020603050405020304" pitchFamily="18" charset="0"/>
-                      </a:endParaRPr>
-                    </a:p>
-                  </a:txBody>
-                  <a:tcPr marL="81331" marR="81331" marT="0" marB="0" anchor="ctr"/>
-                </a:tc>
-                <a:tc>
-                  <a:txBody>
-                    <a:bodyPr/>
-                    <a:lstStyle/>
-                    <a:p>
-                      <a:pPr algn="ctr">
-                        <a:lnSpc>
-                          <a:spcPct val="107000"/>
-                        </a:lnSpc>
-                        <a:spcAft>
-                          <a:spcPts val="0"/>
-                        </a:spcAft>
-                      </a:pPr>
-                      <a:r>
-                        <a:rPr lang="en-AU" sz="1600" dirty="0">
-                          <a:effectLst/>
-                        </a:rPr>
-                        <a:t>Discussion</a:t>
-                      </a:r>
-                    </a:p>
-                    <a:p>
-                      <a:pPr algn="ctr">
-                        <a:lnSpc>
-                          <a:spcPct val="107000"/>
-                        </a:lnSpc>
-                        <a:spcAft>
-                          <a:spcPts val="0"/>
-                        </a:spcAft>
-                      </a:pPr>
-                      <a:r>
-                        <a:rPr lang="en-AU" sz="1100" dirty="0">
-                          <a:effectLst/>
-                          <a:latin typeface="Tw Cen MT" panose="020B0602020104020603" pitchFamily="34" charset="0"/>
-                          <a:ea typeface="Calibri" panose="020F0502020204030204" pitchFamily="34" charset="0"/>
-                          <a:cs typeface="Times New Roman" panose="02020603050405020304" pitchFamily="18" charset="0"/>
-                        </a:rPr>
-                        <a:t>(you can refer to previous slides)</a:t>
-                      </a:r>
-                    </a:p>
-                  </a:txBody>
-                  <a:tcPr marL="81331" marR="81331" marT="0" marB="0" anchor="ctr"/>
-                </a:tc>
-                <a:tc>
-                  <a:txBody>
-                    <a:bodyPr/>
-                    <a:lstStyle/>
-                    <a:p>
-                      <a:pPr algn="ctr">
-                        <a:lnSpc>
-                          <a:spcPct val="107000"/>
-                        </a:lnSpc>
-                        <a:spcAft>
-                          <a:spcPts val="0"/>
-                        </a:spcAft>
-                      </a:pPr>
-                      <a:r>
-                        <a:rPr lang="en-AU" sz="1600" dirty="0">
-                          <a:effectLst/>
-                        </a:rPr>
-                        <a:t>Actions (who) – action points for next week</a:t>
-                      </a:r>
-                    </a:p>
-                  </a:txBody>
-                  <a:tcPr marL="81331" marR="81331" marT="0" marB="0" anchor="ctr"/>
-                </a:tc>
-                <a:extLst>
-                  <a:ext uri="{0D108BD9-81ED-4DB2-BD59-A6C34878D82A}">
-                    <a16:rowId xmlns:a16="http://schemas.microsoft.com/office/drawing/2014/main" val="921860958"/>
-                  </a:ext>
-                </a:extLst>
-              </a:tr>
-              <a:tr h="474426">
-                <a:tc>
-                  <a:txBody>
-                    <a:bodyPr/>
-                    <a:lstStyle/>
-                    <a:p>
-                      <a:pPr>
-                        <a:lnSpc>
-                          <a:spcPct val="107000"/>
-                        </a:lnSpc>
-                      </a:pPr>
-                      <a:endParaRPr lang="en-AU" sz="1000" dirty="0">
-                        <a:effectLst/>
-                        <a:latin typeface="Calibri" panose="020F0502020204030204" pitchFamily="34" charset="0"/>
-                        <a:cs typeface="Times New Roman" panose="02020603050405020304" pitchFamily="18" charset="0"/>
-                      </a:endParaRPr>
-                    </a:p>
-                  </a:txBody>
-                  <a:tcPr marL="81331" marR="81331" marT="0" marB="0" anchor="b"/>
-                </a:tc>
-                <a:tc>
-                  <a:txBody>
-                    <a:bodyPr/>
-                    <a:lstStyle/>
-                    <a:p>
-                      <a:pPr>
-                        <a:lnSpc>
-                          <a:spcPct val="107000"/>
-                        </a:lnSpc>
-                      </a:pPr>
-                      <a:endParaRPr lang="en-AU" sz="1000" dirty="0">
-                        <a:effectLst/>
-                        <a:latin typeface="Calibri" panose="020F0502020204030204" pitchFamily="34" charset="0"/>
-                        <a:cs typeface="Times New Roman" panose="02020603050405020304" pitchFamily="18" charset="0"/>
-                      </a:endParaRPr>
-                    </a:p>
-                  </a:txBody>
-                  <a:tcPr marL="81331" marR="81331" marT="0" marB="0" anchor="b"/>
-                </a:tc>
-                <a:tc>
-                  <a:txBody>
-                    <a:bodyPr/>
-                    <a:lstStyle/>
-                    <a:p>
-                      <a:pPr>
-                        <a:lnSpc>
-                          <a:spcPct val="107000"/>
-                        </a:lnSpc>
-                      </a:pPr>
-                      <a:endParaRPr lang="en-AU" sz="1000" dirty="0">
-                        <a:effectLst/>
-                        <a:latin typeface="Calibri" panose="020F0502020204030204" pitchFamily="34" charset="0"/>
-                        <a:cs typeface="Times New Roman" panose="02020603050405020304" pitchFamily="18" charset="0"/>
-                      </a:endParaRPr>
-                    </a:p>
-                  </a:txBody>
-                  <a:tcPr marL="81331" marR="81331" marT="0" marB="0" anchor="b"/>
-                </a:tc>
-                <a:extLst>
-                  <a:ext uri="{0D108BD9-81ED-4DB2-BD59-A6C34878D82A}">
-                    <a16:rowId xmlns:a16="http://schemas.microsoft.com/office/drawing/2014/main" val="2191457816"/>
-                  </a:ext>
-                </a:extLst>
-              </a:tr>
-              <a:tr h="474426">
-                <a:tc>
-                  <a:txBody>
-                    <a:bodyPr/>
-                    <a:lstStyle/>
-                    <a:p>
-                      <a:pPr>
-                        <a:lnSpc>
-                          <a:spcPct val="107000"/>
-                        </a:lnSpc>
-                      </a:pPr>
-                      <a:endParaRPr lang="en-AU" sz="1000">
-                        <a:effectLst/>
-                        <a:latin typeface="Calibri" panose="020F0502020204030204" pitchFamily="34" charset="0"/>
-                        <a:cs typeface="Times New Roman" panose="02020603050405020304" pitchFamily="18" charset="0"/>
-                      </a:endParaRPr>
-                    </a:p>
-                  </a:txBody>
-                  <a:tcPr marL="81331" marR="81331" marT="0" marB="0" anchor="b"/>
-                </a:tc>
-                <a:tc>
-                  <a:txBody>
-                    <a:bodyPr/>
-                    <a:lstStyle/>
-                    <a:p>
-                      <a:pPr>
-                        <a:lnSpc>
-                          <a:spcPct val="107000"/>
-                        </a:lnSpc>
-                      </a:pPr>
-                      <a:endParaRPr lang="en-AU" sz="1000">
-                        <a:effectLst/>
-                        <a:latin typeface="Calibri" panose="020F0502020204030204" pitchFamily="34" charset="0"/>
-                        <a:cs typeface="Times New Roman" panose="02020603050405020304" pitchFamily="18" charset="0"/>
-                      </a:endParaRPr>
-                    </a:p>
-                  </a:txBody>
-                  <a:tcPr marL="81331" marR="81331" marT="0" marB="0" anchor="b"/>
-                </a:tc>
-                <a:tc>
-                  <a:txBody>
-                    <a:bodyPr/>
-                    <a:lstStyle/>
-                    <a:p>
-                      <a:pPr>
-                        <a:lnSpc>
-                          <a:spcPct val="107000"/>
-                        </a:lnSpc>
-                      </a:pPr>
-                      <a:endParaRPr lang="en-AU" sz="1000">
-                        <a:effectLst/>
-                        <a:latin typeface="Calibri" panose="020F0502020204030204" pitchFamily="34" charset="0"/>
-                        <a:cs typeface="Times New Roman" panose="02020603050405020304" pitchFamily="18" charset="0"/>
-                      </a:endParaRPr>
-                    </a:p>
-                  </a:txBody>
-                  <a:tcPr marL="81331" marR="81331" marT="0" marB="0" anchor="b"/>
-                </a:tc>
-                <a:extLst>
-                  <a:ext uri="{0D108BD9-81ED-4DB2-BD59-A6C34878D82A}">
-                    <a16:rowId xmlns:a16="http://schemas.microsoft.com/office/drawing/2014/main" val="2947246499"/>
-                  </a:ext>
-                </a:extLst>
-              </a:tr>
-              <a:tr h="474426">
-                <a:tc>
-                  <a:txBody>
-                    <a:bodyPr/>
-                    <a:lstStyle/>
-                    <a:p>
-                      <a:pPr>
-                        <a:lnSpc>
-                          <a:spcPct val="107000"/>
-                        </a:lnSpc>
-                      </a:pPr>
-                      <a:endParaRPr lang="en-AU" sz="1000">
-                        <a:effectLst/>
-                        <a:latin typeface="Calibri" panose="020F0502020204030204" pitchFamily="34" charset="0"/>
-                        <a:cs typeface="Times New Roman" panose="02020603050405020304" pitchFamily="18" charset="0"/>
-                      </a:endParaRPr>
-                    </a:p>
-                  </a:txBody>
-                  <a:tcPr marL="81331" marR="81331" marT="0" marB="0" anchor="b"/>
-                </a:tc>
-                <a:tc>
-                  <a:txBody>
-                    <a:bodyPr/>
-                    <a:lstStyle/>
-                    <a:p>
-                      <a:pPr>
-                        <a:lnSpc>
-                          <a:spcPct val="107000"/>
-                        </a:lnSpc>
-                      </a:pPr>
-                      <a:endParaRPr lang="en-AU" sz="1000">
-                        <a:effectLst/>
-                        <a:latin typeface="Calibri" panose="020F0502020204030204" pitchFamily="34" charset="0"/>
-                        <a:cs typeface="Times New Roman" panose="02020603050405020304" pitchFamily="18" charset="0"/>
-                      </a:endParaRPr>
-                    </a:p>
-                  </a:txBody>
-                  <a:tcPr marL="81331" marR="81331" marT="0" marB="0" anchor="b"/>
-                </a:tc>
-                <a:tc>
-                  <a:txBody>
-                    <a:bodyPr/>
-                    <a:lstStyle/>
-                    <a:p>
-                      <a:pPr>
-                        <a:lnSpc>
-                          <a:spcPct val="107000"/>
-                        </a:lnSpc>
-                      </a:pPr>
-                      <a:endParaRPr lang="en-AU" sz="1000">
-                        <a:effectLst/>
-                        <a:latin typeface="Calibri" panose="020F0502020204030204" pitchFamily="34" charset="0"/>
-                        <a:cs typeface="Times New Roman" panose="02020603050405020304" pitchFamily="18" charset="0"/>
-                      </a:endParaRPr>
-                    </a:p>
-                  </a:txBody>
-                  <a:tcPr marL="81331" marR="81331" marT="0" marB="0" anchor="b"/>
-                </a:tc>
-                <a:extLst>
-                  <a:ext uri="{0D108BD9-81ED-4DB2-BD59-A6C34878D82A}">
-                    <a16:rowId xmlns:a16="http://schemas.microsoft.com/office/drawing/2014/main" val="942335013"/>
-                  </a:ext>
-                </a:extLst>
-              </a:tr>
-              <a:tr h="474426">
-                <a:tc>
-                  <a:txBody>
-                    <a:bodyPr/>
-                    <a:lstStyle/>
-                    <a:p>
-                      <a:pPr>
-                        <a:lnSpc>
-                          <a:spcPct val="107000"/>
-                        </a:lnSpc>
-                      </a:pPr>
-                      <a:endParaRPr lang="en-AU" sz="1000">
-                        <a:effectLst/>
-                        <a:latin typeface="Calibri" panose="020F0502020204030204" pitchFamily="34" charset="0"/>
-                        <a:cs typeface="Times New Roman" panose="02020603050405020304" pitchFamily="18" charset="0"/>
-                      </a:endParaRPr>
-                    </a:p>
-                  </a:txBody>
-                  <a:tcPr marL="81331" marR="81331" marT="0" marB="0" anchor="b"/>
-                </a:tc>
-                <a:tc>
-                  <a:txBody>
-                    <a:bodyPr/>
-                    <a:lstStyle/>
-                    <a:p>
-                      <a:pPr>
-                        <a:lnSpc>
-                          <a:spcPct val="107000"/>
-                        </a:lnSpc>
-                      </a:pPr>
-                      <a:endParaRPr lang="en-AU" sz="1000">
-                        <a:effectLst/>
-                        <a:latin typeface="Calibri" panose="020F0502020204030204" pitchFamily="34" charset="0"/>
-                        <a:cs typeface="Times New Roman" panose="02020603050405020304" pitchFamily="18" charset="0"/>
-                      </a:endParaRPr>
-                    </a:p>
-                  </a:txBody>
-                  <a:tcPr marL="81331" marR="81331" marT="0" marB="0" anchor="b"/>
-                </a:tc>
-                <a:tc>
-                  <a:txBody>
-                    <a:bodyPr/>
-                    <a:lstStyle/>
-                    <a:p>
-                      <a:pPr>
-                        <a:lnSpc>
-                          <a:spcPct val="107000"/>
-                        </a:lnSpc>
-                      </a:pPr>
-                      <a:endParaRPr lang="en-AU" sz="1000" dirty="0">
-                        <a:effectLst/>
-                        <a:latin typeface="Calibri" panose="020F0502020204030204" pitchFamily="34" charset="0"/>
-                        <a:cs typeface="Times New Roman" panose="02020603050405020304" pitchFamily="18" charset="0"/>
-                      </a:endParaRPr>
-                    </a:p>
-                  </a:txBody>
-                  <a:tcPr marL="81331" marR="81331" marT="0" marB="0" anchor="b"/>
-                </a:tc>
-                <a:extLst>
-                  <a:ext uri="{0D108BD9-81ED-4DB2-BD59-A6C34878D82A}">
-                    <a16:rowId xmlns:a16="http://schemas.microsoft.com/office/drawing/2014/main" val="1757599085"/>
-                  </a:ext>
-                </a:extLst>
-              </a:tr>
-              <a:tr h="474426">
-                <a:tc>
-                  <a:txBody>
-                    <a:bodyPr/>
-                    <a:lstStyle/>
-                    <a:p>
-                      <a:pPr>
-                        <a:lnSpc>
-                          <a:spcPct val="107000"/>
-                        </a:lnSpc>
-                      </a:pPr>
-                      <a:endParaRPr lang="en-AU" sz="1000">
-                        <a:effectLst/>
-                        <a:latin typeface="Calibri" panose="020F0502020204030204" pitchFamily="34" charset="0"/>
-                        <a:cs typeface="Times New Roman" panose="02020603050405020304" pitchFamily="18" charset="0"/>
-                      </a:endParaRPr>
-                    </a:p>
-                  </a:txBody>
-                  <a:tcPr marL="81331" marR="81331" marT="0" marB="0" anchor="b"/>
-                </a:tc>
-                <a:tc>
-                  <a:txBody>
-                    <a:bodyPr/>
-                    <a:lstStyle/>
-                    <a:p>
-                      <a:pPr>
-                        <a:lnSpc>
-                          <a:spcPct val="107000"/>
-                        </a:lnSpc>
-                      </a:pPr>
-                      <a:endParaRPr lang="en-AU" sz="1000">
-                        <a:effectLst/>
-                        <a:latin typeface="Calibri" panose="020F0502020204030204" pitchFamily="34" charset="0"/>
-                        <a:cs typeface="Times New Roman" panose="02020603050405020304" pitchFamily="18" charset="0"/>
-                      </a:endParaRPr>
-                    </a:p>
-                  </a:txBody>
-                  <a:tcPr marL="81331" marR="81331" marT="0" marB="0" anchor="b"/>
-                </a:tc>
-                <a:tc>
-                  <a:txBody>
-                    <a:bodyPr/>
-                    <a:lstStyle/>
-                    <a:p>
-                      <a:pPr>
-                        <a:lnSpc>
-                          <a:spcPct val="107000"/>
-                        </a:lnSpc>
-                      </a:pPr>
-                      <a:endParaRPr lang="en-AU" sz="1000" dirty="0">
-                        <a:effectLst/>
-                        <a:latin typeface="Calibri" panose="020F0502020204030204" pitchFamily="34" charset="0"/>
-                        <a:cs typeface="Times New Roman" panose="02020603050405020304" pitchFamily="18" charset="0"/>
-                      </a:endParaRPr>
-                    </a:p>
-                  </a:txBody>
-                  <a:tcPr marL="81331" marR="81331" marT="0" marB="0" anchor="b"/>
-                </a:tc>
-                <a:extLst>
-                  <a:ext uri="{0D108BD9-81ED-4DB2-BD59-A6C34878D82A}">
-                    <a16:rowId xmlns:a16="http://schemas.microsoft.com/office/drawing/2014/main" val="927903413"/>
-                  </a:ext>
-                </a:extLst>
-              </a:tr>
-            </a:tbl>
-          </a:graphicData>
-        </a:graphic>
-      </p:graphicFrame>
-      <p:sp>
-        <p:nvSpPr>
-          <p:cNvPr id="9" name="Rectangle 2">
-            <a:extLst>
-              <a:ext uri="{FF2B5EF4-FFF2-40B4-BE49-F238E27FC236}">
-                <a16:creationId xmlns:a16="http://schemas.microsoft.com/office/drawing/2014/main" id="{A2ADCF7C-1D56-46C0-AA47-22DB2F49BF52}"/>
-              </a:ext>
-            </a:extLst>
-          </p:cNvPr>
-          <p:cNvSpPr>
-            <a:spLocks noChangeArrowheads="1"/>
-          </p:cNvSpPr>
-          <p:nvPr/>
-        </p:nvSpPr>
-        <p:spPr bwMode="auto">
-          <a:xfrm>
-            <a:off x="358775" y="820034"/>
-            <a:ext cx="4699191" cy="677108"/>
-          </a:xfrm>
-          <a:prstGeom prst="rect">
-            <a:avLst/>
-          </a:prstGeom>
-          <a:noFill/>
-          <a:ln>
-            <a:noFill/>
-          </a:ln>
-          <a:effectLst/>
-          <a:extLst>
-            <a:ext uri="{909E8E84-426E-40DD-AFC4-6F175D3DCCD1}">
-              <a14:hiddenFill xmlns:a14="http://schemas.microsoft.com/office/drawing/2010/main">
-                <a:solidFill>
-                  <a:schemeClr val="accent1"/>
-                </a:solidFill>
-              </a14:hiddenFill>
-            </a:ext>
-            <a:ext uri="{91240B29-F687-4F45-9708-019B960494DF}">
-              <a14:hiddenLine xmlns:a14="http://schemas.microsoft.com/office/drawing/2010/main" w="9525">
-                <a:solidFill>
-                  <a:schemeClr val="tx1"/>
-                </a:solidFill>
-                <a:miter lim="800000"/>
-                <a:headEnd/>
-                <a:tailEnd/>
-              </a14:hiddenLine>
-            </a:ext>
-            <a:ext uri="{AF507438-7753-43E0-B8FC-AC1667EBCBE1}">
-              <a14:hiddenEffects xmlns:a14="http://schemas.microsoft.com/office/drawing/2010/main">
-                <a:effectLst>
-                  <a:outerShdw dist="35921" dir="2700000" algn="ctr" rotWithShape="0">
-                    <a:schemeClr val="bg2"/>
-                  </a:outerShdw>
-                </a:effectLst>
-              </a14:hiddenEffects>
-            </a:ext>
-          </a:extLst>
-        </p:spPr>
-        <p:txBody>
-          <a:bodyPr vert="horz" wrap="square" lIns="91440" tIns="45720" rIns="91440" bIns="45720" numCol="1" anchor="ctr" anchorCtr="0" compatLnSpc="1">
-            <a:prstTxWarp prst="textNoShape">
-              <a:avLst/>
-            </a:prstTxWarp>
-            <a:spAutoFit/>
-          </a:bodyPr>
-          <a:lstStyle/>
-          <a:p>
-            <a:pPr marL="0" marR="0" lvl="0" indent="0" algn="l" defTabSz="914400" rtl="0" eaLnBrk="0" fontAlgn="base" latinLnBrk="0" hangingPunct="0">
-              <a:lnSpc>
-                <a:spcPct val="100000"/>
-              </a:lnSpc>
-              <a:spcBef>
-                <a:spcPct val="0"/>
-              </a:spcBef>
-              <a:spcAft>
-                <a:spcPct val="0"/>
-              </a:spcAft>
-              <a:buClrTx/>
-              <a:buSzTx/>
-              <a:buFontTx/>
-              <a:buNone/>
-              <a:tabLst/>
-            </a:pPr>
-            <a:r>
-              <a:rPr kumimoji="0" lang="en-AU" altLang="en-US" sz="1100" b="0" i="1" u="none" strike="noStrike" cap="none" normalizeH="0" baseline="0" dirty="0">
-                <a:ln>
-                  <a:noFill/>
-                </a:ln>
-                <a:solidFill>
-                  <a:schemeClr val="tx1"/>
-                </a:solidFill>
-                <a:effectLst/>
-                <a:latin typeface="Tw Cen MT" panose="020B0602020104020603" pitchFamily="34" charset="0"/>
-                <a:ea typeface="Calibri" panose="020F0502020204030204" pitchFamily="34" charset="0"/>
-                <a:cs typeface="Times New Roman" panose="02020603050405020304" pitchFamily="18" charset="0"/>
-              </a:rPr>
-              <a:t>Date and time of meeting:</a:t>
-            </a:r>
-            <a:endParaRPr kumimoji="0" lang="en-AU" altLang="en-US" sz="500" b="0" i="0" u="none" strike="noStrike" cap="none" normalizeH="0" baseline="0" dirty="0">
-              <a:ln>
-                <a:noFill/>
-              </a:ln>
-              <a:solidFill>
-                <a:schemeClr val="tx1"/>
-              </a:solidFill>
-              <a:effectLst/>
-            </a:endParaRPr>
-          </a:p>
-          <a:p>
-            <a:pPr marL="0" marR="0" lvl="0" indent="0" algn="l" defTabSz="914400" rtl="0" eaLnBrk="0" fontAlgn="base" latinLnBrk="0" hangingPunct="0">
-              <a:lnSpc>
-                <a:spcPct val="100000"/>
-              </a:lnSpc>
-              <a:spcBef>
-                <a:spcPct val="0"/>
-              </a:spcBef>
-              <a:spcAft>
-                <a:spcPct val="0"/>
-              </a:spcAft>
-              <a:buClrTx/>
-              <a:buSzTx/>
-              <a:buFontTx/>
-              <a:buNone/>
-              <a:tabLst/>
-            </a:pPr>
-            <a:r>
-              <a:rPr kumimoji="0" lang="en-AU" altLang="en-US" sz="1100" b="0" i="1" u="none" strike="noStrike" cap="none" normalizeH="0" baseline="0" dirty="0">
-                <a:ln>
-                  <a:noFill/>
-                </a:ln>
-                <a:solidFill>
-                  <a:schemeClr val="tx1"/>
-                </a:solidFill>
-                <a:effectLst/>
-                <a:latin typeface="Tw Cen MT" panose="020B0602020104020603" pitchFamily="34" charset="0"/>
-                <a:ea typeface="Calibri" panose="020F0502020204030204" pitchFamily="34" charset="0"/>
-                <a:cs typeface="Times New Roman" panose="02020603050405020304" pitchFamily="18" charset="0"/>
-              </a:rPr>
-              <a:t>Team members present:</a:t>
-            </a:r>
-          </a:p>
-          <a:p>
-            <a:pPr marL="0" marR="0" lvl="0" indent="0" algn="l" defTabSz="914400" rtl="0" eaLnBrk="0" fontAlgn="base" latinLnBrk="0" hangingPunct="0">
-              <a:lnSpc>
-                <a:spcPct val="100000"/>
-              </a:lnSpc>
-              <a:spcBef>
-                <a:spcPct val="0"/>
-              </a:spcBef>
-              <a:spcAft>
-                <a:spcPct val="0"/>
-              </a:spcAft>
-              <a:buClrTx/>
-              <a:buSzTx/>
-              <a:buFontTx/>
-              <a:buNone/>
-              <a:tabLst/>
-            </a:pPr>
-            <a:endParaRPr kumimoji="0" lang="en-AU" altLang="en-US" sz="500" b="0" i="0" u="none" strike="noStrike" cap="none" normalizeH="0" baseline="0" dirty="0">
-              <a:ln>
-                <a:noFill/>
-              </a:ln>
-              <a:solidFill>
-                <a:schemeClr val="tx1"/>
-              </a:solidFill>
-              <a:effectLst/>
-            </a:endParaRPr>
-          </a:p>
-          <a:p>
-            <a:pPr marL="0" marR="0" lvl="0" indent="0" algn="l" defTabSz="914400" rtl="0" eaLnBrk="0" fontAlgn="base" latinLnBrk="0" hangingPunct="0">
-              <a:lnSpc>
-                <a:spcPct val="100000"/>
-              </a:lnSpc>
-              <a:spcBef>
-                <a:spcPct val="0"/>
-              </a:spcBef>
-              <a:spcAft>
-                <a:spcPct val="0"/>
-              </a:spcAft>
-              <a:buClrTx/>
-              <a:buSzTx/>
-              <a:buFontTx/>
-              <a:buNone/>
-              <a:tabLst/>
-            </a:pPr>
-            <a:r>
-              <a:rPr kumimoji="0" lang="en-AU" altLang="en-US" sz="1100" b="1" i="0" u="none" strike="noStrike" cap="none" normalizeH="0" baseline="0" dirty="0">
-                <a:ln>
-                  <a:noFill/>
-                </a:ln>
-                <a:solidFill>
-                  <a:schemeClr val="tx1"/>
-                </a:solidFill>
-                <a:effectLst/>
-                <a:latin typeface="Tw Cen MT" panose="020B0602020104020603" pitchFamily="34" charset="0"/>
-                <a:ea typeface="Calibri" panose="020F0502020204030204" pitchFamily="34" charset="0"/>
-                <a:cs typeface="Times New Roman" panose="02020603050405020304" pitchFamily="18" charset="0"/>
-              </a:rPr>
-              <a:t>AGENDA</a:t>
-            </a:r>
-            <a:endParaRPr kumimoji="0" lang="en-AU" altLang="en-US" sz="500" b="0" i="0" u="none" strike="noStrike" cap="none" normalizeH="0" baseline="0" dirty="0">
-              <a:ln>
-                <a:noFill/>
-              </a:ln>
-              <a:solidFill>
-                <a:schemeClr val="tx1"/>
-              </a:solidFill>
-              <a:effectLst/>
-            </a:endParaRPr>
-          </a:p>
-        </p:txBody>
-      </p:sp>
-      <p:sp>
-        <p:nvSpPr>
-          <p:cNvPr id="10" name="Rectangle 9">
-            <a:extLst>
-              <a:ext uri="{FF2B5EF4-FFF2-40B4-BE49-F238E27FC236}">
-                <a16:creationId xmlns:a16="http://schemas.microsoft.com/office/drawing/2014/main" id="{0063FAC6-1059-490E-9D0D-3CEF59DD566B}"/>
-              </a:ext>
-            </a:extLst>
-          </p:cNvPr>
-          <p:cNvSpPr/>
-          <p:nvPr/>
-        </p:nvSpPr>
-        <p:spPr>
-          <a:xfrm>
-            <a:off x="1959209" y="4444096"/>
-            <a:ext cx="4572000" cy="646331"/>
-          </a:xfrm>
-          <a:prstGeom prst="rect">
-            <a:avLst/>
-          </a:prstGeom>
-        </p:spPr>
-        <p:txBody>
-          <a:bodyPr>
-            <a:spAutoFit/>
-          </a:bodyPr>
-          <a:lstStyle/>
-          <a:p>
-            <a:pPr lvl="0" defTabSz="914400" eaLnBrk="0" hangingPunct="0"/>
-            <a:r>
-              <a:rPr lang="en-AU" altLang="en-US" sz="1200" i="1" dirty="0">
-                <a:latin typeface="Tw Cen MT" panose="020B0602020104020603" pitchFamily="34" charset="0"/>
-                <a:ea typeface="Calibri" panose="020F0502020204030204" pitchFamily="34" charset="0"/>
-                <a:cs typeface="Times New Roman" panose="02020603050405020304" pitchFamily="18" charset="0"/>
-              </a:rPr>
-              <a:t>Next meeting date and time:</a:t>
-            </a:r>
-          </a:p>
-          <a:p>
-            <a:pPr lvl="0" defTabSz="914400" eaLnBrk="0" hangingPunct="0"/>
-            <a:r>
-              <a:rPr lang="en-AU" altLang="en-US" sz="1200" i="1" dirty="0">
-                <a:latin typeface="Tw Cen MT" panose="020B0602020104020603" pitchFamily="34" charset="0"/>
-                <a:cs typeface="Times New Roman" panose="02020603050405020304" pitchFamily="18" charset="0"/>
-              </a:rPr>
-              <a:t>Group member responsible for finalising/submitting minutes:</a:t>
-            </a:r>
-          </a:p>
-          <a:p>
-            <a:pPr lvl="0" defTabSz="914400" eaLnBrk="0" hangingPunct="0"/>
-            <a:r>
-              <a:rPr lang="en-AU" altLang="en-US" sz="1200" i="1" dirty="0">
-                <a:solidFill>
-                  <a:srgbClr val="FF0000"/>
-                </a:solidFill>
-                <a:latin typeface="Tw Cen MT" panose="020B0602020104020603" pitchFamily="34" charset="0"/>
-                <a:cs typeface="Times New Roman" panose="02020603050405020304" pitchFamily="18" charset="0"/>
-              </a:rPr>
-              <a:t>To be posted on the CANVAS Individual group website</a:t>
-            </a:r>
-            <a:endParaRPr lang="en-AU" altLang="en-US" sz="500" dirty="0">
-              <a:solidFill>
-                <a:srgbClr val="FF0000"/>
-              </a:solidFill>
-            </a:endParaRPr>
-          </a:p>
-        </p:txBody>
-      </p:sp>
-    </p:spTree>
-    <p:extLst>
-      <p:ext uri="{BB962C8B-B14F-4D97-AF65-F5344CB8AC3E}">
-        <p14:creationId xmlns:p14="http://schemas.microsoft.com/office/powerpoint/2010/main" val="1982411376"/>
-      </p:ext>
-    </p:extLst>
-  </p:cSld>
-  <p:clrMapOvr>
-    <a:masterClrMapping/>
-  </p:clrMapOvr>
-</p:sld>
-</file>
-
-<file path=ppt/slides/slide12.xml><?xml version="1.0" encoding="utf-8"?>
-<p:sld xmlns:a="http://schemas.openxmlformats.org/drawingml/2006/main" xmlns:r="http://schemas.openxmlformats.org/officeDocument/2006/relationships" xmlns:p="http://schemas.openxmlformats.org/presentationml/2006/main">
-  <p:cSld>
-    <p:spTree>
-      <p:nvGrpSpPr>
-        <p:cNvPr id="1" name=""/>
-        <p:cNvGrpSpPr/>
-        <p:nvPr/>
-      </p:nvGrpSpPr>
-      <p:grpSpPr>
-        <a:xfrm>
-          <a:off x="0" y="0"/>
-          <a:ext cx="0" cy="0"/>
-          <a:chOff x="0" y="0"/>
-          <a:chExt cx="0" cy="0"/>
-        </a:xfrm>
-      </p:grpSpPr>
-      <p:sp>
-        <p:nvSpPr>
-          <p:cNvPr id="4" name="Content Placeholder 3">
-            <a:extLst>
-              <a:ext uri="{FF2B5EF4-FFF2-40B4-BE49-F238E27FC236}">
-                <a16:creationId xmlns:a16="http://schemas.microsoft.com/office/drawing/2014/main" id="{F79E8E1A-6AC7-3F4E-8F0D-D3A7F823361E}"/>
-              </a:ext>
-            </a:extLst>
-          </p:cNvPr>
-          <p:cNvSpPr>
-            <a:spLocks noGrp="1"/>
-          </p:cNvSpPr>
-          <p:nvPr>
-            <p:ph idx="1"/>
-          </p:nvPr>
-        </p:nvSpPr>
-        <p:spPr/>
-        <p:txBody>
-          <a:bodyPr/>
-          <a:lstStyle/>
-          <a:p>
-            <a:r>
-              <a:rPr lang="en-US" b="0" dirty="0"/>
-              <a:t>Action points from last week … …</a:t>
-            </a:r>
-          </a:p>
-          <a:p>
-            <a:r>
-              <a:rPr lang="en-US" b="0" dirty="0"/>
-              <a:t>…</a:t>
-            </a:r>
-          </a:p>
-          <a:p>
-            <a:r>
-              <a:rPr lang="en-US" b="0" dirty="0"/>
-              <a:t>…</a:t>
-            </a:r>
-          </a:p>
-          <a:p>
-            <a:pPr marL="0" indent="0">
-              <a:buNone/>
-            </a:pPr>
-            <a:endParaRPr lang="en-US" b="0" dirty="0"/>
-          </a:p>
-          <a:p>
-            <a:r>
-              <a:rPr lang="en-US" b="0" dirty="0"/>
-              <a:t>Key progress over last week …</a:t>
-            </a:r>
-          </a:p>
-          <a:p>
-            <a:r>
-              <a:rPr lang="en-US" b="0" dirty="0"/>
-              <a:t>…</a:t>
-            </a:r>
-          </a:p>
-          <a:p>
-            <a:r>
-              <a:rPr lang="en-US" b="0" dirty="0"/>
-              <a:t>…</a:t>
-            </a:r>
-          </a:p>
-          <a:p>
-            <a:endParaRPr lang="en-US" b="0" dirty="0"/>
-          </a:p>
-          <a:p>
-            <a:endParaRPr lang="en-US" b="0" dirty="0"/>
-          </a:p>
-          <a:p>
-            <a:endParaRPr lang="en-US" b="0" dirty="0"/>
-          </a:p>
-          <a:p>
-            <a:endParaRPr lang="en-US" b="0" dirty="0"/>
-          </a:p>
-          <a:p>
-            <a:endParaRPr lang="en-US" dirty="0"/>
-          </a:p>
-        </p:txBody>
-      </p:sp>
-      <p:sp>
-        <p:nvSpPr>
-          <p:cNvPr id="2" name="Title 1">
-            <a:extLst>
-              <a:ext uri="{FF2B5EF4-FFF2-40B4-BE49-F238E27FC236}">
-                <a16:creationId xmlns:a16="http://schemas.microsoft.com/office/drawing/2014/main" id="{E2AEAF44-F909-4580-862E-7EB331AAAEC3}"/>
-              </a:ext>
-            </a:extLst>
-          </p:cNvPr>
-          <p:cNvSpPr>
-            <a:spLocks noGrp="1"/>
-          </p:cNvSpPr>
-          <p:nvPr>
-            <p:ph type="title"/>
-          </p:nvPr>
-        </p:nvSpPr>
-        <p:spPr/>
-        <p:txBody>
-          <a:bodyPr/>
-          <a:lstStyle/>
-          <a:p>
-            <a:r>
-              <a:rPr lang="en-AU" dirty="0"/>
-              <a:t>Progress and action points</a:t>
-            </a:r>
-          </a:p>
-        </p:txBody>
-      </p:sp>
-      <p:sp>
-        <p:nvSpPr>
-          <p:cNvPr id="3" name="Text Placeholder 2">
-            <a:extLst>
-              <a:ext uri="{FF2B5EF4-FFF2-40B4-BE49-F238E27FC236}">
-                <a16:creationId xmlns:a16="http://schemas.microsoft.com/office/drawing/2014/main" id="{93BAAD9B-F199-428F-8BD0-37301704CC09}"/>
-              </a:ext>
-            </a:extLst>
-          </p:cNvPr>
-          <p:cNvSpPr txBox="1">
-            <a:spLocks/>
-          </p:cNvSpPr>
-          <p:nvPr/>
-        </p:nvSpPr>
-        <p:spPr bwMode="auto">
-          <a:xfrm>
-            <a:off x="358775" y="1090063"/>
-            <a:ext cx="3963817" cy="3299057"/>
-          </a:xfrm>
-          <a:prstGeom prst="rect">
-            <a:avLst/>
-          </a:prstGeom>
-          <a:noFill/>
-          <a:ln>
-            <a:noFill/>
-          </a:ln>
-          <a:extLst>
-            <a:ext uri="{909E8E84-426E-40dd-AFC4-6F175D3DCCD1}">
-              <a14:hiddenFill xmlns="" xmlns:a14="http://schemas.microsoft.com/office/drawing/2010/main">
-                <a:solidFill>
-                  <a:srgbClr val="FFFFFF"/>
-                </a:solidFill>
-              </a14:hiddenFill>
-            </a:ext>
-            <a:ext uri="{91240B29-F687-4f45-9708-019B960494DF}">
-              <a14:hiddenLine xmlns="" xmlns:a14="http://schemas.microsoft.com/office/drawing/2010/main" w="9525">
-                <a:solidFill>
-                  <a:srgbClr val="000000"/>
-                </a:solidFill>
-                <a:miter lim="800000"/>
-                <a:headEnd/>
-                <a:tailEnd/>
-              </a14:hiddenLine>
-            </a:ext>
-            <a:ext uri="{FAA26D3D-D897-4be2-8F04-BA451C77F1D7}">
-              <ma14:placeholderFlag xmlns="" xmlns:ma14="http://schemas.microsoft.com/office/mac/drawingml/2011/main" val="1"/>
-            </a:ext>
-          </a:extLst>
-        </p:spPr>
-        <p:txBody>
-          <a:bodyPr vert="horz" wrap="square" lIns="91440" tIns="45720" rIns="91440" bIns="45720" numCol="1" anchor="t" anchorCtr="0" compatLnSpc="1">
-            <a:prstTxWarp prst="textNoShape">
-              <a:avLst/>
-            </a:prstTxWarp>
-          </a:bodyPr>
-          <a:lstStyle>
-            <a:lvl1pPr marL="257175" indent="-257175" algn="l" defTabSz="342900" rtl="0" eaLnBrk="1" fontAlgn="base" hangingPunct="1">
-              <a:spcBef>
-                <a:spcPct val="20000"/>
-              </a:spcBef>
-              <a:spcAft>
-                <a:spcPct val="0"/>
-              </a:spcAft>
-              <a:buFont typeface="Lucida Grande" charset="0"/>
-              <a:buChar char="–"/>
-              <a:defRPr sz="2400" b="1" kern="1200">
-                <a:solidFill>
-                  <a:schemeClr val="tx1"/>
-                </a:solidFill>
-                <a:latin typeface="Tw Cen MT"/>
-                <a:ea typeface="ＭＳ Ｐゴシック" charset="0"/>
-                <a:cs typeface="Tw Cen MT"/>
-              </a:defRPr>
-            </a:lvl1pPr>
-            <a:lvl2pPr marL="557213" indent="-214313" algn="l" defTabSz="342900" rtl="0" eaLnBrk="1" fontAlgn="base" hangingPunct="1">
-              <a:spcBef>
-                <a:spcPct val="20000"/>
-              </a:spcBef>
-              <a:spcAft>
-                <a:spcPct val="0"/>
-              </a:spcAft>
-              <a:buFont typeface="Arial" charset="0"/>
-              <a:buChar char="–"/>
-              <a:defRPr sz="1500" kern="1200">
-                <a:solidFill>
-                  <a:schemeClr val="tx1"/>
-                </a:solidFill>
-                <a:latin typeface="Tw Cen MT"/>
-                <a:ea typeface="ＭＳ Ｐゴシック" charset="0"/>
-                <a:cs typeface="Tw Cen MT"/>
-              </a:defRPr>
-            </a:lvl2pPr>
-            <a:lvl3pPr marL="857250" indent="-171450" algn="l" defTabSz="342900" rtl="0" eaLnBrk="1" fontAlgn="base" hangingPunct="1">
-              <a:spcBef>
-                <a:spcPct val="20000"/>
-              </a:spcBef>
-              <a:spcAft>
-                <a:spcPct val="0"/>
-              </a:spcAft>
-              <a:buFont typeface="Arial" charset="0"/>
-              <a:buChar char="•"/>
-              <a:defRPr sz="1500" kern="1200">
-                <a:solidFill>
-                  <a:schemeClr val="tx1"/>
-                </a:solidFill>
-                <a:latin typeface="Tw Cen MT"/>
-                <a:ea typeface="ＭＳ Ｐゴシック" charset="0"/>
-                <a:cs typeface="Tw Cen MT"/>
-              </a:defRPr>
-            </a:lvl3pPr>
-            <a:lvl4pPr marL="1200150" indent="-171450" algn="l" defTabSz="342900" rtl="0" eaLnBrk="1" fontAlgn="base" hangingPunct="1">
-              <a:spcBef>
-                <a:spcPct val="20000"/>
-              </a:spcBef>
-              <a:spcAft>
-                <a:spcPct val="0"/>
-              </a:spcAft>
-              <a:buFont typeface="Arial" charset="0"/>
-              <a:buChar char="–"/>
-              <a:defRPr sz="1500" kern="1200">
-                <a:solidFill>
-                  <a:schemeClr val="tx1"/>
-                </a:solidFill>
-                <a:latin typeface="Tw Cen MT"/>
-                <a:ea typeface="ＭＳ Ｐゴシック" charset="0"/>
-                <a:cs typeface="Tw Cen MT"/>
-              </a:defRPr>
-            </a:lvl4pPr>
-            <a:lvl5pPr marL="1543050" indent="-171450" algn="l" defTabSz="342900" rtl="0" eaLnBrk="1" fontAlgn="base" hangingPunct="1">
-              <a:spcBef>
-                <a:spcPct val="20000"/>
-              </a:spcBef>
-              <a:spcAft>
-                <a:spcPct val="0"/>
-              </a:spcAft>
-              <a:buFont typeface="Arial" charset="0"/>
-              <a:buChar char="»"/>
-              <a:defRPr sz="1500" kern="1200">
-                <a:solidFill>
-                  <a:schemeClr val="tx1"/>
-                </a:solidFill>
-                <a:latin typeface="Tw Cen MT"/>
-                <a:ea typeface="ＭＳ Ｐゴシック" charset="0"/>
-                <a:cs typeface="Tw Cen MT"/>
-              </a:defRPr>
-            </a:lvl5pPr>
-            <a:lvl6pPr marL="1885950" indent="-171450" algn="l" defTabSz="342900" rtl="0" eaLnBrk="1" latinLnBrk="0" hangingPunct="1">
-              <a:spcBef>
-                <a:spcPct val="20000"/>
-              </a:spcBef>
-              <a:buFont typeface="Arial"/>
-              <a:buChar char="•"/>
-              <a:defRPr sz="1500" kern="1200">
-                <a:solidFill>
-                  <a:schemeClr val="tx1"/>
-                </a:solidFill>
-                <a:latin typeface="+mn-lt"/>
-                <a:ea typeface="+mn-ea"/>
-                <a:cs typeface="+mn-cs"/>
-              </a:defRPr>
-            </a:lvl6pPr>
-            <a:lvl7pPr marL="2228850" indent="-171450" algn="l" defTabSz="342900" rtl="0" eaLnBrk="1" latinLnBrk="0" hangingPunct="1">
-              <a:spcBef>
-                <a:spcPct val="20000"/>
-              </a:spcBef>
-              <a:buFont typeface="Arial"/>
-              <a:buChar char="•"/>
-              <a:defRPr sz="1500" kern="1200">
-                <a:solidFill>
-                  <a:schemeClr val="tx1"/>
-                </a:solidFill>
-                <a:latin typeface="+mn-lt"/>
-                <a:ea typeface="+mn-ea"/>
-                <a:cs typeface="+mn-cs"/>
-              </a:defRPr>
-            </a:lvl7pPr>
-            <a:lvl8pPr marL="2571750" indent="-171450" algn="l" defTabSz="342900" rtl="0" eaLnBrk="1" latinLnBrk="0" hangingPunct="1">
-              <a:spcBef>
-                <a:spcPct val="20000"/>
-              </a:spcBef>
-              <a:buFont typeface="Arial"/>
-              <a:buChar char="•"/>
-              <a:defRPr sz="1500" kern="1200">
-                <a:solidFill>
-                  <a:schemeClr val="tx1"/>
-                </a:solidFill>
-                <a:latin typeface="+mn-lt"/>
-                <a:ea typeface="+mn-ea"/>
-                <a:cs typeface="+mn-cs"/>
-              </a:defRPr>
-            </a:lvl8pPr>
-            <a:lvl9pPr marL="2914650" indent="-171450" algn="l" defTabSz="342900" rtl="0" eaLnBrk="1" latinLnBrk="0" hangingPunct="1">
-              <a:spcBef>
-                <a:spcPct val="20000"/>
-              </a:spcBef>
-              <a:buFont typeface="Arial"/>
-              <a:buChar char="•"/>
-              <a:defRPr sz="1500" kern="1200">
-                <a:solidFill>
-                  <a:schemeClr val="tx1"/>
-                </a:solidFill>
-                <a:latin typeface="+mn-lt"/>
-                <a:ea typeface="+mn-ea"/>
-                <a:cs typeface="+mn-cs"/>
-              </a:defRPr>
-            </a:lvl9pPr>
-          </a:lstStyle>
-          <a:p>
-            <a:endParaRPr lang="en-US" sz="1800" b="0" dirty="0"/>
-          </a:p>
-        </p:txBody>
-      </p:sp>
-    </p:spTree>
-    <p:extLst>
-      <p:ext uri="{BB962C8B-B14F-4D97-AF65-F5344CB8AC3E}">
-        <p14:creationId xmlns:p14="http://schemas.microsoft.com/office/powerpoint/2010/main" val="2027635383"/>
-      </p:ext>
-    </p:extLst>
-  </p:cSld>
-  <p:clrMapOvr>
-    <a:masterClrMapping/>
-  </p:clrMapOvr>
-</p:sld>
-</file>
-
-<file path=ppt/slides/slide13.xml><?xml version="1.0" encoding="utf-8"?>
-<p:sld xmlns:a="http://schemas.openxmlformats.org/drawingml/2006/main" xmlns:r="http://schemas.openxmlformats.org/officeDocument/2006/relationships" xmlns:p="http://schemas.openxmlformats.org/presentationml/2006/main">
-  <p:cSld>
-    <p:spTree>
-      <p:nvGrpSpPr>
-        <p:cNvPr id="1" name=""/>
-        <p:cNvGrpSpPr/>
-        <p:nvPr/>
-      </p:nvGrpSpPr>
-      <p:grpSpPr>
-        <a:xfrm>
-          <a:off x="0" y="0"/>
-          <a:ext cx="0" cy="0"/>
-          <a:chOff x="0" y="0"/>
-          <a:chExt cx="0" cy="0"/>
-        </a:xfrm>
-      </p:grpSpPr>
-      <p:sp>
-        <p:nvSpPr>
-          <p:cNvPr id="2" name="Content Placeholder 1">
-            <a:extLst>
-              <a:ext uri="{FF2B5EF4-FFF2-40B4-BE49-F238E27FC236}">
-                <a16:creationId xmlns:a16="http://schemas.microsoft.com/office/drawing/2014/main" id="{008D39C9-FC9D-224A-AFB2-78E9D6444972}"/>
-              </a:ext>
-            </a:extLst>
-          </p:cNvPr>
-          <p:cNvSpPr>
-            <a:spLocks noGrp="1"/>
-          </p:cNvSpPr>
-          <p:nvPr>
-            <p:ph idx="1"/>
-          </p:nvPr>
-        </p:nvSpPr>
-        <p:spPr/>
-        <p:txBody>
-          <a:bodyPr/>
-          <a:lstStyle/>
-          <a:p>
-            <a:endParaRPr lang="en-US" b="0" dirty="0"/>
-          </a:p>
-        </p:txBody>
-      </p:sp>
-      <p:sp>
-        <p:nvSpPr>
-          <p:cNvPr id="3" name="Title 2">
-            <a:extLst>
-              <a:ext uri="{FF2B5EF4-FFF2-40B4-BE49-F238E27FC236}">
-                <a16:creationId xmlns:a16="http://schemas.microsoft.com/office/drawing/2014/main" id="{582E00C2-9FBC-D548-A151-D037DBBCFFFF}"/>
-              </a:ext>
-            </a:extLst>
-          </p:cNvPr>
-          <p:cNvSpPr>
-            <a:spLocks noGrp="1"/>
-          </p:cNvSpPr>
-          <p:nvPr>
-            <p:ph type="title"/>
-          </p:nvPr>
-        </p:nvSpPr>
-        <p:spPr/>
-        <p:txBody>
-          <a:bodyPr/>
-          <a:lstStyle/>
-          <a:p>
-            <a:r>
-              <a:rPr lang="en-US" dirty="0"/>
-              <a:t>Figure 1: Schematic of the Project overview</a:t>
-            </a:r>
-          </a:p>
-        </p:txBody>
-      </p:sp>
-    </p:spTree>
-    <p:extLst>
-      <p:ext uri="{BB962C8B-B14F-4D97-AF65-F5344CB8AC3E}">
-        <p14:creationId xmlns:p14="http://schemas.microsoft.com/office/powerpoint/2010/main" val="748395405"/>
-      </p:ext>
-    </p:extLst>
-  </p:cSld>
-  <p:clrMapOvr>
-    <a:masterClrMapping/>
-  </p:clrMapOvr>
-</p:sld>
-</file>
-
-<file path=ppt/slides/slide14.xml><?xml version="1.0" encoding="utf-8"?>
-<p:sld xmlns:a="http://schemas.openxmlformats.org/drawingml/2006/main" xmlns:r="http://schemas.openxmlformats.org/officeDocument/2006/relationships" xmlns:p="http://schemas.openxmlformats.org/presentationml/2006/main">
-  <p:cSld>
-    <p:spTree>
-      <p:nvGrpSpPr>
-        <p:cNvPr id="1" name=""/>
-        <p:cNvGrpSpPr/>
-        <p:nvPr/>
-      </p:nvGrpSpPr>
-      <p:grpSpPr>
-        <a:xfrm>
-          <a:off x="0" y="0"/>
-          <a:ext cx="0" cy="0"/>
-          <a:chOff x="0" y="0"/>
-          <a:chExt cx="0" cy="0"/>
-        </a:xfrm>
-      </p:grpSpPr>
-      <p:sp>
-        <p:nvSpPr>
-          <p:cNvPr id="2" name="Content Placeholder 1">
-            <a:extLst>
-              <a:ext uri="{FF2B5EF4-FFF2-40B4-BE49-F238E27FC236}">
-                <a16:creationId xmlns:a16="http://schemas.microsoft.com/office/drawing/2014/main" id="{12C88FAB-057B-A144-BC8F-BAAD335252D5}"/>
-              </a:ext>
-            </a:extLst>
-          </p:cNvPr>
-          <p:cNvSpPr>
-            <a:spLocks noGrp="1"/>
-          </p:cNvSpPr>
-          <p:nvPr>
-            <p:ph idx="1"/>
-          </p:nvPr>
-        </p:nvSpPr>
-        <p:spPr/>
-        <p:txBody>
-          <a:bodyPr/>
-          <a:lstStyle/>
-          <a:p>
-            <a:r>
-              <a:rPr lang="en-US" b="0" dirty="0"/>
-              <a:t>Results 1: …</a:t>
-            </a:r>
-          </a:p>
-          <a:p>
-            <a:r>
-              <a:rPr lang="en-US" b="0" dirty="0"/>
-              <a:t>Results 2: …</a:t>
-            </a:r>
-          </a:p>
-          <a:p>
-            <a:r>
-              <a:rPr lang="en-US" b="0" dirty="0"/>
-              <a:t>Results 3: …</a:t>
-            </a:r>
-          </a:p>
-          <a:p>
-            <a:endParaRPr lang="en-US" b="0" dirty="0"/>
-          </a:p>
-          <a:p>
-            <a:endParaRPr lang="en-US" b="0" dirty="0"/>
-          </a:p>
-        </p:txBody>
-      </p:sp>
-      <p:sp>
-        <p:nvSpPr>
-          <p:cNvPr id="3" name="Title 2">
-            <a:extLst>
-              <a:ext uri="{FF2B5EF4-FFF2-40B4-BE49-F238E27FC236}">
-                <a16:creationId xmlns:a16="http://schemas.microsoft.com/office/drawing/2014/main" id="{0C597ED5-62CF-EB42-AA5B-59DE9252A8AF}"/>
-              </a:ext>
-            </a:extLst>
-          </p:cNvPr>
-          <p:cNvSpPr>
-            <a:spLocks noGrp="1"/>
-          </p:cNvSpPr>
-          <p:nvPr>
-            <p:ph type="title"/>
-          </p:nvPr>
-        </p:nvSpPr>
-        <p:spPr/>
-        <p:txBody>
-          <a:bodyPr/>
-          <a:lstStyle/>
-          <a:p>
-            <a:r>
-              <a:rPr lang="en-US" dirty="0"/>
-              <a:t>Key results or message from the project / analysis</a:t>
-            </a:r>
-          </a:p>
-        </p:txBody>
-      </p:sp>
-    </p:spTree>
-    <p:extLst>
-      <p:ext uri="{BB962C8B-B14F-4D97-AF65-F5344CB8AC3E}">
-        <p14:creationId xmlns:p14="http://schemas.microsoft.com/office/powerpoint/2010/main" val="964101216"/>
-      </p:ext>
-    </p:extLst>
-  </p:cSld>
-  <p:clrMapOvr>
-    <a:masterClrMapping/>
-  </p:clrMapOvr>
-</p:sld>
-</file>
-
-<file path=ppt/slides/slide15.xml><?xml version="1.0" encoding="utf-8"?>
-<p:sld xmlns:a="http://schemas.openxmlformats.org/drawingml/2006/main" xmlns:r="http://schemas.openxmlformats.org/officeDocument/2006/relationships" xmlns:p="http://schemas.openxmlformats.org/presentationml/2006/main">
-  <p:cSld>
-    <p:spTree>
-      <p:nvGrpSpPr>
-        <p:cNvPr id="1" name=""/>
-        <p:cNvGrpSpPr/>
-        <p:nvPr/>
-      </p:nvGrpSpPr>
-      <p:grpSpPr>
-        <a:xfrm>
-          <a:off x="0" y="0"/>
-          <a:ext cx="0" cy="0"/>
-          <a:chOff x="0" y="0"/>
-          <a:chExt cx="0" cy="0"/>
-        </a:xfrm>
-      </p:grpSpPr>
-      <p:sp>
-        <p:nvSpPr>
-          <p:cNvPr id="4" name="Content Placeholder 3">
-            <a:extLst>
-              <a:ext uri="{FF2B5EF4-FFF2-40B4-BE49-F238E27FC236}">
-                <a16:creationId xmlns:a16="http://schemas.microsoft.com/office/drawing/2014/main" id="{DF9469D1-0D7B-664F-AA8A-24BA09945622}"/>
-              </a:ext>
-            </a:extLst>
-          </p:cNvPr>
-          <p:cNvSpPr>
-            <a:spLocks noGrp="1"/>
-          </p:cNvSpPr>
-          <p:nvPr>
-            <p:ph type="body" sz="quarter" idx="11"/>
-          </p:nvPr>
-        </p:nvSpPr>
-        <p:spPr/>
-        <p:txBody>
-          <a:bodyPr/>
-          <a:lstStyle/>
-          <a:p>
-            <a:r>
-              <a:rPr lang="en-US" b="0" dirty="0"/>
-              <a:t>At least one figure illustrating one of the selected result. </a:t>
-            </a:r>
-          </a:p>
-        </p:txBody>
-      </p:sp>
-      <p:sp>
-        <p:nvSpPr>
-          <p:cNvPr id="5" name="Picture Placeholder 4">
-            <a:extLst>
-              <a:ext uri="{FF2B5EF4-FFF2-40B4-BE49-F238E27FC236}">
-                <a16:creationId xmlns:a16="http://schemas.microsoft.com/office/drawing/2014/main" id="{EE1C8855-A556-7E4D-91DC-EC398D599EC3}"/>
-              </a:ext>
-            </a:extLst>
-          </p:cNvPr>
-          <p:cNvSpPr>
-            <a:spLocks noGrp="1"/>
-          </p:cNvSpPr>
-          <p:nvPr>
-            <p:ph type="pic" sz="quarter" idx="12"/>
-          </p:nvPr>
-        </p:nvSpPr>
-        <p:spPr/>
-      </p:sp>
-      <p:sp>
-        <p:nvSpPr>
-          <p:cNvPr id="2" name="Title 1">
-            <a:extLst>
-              <a:ext uri="{FF2B5EF4-FFF2-40B4-BE49-F238E27FC236}">
-                <a16:creationId xmlns:a16="http://schemas.microsoft.com/office/drawing/2014/main" id="{E2AEAF44-F909-4580-862E-7EB331AAAEC3}"/>
-              </a:ext>
-            </a:extLst>
-          </p:cNvPr>
-          <p:cNvSpPr>
-            <a:spLocks noGrp="1"/>
-          </p:cNvSpPr>
-          <p:nvPr>
-            <p:ph type="title"/>
-          </p:nvPr>
-        </p:nvSpPr>
-        <p:spPr/>
-        <p:txBody>
-          <a:bodyPr/>
-          <a:lstStyle/>
-          <a:p>
-            <a:r>
-              <a:rPr lang="en-AU" dirty="0"/>
-              <a:t>Draft or final evaluation </a:t>
-            </a:r>
-          </a:p>
-        </p:txBody>
-      </p:sp>
-    </p:spTree>
-    <p:extLst>
-      <p:ext uri="{BB962C8B-B14F-4D97-AF65-F5344CB8AC3E}">
-        <p14:creationId xmlns:p14="http://schemas.microsoft.com/office/powerpoint/2010/main" val="840884085"/>
-      </p:ext>
-    </p:extLst>
-  </p:cSld>
-  <p:clrMapOvr>
-    <a:masterClrMapping/>
-  </p:clrMapOvr>
-</p:sld>
-</file>
-
-<file path=ppt/slides/slide16.xml><?xml version="1.0" encoding="utf-8"?>
-<p:sld xmlns:a="http://schemas.openxmlformats.org/drawingml/2006/main" xmlns:r="http://schemas.openxmlformats.org/officeDocument/2006/relationships" xmlns:p="http://schemas.openxmlformats.org/presentationml/2006/main">
-  <p:cSld>
-    <p:spTree>
-      <p:nvGrpSpPr>
-        <p:cNvPr id="1" name=""/>
-        <p:cNvGrpSpPr/>
-        <p:nvPr/>
-      </p:nvGrpSpPr>
-      <p:grpSpPr>
-        <a:xfrm>
-          <a:off x="0" y="0"/>
-          <a:ext cx="0" cy="0"/>
-          <a:chOff x="0" y="0"/>
-          <a:chExt cx="0" cy="0"/>
-        </a:xfrm>
-      </p:grpSpPr>
-      <p:sp>
-        <p:nvSpPr>
-          <p:cNvPr id="2" name="Title 1">
-            <a:extLst>
-              <a:ext uri="{FF2B5EF4-FFF2-40B4-BE49-F238E27FC236}">
-                <a16:creationId xmlns:a16="http://schemas.microsoft.com/office/drawing/2014/main" id="{E2AEAF44-F909-4580-862E-7EB331AAAEC3}"/>
-              </a:ext>
-            </a:extLst>
-          </p:cNvPr>
-          <p:cNvSpPr>
-            <a:spLocks noGrp="1"/>
-          </p:cNvSpPr>
-          <p:nvPr>
-            <p:ph type="title"/>
-          </p:nvPr>
-        </p:nvSpPr>
-        <p:spPr/>
-        <p:txBody>
-          <a:bodyPr/>
-          <a:lstStyle/>
-          <a:p>
-            <a:r>
-              <a:rPr lang="en-AU" dirty="0"/>
-              <a:t>Meeting minutes</a:t>
-            </a:r>
-          </a:p>
-        </p:txBody>
-      </p:sp>
-      <p:graphicFrame>
-        <p:nvGraphicFramePr>
-          <p:cNvPr id="8" name="Table 7">
-            <a:extLst>
-              <a:ext uri="{FF2B5EF4-FFF2-40B4-BE49-F238E27FC236}">
-                <a16:creationId xmlns:a16="http://schemas.microsoft.com/office/drawing/2014/main" id="{3A87D348-55EA-4938-B716-4176C77A2C27}"/>
-              </a:ext>
-            </a:extLst>
-          </p:cNvPr>
-          <p:cNvGraphicFramePr>
-            <a:graphicFrameLocks noGrp="1"/>
-          </p:cNvGraphicFramePr>
-          <p:nvPr/>
-        </p:nvGraphicFramePr>
-        <p:xfrm>
-          <a:off x="358775" y="1497142"/>
-          <a:ext cx="8518715" cy="2936749"/>
-        </p:xfrm>
-        <a:graphic>
-          <a:graphicData uri="http://schemas.openxmlformats.org/drawingml/2006/table">
-            <a:tbl>
-              <a:tblPr firstRow="1" firstCol="1" bandRow="1">
-                <a:tableStyleId>{5C22544A-7EE6-4342-B048-85BDC9FD1C3A}</a:tableStyleId>
-              </a:tblPr>
-              <a:tblGrid>
-                <a:gridCol w="1373987">
-                  <a:extLst>
-                    <a:ext uri="{9D8B030D-6E8A-4147-A177-3AD203B41FA5}">
-                      <a16:colId xmlns:a16="http://schemas.microsoft.com/office/drawing/2014/main" val="1573866123"/>
-                    </a:ext>
-                  </a:extLst>
-                </a:gridCol>
-                <a:gridCol w="2534438">
-                  <a:extLst>
-                    <a:ext uri="{9D8B030D-6E8A-4147-A177-3AD203B41FA5}">
-                      <a16:colId xmlns:a16="http://schemas.microsoft.com/office/drawing/2014/main" val="83730095"/>
-                    </a:ext>
-                  </a:extLst>
-                </a:gridCol>
-                <a:gridCol w="4610290">
-                  <a:extLst>
-                    <a:ext uri="{9D8B030D-6E8A-4147-A177-3AD203B41FA5}">
-                      <a16:colId xmlns:a16="http://schemas.microsoft.com/office/drawing/2014/main" val="1624356449"/>
-                    </a:ext>
-                  </a:extLst>
-                </a:gridCol>
-              </a:tblGrid>
-              <a:tr h="564619">
-                <a:tc>
-                  <a:txBody>
-                    <a:bodyPr/>
-                    <a:lstStyle/>
-                    <a:p>
-                      <a:pPr algn="ctr">
-                        <a:lnSpc>
-                          <a:spcPct val="107000"/>
-                        </a:lnSpc>
-                        <a:spcAft>
-                          <a:spcPts val="0"/>
-                        </a:spcAft>
-                      </a:pPr>
-                      <a:r>
-                        <a:rPr lang="en-AU" sz="1600" dirty="0">
-                          <a:effectLst/>
-                        </a:rPr>
-                        <a:t>Item</a:t>
-                      </a:r>
-                      <a:endParaRPr lang="en-AU" sz="1600" dirty="0">
-                        <a:effectLst/>
-                        <a:latin typeface="Tw Cen MT" panose="020B0602020104020603" pitchFamily="34" charset="0"/>
-                        <a:ea typeface="Calibri" panose="020F0502020204030204" pitchFamily="34" charset="0"/>
-                        <a:cs typeface="Times New Roman" panose="02020603050405020304" pitchFamily="18" charset="0"/>
-                      </a:endParaRPr>
-                    </a:p>
-                  </a:txBody>
-                  <a:tcPr marL="81331" marR="81331" marT="0" marB="0" anchor="ctr"/>
-                </a:tc>
-                <a:tc>
-                  <a:txBody>
-                    <a:bodyPr/>
-                    <a:lstStyle/>
-                    <a:p>
-                      <a:pPr algn="ctr">
-                        <a:lnSpc>
-                          <a:spcPct val="107000"/>
-                        </a:lnSpc>
-                        <a:spcAft>
-                          <a:spcPts val="0"/>
-                        </a:spcAft>
-                      </a:pPr>
-                      <a:r>
-                        <a:rPr lang="en-AU" sz="1600" dirty="0">
-                          <a:effectLst/>
-                        </a:rPr>
-                        <a:t>Discussion</a:t>
-                      </a:r>
-                    </a:p>
-                    <a:p>
-                      <a:pPr algn="ctr">
-                        <a:lnSpc>
-                          <a:spcPct val="107000"/>
-                        </a:lnSpc>
-                        <a:spcAft>
-                          <a:spcPts val="0"/>
-                        </a:spcAft>
-                      </a:pPr>
-                      <a:r>
-                        <a:rPr lang="en-AU" sz="1100" dirty="0">
-                          <a:effectLst/>
-                          <a:latin typeface="Tw Cen MT" panose="020B0602020104020603" pitchFamily="34" charset="0"/>
-                          <a:ea typeface="Calibri" panose="020F0502020204030204" pitchFamily="34" charset="0"/>
-                          <a:cs typeface="Times New Roman" panose="02020603050405020304" pitchFamily="18" charset="0"/>
-                        </a:rPr>
-                        <a:t>(you can refer to previous slides)</a:t>
-                      </a:r>
-                    </a:p>
-                  </a:txBody>
-                  <a:tcPr marL="81331" marR="81331" marT="0" marB="0" anchor="ctr"/>
-                </a:tc>
-                <a:tc>
-                  <a:txBody>
-                    <a:bodyPr/>
-                    <a:lstStyle/>
-                    <a:p>
-                      <a:pPr algn="ctr">
-                        <a:lnSpc>
-                          <a:spcPct val="107000"/>
-                        </a:lnSpc>
-                        <a:spcAft>
-                          <a:spcPts val="0"/>
-                        </a:spcAft>
-                      </a:pPr>
-                      <a:r>
-                        <a:rPr lang="en-AU" sz="1600" dirty="0">
-                          <a:effectLst/>
-                        </a:rPr>
-                        <a:t>Actions (who) – action points for next week</a:t>
-                      </a:r>
-                    </a:p>
-                  </a:txBody>
-                  <a:tcPr marL="81331" marR="81331" marT="0" marB="0" anchor="ctr"/>
-                </a:tc>
-                <a:extLst>
-                  <a:ext uri="{0D108BD9-81ED-4DB2-BD59-A6C34878D82A}">
-                    <a16:rowId xmlns:a16="http://schemas.microsoft.com/office/drawing/2014/main" val="921860958"/>
-                  </a:ext>
-                </a:extLst>
-              </a:tr>
-              <a:tr h="474426">
-                <a:tc>
-                  <a:txBody>
-                    <a:bodyPr/>
-                    <a:lstStyle/>
-                    <a:p>
-                      <a:pPr>
-                        <a:lnSpc>
-                          <a:spcPct val="107000"/>
-                        </a:lnSpc>
-                      </a:pPr>
-                      <a:endParaRPr lang="en-AU" sz="1000" dirty="0">
-                        <a:effectLst/>
-                        <a:latin typeface="Calibri" panose="020F0502020204030204" pitchFamily="34" charset="0"/>
-                        <a:cs typeface="Times New Roman" panose="02020603050405020304" pitchFamily="18" charset="0"/>
-                      </a:endParaRPr>
-                    </a:p>
-                  </a:txBody>
-                  <a:tcPr marL="81331" marR="81331" marT="0" marB="0" anchor="b"/>
-                </a:tc>
-                <a:tc>
-                  <a:txBody>
-                    <a:bodyPr/>
-                    <a:lstStyle/>
-                    <a:p>
-                      <a:pPr>
-                        <a:lnSpc>
-                          <a:spcPct val="107000"/>
-                        </a:lnSpc>
-                      </a:pPr>
-                      <a:endParaRPr lang="en-AU" sz="1000" dirty="0">
-                        <a:effectLst/>
-                        <a:latin typeface="Calibri" panose="020F0502020204030204" pitchFamily="34" charset="0"/>
-                        <a:cs typeface="Times New Roman" panose="02020603050405020304" pitchFamily="18" charset="0"/>
-                      </a:endParaRPr>
-                    </a:p>
-                  </a:txBody>
-                  <a:tcPr marL="81331" marR="81331" marT="0" marB="0" anchor="b"/>
-                </a:tc>
-                <a:tc>
-                  <a:txBody>
-                    <a:bodyPr/>
-                    <a:lstStyle/>
-                    <a:p>
-                      <a:pPr>
-                        <a:lnSpc>
-                          <a:spcPct val="107000"/>
-                        </a:lnSpc>
-                      </a:pPr>
-                      <a:endParaRPr lang="en-AU" sz="1000" dirty="0">
-                        <a:effectLst/>
-                        <a:latin typeface="Calibri" panose="020F0502020204030204" pitchFamily="34" charset="0"/>
-                        <a:cs typeface="Times New Roman" panose="02020603050405020304" pitchFamily="18" charset="0"/>
-                      </a:endParaRPr>
-                    </a:p>
-                  </a:txBody>
-                  <a:tcPr marL="81331" marR="81331" marT="0" marB="0" anchor="b"/>
-                </a:tc>
-                <a:extLst>
-                  <a:ext uri="{0D108BD9-81ED-4DB2-BD59-A6C34878D82A}">
-                    <a16:rowId xmlns:a16="http://schemas.microsoft.com/office/drawing/2014/main" val="2191457816"/>
-                  </a:ext>
-                </a:extLst>
-              </a:tr>
-              <a:tr h="474426">
-                <a:tc>
-                  <a:txBody>
-                    <a:bodyPr/>
-                    <a:lstStyle/>
-                    <a:p>
-                      <a:pPr>
-                        <a:lnSpc>
-                          <a:spcPct val="107000"/>
-                        </a:lnSpc>
-                      </a:pPr>
-                      <a:endParaRPr lang="en-AU" sz="1000">
-                        <a:effectLst/>
-                        <a:latin typeface="Calibri" panose="020F0502020204030204" pitchFamily="34" charset="0"/>
-                        <a:cs typeface="Times New Roman" panose="02020603050405020304" pitchFamily="18" charset="0"/>
-                      </a:endParaRPr>
-                    </a:p>
-                  </a:txBody>
-                  <a:tcPr marL="81331" marR="81331" marT="0" marB="0" anchor="b"/>
-                </a:tc>
-                <a:tc>
-                  <a:txBody>
-                    <a:bodyPr/>
-                    <a:lstStyle/>
-                    <a:p>
-                      <a:pPr>
-                        <a:lnSpc>
-                          <a:spcPct val="107000"/>
-                        </a:lnSpc>
-                      </a:pPr>
-                      <a:endParaRPr lang="en-AU" sz="1000">
-                        <a:effectLst/>
-                        <a:latin typeface="Calibri" panose="020F0502020204030204" pitchFamily="34" charset="0"/>
-                        <a:cs typeface="Times New Roman" panose="02020603050405020304" pitchFamily="18" charset="0"/>
-                      </a:endParaRPr>
-                    </a:p>
-                  </a:txBody>
-                  <a:tcPr marL="81331" marR="81331" marT="0" marB="0" anchor="b"/>
-                </a:tc>
-                <a:tc>
-                  <a:txBody>
-                    <a:bodyPr/>
-                    <a:lstStyle/>
-                    <a:p>
-                      <a:pPr>
-                        <a:lnSpc>
-                          <a:spcPct val="107000"/>
-                        </a:lnSpc>
-                      </a:pPr>
-                      <a:endParaRPr lang="en-AU" sz="1000">
-                        <a:effectLst/>
-                        <a:latin typeface="Calibri" panose="020F0502020204030204" pitchFamily="34" charset="0"/>
-                        <a:cs typeface="Times New Roman" panose="02020603050405020304" pitchFamily="18" charset="0"/>
-                      </a:endParaRPr>
-                    </a:p>
-                  </a:txBody>
-                  <a:tcPr marL="81331" marR="81331" marT="0" marB="0" anchor="b"/>
-                </a:tc>
-                <a:extLst>
-                  <a:ext uri="{0D108BD9-81ED-4DB2-BD59-A6C34878D82A}">
-                    <a16:rowId xmlns:a16="http://schemas.microsoft.com/office/drawing/2014/main" val="2947246499"/>
-                  </a:ext>
-                </a:extLst>
-              </a:tr>
-              <a:tr h="474426">
-                <a:tc>
-                  <a:txBody>
-                    <a:bodyPr/>
-                    <a:lstStyle/>
-                    <a:p>
-                      <a:pPr>
-                        <a:lnSpc>
-                          <a:spcPct val="107000"/>
-                        </a:lnSpc>
-                      </a:pPr>
-                      <a:endParaRPr lang="en-AU" sz="1000">
-                        <a:effectLst/>
-                        <a:latin typeface="Calibri" panose="020F0502020204030204" pitchFamily="34" charset="0"/>
-                        <a:cs typeface="Times New Roman" panose="02020603050405020304" pitchFamily="18" charset="0"/>
-                      </a:endParaRPr>
-                    </a:p>
-                  </a:txBody>
-                  <a:tcPr marL="81331" marR="81331" marT="0" marB="0" anchor="b"/>
-                </a:tc>
-                <a:tc>
-                  <a:txBody>
-                    <a:bodyPr/>
-                    <a:lstStyle/>
-                    <a:p>
-                      <a:pPr>
-                        <a:lnSpc>
-                          <a:spcPct val="107000"/>
-                        </a:lnSpc>
-                      </a:pPr>
-                      <a:endParaRPr lang="en-AU" sz="1000">
-                        <a:effectLst/>
-                        <a:latin typeface="Calibri" panose="020F0502020204030204" pitchFamily="34" charset="0"/>
-                        <a:cs typeface="Times New Roman" panose="02020603050405020304" pitchFamily="18" charset="0"/>
-                      </a:endParaRPr>
-                    </a:p>
-                  </a:txBody>
-                  <a:tcPr marL="81331" marR="81331" marT="0" marB="0" anchor="b"/>
-                </a:tc>
-                <a:tc>
-                  <a:txBody>
-                    <a:bodyPr/>
-                    <a:lstStyle/>
-                    <a:p>
-                      <a:pPr>
-                        <a:lnSpc>
-                          <a:spcPct val="107000"/>
-                        </a:lnSpc>
-                      </a:pPr>
-                      <a:endParaRPr lang="en-AU" sz="1000">
-                        <a:effectLst/>
-                        <a:latin typeface="Calibri" panose="020F0502020204030204" pitchFamily="34" charset="0"/>
-                        <a:cs typeface="Times New Roman" panose="02020603050405020304" pitchFamily="18" charset="0"/>
-                      </a:endParaRPr>
-                    </a:p>
-                  </a:txBody>
-                  <a:tcPr marL="81331" marR="81331" marT="0" marB="0" anchor="b"/>
-                </a:tc>
-                <a:extLst>
-                  <a:ext uri="{0D108BD9-81ED-4DB2-BD59-A6C34878D82A}">
-                    <a16:rowId xmlns:a16="http://schemas.microsoft.com/office/drawing/2014/main" val="942335013"/>
-                  </a:ext>
-                </a:extLst>
-              </a:tr>
-              <a:tr h="474426">
-                <a:tc>
-                  <a:txBody>
-                    <a:bodyPr/>
-                    <a:lstStyle/>
-                    <a:p>
-                      <a:pPr>
-                        <a:lnSpc>
-                          <a:spcPct val="107000"/>
-                        </a:lnSpc>
-                      </a:pPr>
-                      <a:endParaRPr lang="en-AU" sz="1000">
-                        <a:effectLst/>
-                        <a:latin typeface="Calibri" panose="020F0502020204030204" pitchFamily="34" charset="0"/>
-                        <a:cs typeface="Times New Roman" panose="02020603050405020304" pitchFamily="18" charset="0"/>
-                      </a:endParaRPr>
-                    </a:p>
-                  </a:txBody>
-                  <a:tcPr marL="81331" marR="81331" marT="0" marB="0" anchor="b"/>
-                </a:tc>
-                <a:tc>
-                  <a:txBody>
-                    <a:bodyPr/>
-                    <a:lstStyle/>
-                    <a:p>
-                      <a:pPr>
-                        <a:lnSpc>
-                          <a:spcPct val="107000"/>
-                        </a:lnSpc>
-                      </a:pPr>
-                      <a:endParaRPr lang="en-AU" sz="1000">
-                        <a:effectLst/>
-                        <a:latin typeface="Calibri" panose="020F0502020204030204" pitchFamily="34" charset="0"/>
-                        <a:cs typeface="Times New Roman" panose="02020603050405020304" pitchFamily="18" charset="0"/>
-                      </a:endParaRPr>
-                    </a:p>
-                  </a:txBody>
-                  <a:tcPr marL="81331" marR="81331" marT="0" marB="0" anchor="b"/>
-                </a:tc>
-                <a:tc>
-                  <a:txBody>
-                    <a:bodyPr/>
-                    <a:lstStyle/>
-                    <a:p>
-                      <a:pPr>
-                        <a:lnSpc>
-                          <a:spcPct val="107000"/>
-                        </a:lnSpc>
-                      </a:pPr>
-                      <a:endParaRPr lang="en-AU" sz="1000" dirty="0">
-                        <a:effectLst/>
-                        <a:latin typeface="Calibri" panose="020F0502020204030204" pitchFamily="34" charset="0"/>
-                        <a:cs typeface="Times New Roman" panose="02020603050405020304" pitchFamily="18" charset="0"/>
-                      </a:endParaRPr>
-                    </a:p>
-                  </a:txBody>
-                  <a:tcPr marL="81331" marR="81331" marT="0" marB="0" anchor="b"/>
-                </a:tc>
-                <a:extLst>
-                  <a:ext uri="{0D108BD9-81ED-4DB2-BD59-A6C34878D82A}">
-                    <a16:rowId xmlns:a16="http://schemas.microsoft.com/office/drawing/2014/main" val="1757599085"/>
-                  </a:ext>
-                </a:extLst>
-              </a:tr>
-              <a:tr h="474426">
-                <a:tc>
-                  <a:txBody>
-                    <a:bodyPr/>
-                    <a:lstStyle/>
-                    <a:p>
-                      <a:pPr>
-                        <a:lnSpc>
-                          <a:spcPct val="107000"/>
-                        </a:lnSpc>
-                      </a:pPr>
-                      <a:endParaRPr lang="en-AU" sz="1000">
-                        <a:effectLst/>
-                        <a:latin typeface="Calibri" panose="020F0502020204030204" pitchFamily="34" charset="0"/>
-                        <a:cs typeface="Times New Roman" panose="02020603050405020304" pitchFamily="18" charset="0"/>
-                      </a:endParaRPr>
-                    </a:p>
-                  </a:txBody>
-                  <a:tcPr marL="81331" marR="81331" marT="0" marB="0" anchor="b"/>
-                </a:tc>
-                <a:tc>
-                  <a:txBody>
-                    <a:bodyPr/>
-                    <a:lstStyle/>
-                    <a:p>
-                      <a:pPr>
-                        <a:lnSpc>
-                          <a:spcPct val="107000"/>
-                        </a:lnSpc>
-                      </a:pPr>
-                      <a:endParaRPr lang="en-AU" sz="1000">
-                        <a:effectLst/>
-                        <a:latin typeface="Calibri" panose="020F0502020204030204" pitchFamily="34" charset="0"/>
-                        <a:cs typeface="Times New Roman" panose="02020603050405020304" pitchFamily="18" charset="0"/>
-                      </a:endParaRPr>
-                    </a:p>
-                  </a:txBody>
-                  <a:tcPr marL="81331" marR="81331" marT="0" marB="0" anchor="b"/>
-                </a:tc>
-                <a:tc>
-                  <a:txBody>
-                    <a:bodyPr/>
-                    <a:lstStyle/>
-                    <a:p>
-                      <a:pPr>
-                        <a:lnSpc>
-                          <a:spcPct val="107000"/>
-                        </a:lnSpc>
-                      </a:pPr>
-                      <a:endParaRPr lang="en-AU" sz="1000" dirty="0">
-                        <a:effectLst/>
-                        <a:latin typeface="Calibri" panose="020F0502020204030204" pitchFamily="34" charset="0"/>
-                        <a:cs typeface="Times New Roman" panose="02020603050405020304" pitchFamily="18" charset="0"/>
-                      </a:endParaRPr>
-                    </a:p>
-                  </a:txBody>
-                  <a:tcPr marL="81331" marR="81331" marT="0" marB="0" anchor="b"/>
-                </a:tc>
-                <a:extLst>
-                  <a:ext uri="{0D108BD9-81ED-4DB2-BD59-A6C34878D82A}">
-                    <a16:rowId xmlns:a16="http://schemas.microsoft.com/office/drawing/2014/main" val="927903413"/>
-                  </a:ext>
-                </a:extLst>
-              </a:tr>
-            </a:tbl>
-          </a:graphicData>
-        </a:graphic>
-      </p:graphicFrame>
-      <p:sp>
-        <p:nvSpPr>
-          <p:cNvPr id="9" name="Rectangle 2">
-            <a:extLst>
-              <a:ext uri="{FF2B5EF4-FFF2-40B4-BE49-F238E27FC236}">
-                <a16:creationId xmlns:a16="http://schemas.microsoft.com/office/drawing/2014/main" id="{A2ADCF7C-1D56-46C0-AA47-22DB2F49BF52}"/>
-              </a:ext>
-            </a:extLst>
-          </p:cNvPr>
-          <p:cNvSpPr>
-            <a:spLocks noChangeArrowheads="1"/>
-          </p:cNvSpPr>
-          <p:nvPr/>
-        </p:nvSpPr>
-        <p:spPr bwMode="auto">
-          <a:xfrm>
-            <a:off x="358775" y="820034"/>
-            <a:ext cx="4699191" cy="677108"/>
-          </a:xfrm>
-          <a:prstGeom prst="rect">
-            <a:avLst/>
-          </a:prstGeom>
-          <a:noFill/>
-          <a:ln>
-            <a:noFill/>
-          </a:ln>
-          <a:effectLst/>
-          <a:extLst>
-            <a:ext uri="{909E8E84-426E-40DD-AFC4-6F175D3DCCD1}">
-              <a14:hiddenFill xmlns:a14="http://schemas.microsoft.com/office/drawing/2010/main">
-                <a:solidFill>
-                  <a:schemeClr val="accent1"/>
-                </a:solidFill>
-              </a14:hiddenFill>
-            </a:ext>
-            <a:ext uri="{91240B29-F687-4F45-9708-019B960494DF}">
-              <a14:hiddenLine xmlns:a14="http://schemas.microsoft.com/office/drawing/2010/main" w="9525">
-                <a:solidFill>
-                  <a:schemeClr val="tx1"/>
-                </a:solidFill>
-                <a:miter lim="800000"/>
-                <a:headEnd/>
-                <a:tailEnd/>
-              </a14:hiddenLine>
-            </a:ext>
-            <a:ext uri="{AF507438-7753-43E0-B8FC-AC1667EBCBE1}">
-              <a14:hiddenEffects xmlns:a14="http://schemas.microsoft.com/office/drawing/2010/main">
-                <a:effectLst>
-                  <a:outerShdw dist="35921" dir="2700000" algn="ctr" rotWithShape="0">
-                    <a:schemeClr val="bg2"/>
-                  </a:outerShdw>
-                </a:effectLst>
-              </a14:hiddenEffects>
-            </a:ext>
-          </a:extLst>
-        </p:spPr>
-        <p:txBody>
-          <a:bodyPr vert="horz" wrap="square" lIns="91440" tIns="45720" rIns="91440" bIns="45720" numCol="1" anchor="ctr" anchorCtr="0" compatLnSpc="1">
-            <a:prstTxWarp prst="textNoShape">
-              <a:avLst/>
-            </a:prstTxWarp>
-            <a:spAutoFit/>
-          </a:bodyPr>
-          <a:lstStyle/>
-          <a:p>
-            <a:pPr marL="0" marR="0" lvl="0" indent="0" algn="l" defTabSz="914400" rtl="0" eaLnBrk="0" fontAlgn="base" latinLnBrk="0" hangingPunct="0">
-              <a:lnSpc>
-                <a:spcPct val="100000"/>
-              </a:lnSpc>
-              <a:spcBef>
-                <a:spcPct val="0"/>
-              </a:spcBef>
-              <a:spcAft>
-                <a:spcPct val="0"/>
-              </a:spcAft>
-              <a:buClrTx/>
-              <a:buSzTx/>
-              <a:buFontTx/>
-              <a:buNone/>
-              <a:tabLst/>
-            </a:pPr>
-            <a:r>
-              <a:rPr kumimoji="0" lang="en-AU" altLang="en-US" sz="1100" b="0" i="1" u="none" strike="noStrike" cap="none" normalizeH="0" baseline="0" dirty="0">
-                <a:ln>
-                  <a:noFill/>
-                </a:ln>
-                <a:solidFill>
-                  <a:schemeClr val="tx1"/>
-                </a:solidFill>
-                <a:effectLst/>
-                <a:latin typeface="Tw Cen MT" panose="020B0602020104020603" pitchFamily="34" charset="0"/>
-                <a:ea typeface="Calibri" panose="020F0502020204030204" pitchFamily="34" charset="0"/>
-                <a:cs typeface="Times New Roman" panose="02020603050405020304" pitchFamily="18" charset="0"/>
-              </a:rPr>
-              <a:t>Date and time of meeting:</a:t>
-            </a:r>
-            <a:endParaRPr kumimoji="0" lang="en-AU" altLang="en-US" sz="500" b="0" i="0" u="none" strike="noStrike" cap="none" normalizeH="0" baseline="0" dirty="0">
-              <a:ln>
-                <a:noFill/>
-              </a:ln>
-              <a:solidFill>
-                <a:schemeClr val="tx1"/>
-              </a:solidFill>
-              <a:effectLst/>
-            </a:endParaRPr>
-          </a:p>
-          <a:p>
-            <a:pPr marL="0" marR="0" lvl="0" indent="0" algn="l" defTabSz="914400" rtl="0" eaLnBrk="0" fontAlgn="base" latinLnBrk="0" hangingPunct="0">
-              <a:lnSpc>
-                <a:spcPct val="100000"/>
-              </a:lnSpc>
-              <a:spcBef>
-                <a:spcPct val="0"/>
-              </a:spcBef>
-              <a:spcAft>
-                <a:spcPct val="0"/>
-              </a:spcAft>
-              <a:buClrTx/>
-              <a:buSzTx/>
-              <a:buFontTx/>
-              <a:buNone/>
-              <a:tabLst/>
-            </a:pPr>
-            <a:r>
-              <a:rPr kumimoji="0" lang="en-AU" altLang="en-US" sz="1100" b="0" i="1" u="none" strike="noStrike" cap="none" normalizeH="0" baseline="0" dirty="0">
-                <a:ln>
-                  <a:noFill/>
-                </a:ln>
-                <a:solidFill>
-                  <a:schemeClr val="tx1"/>
-                </a:solidFill>
-                <a:effectLst/>
-                <a:latin typeface="Tw Cen MT" panose="020B0602020104020603" pitchFamily="34" charset="0"/>
-                <a:ea typeface="Calibri" panose="020F0502020204030204" pitchFamily="34" charset="0"/>
-                <a:cs typeface="Times New Roman" panose="02020603050405020304" pitchFamily="18" charset="0"/>
-              </a:rPr>
-              <a:t>Team members present:</a:t>
-            </a:r>
-          </a:p>
-          <a:p>
-            <a:pPr marL="0" marR="0" lvl="0" indent="0" algn="l" defTabSz="914400" rtl="0" eaLnBrk="0" fontAlgn="base" latinLnBrk="0" hangingPunct="0">
-              <a:lnSpc>
-                <a:spcPct val="100000"/>
-              </a:lnSpc>
-              <a:spcBef>
-                <a:spcPct val="0"/>
-              </a:spcBef>
-              <a:spcAft>
-                <a:spcPct val="0"/>
-              </a:spcAft>
-              <a:buClrTx/>
-              <a:buSzTx/>
-              <a:buFontTx/>
-              <a:buNone/>
-              <a:tabLst/>
-            </a:pPr>
-            <a:endParaRPr kumimoji="0" lang="en-AU" altLang="en-US" sz="500" b="0" i="0" u="none" strike="noStrike" cap="none" normalizeH="0" baseline="0" dirty="0">
-              <a:ln>
-                <a:noFill/>
-              </a:ln>
-              <a:solidFill>
-                <a:schemeClr val="tx1"/>
-              </a:solidFill>
-              <a:effectLst/>
-            </a:endParaRPr>
-          </a:p>
-          <a:p>
-            <a:pPr marL="0" marR="0" lvl="0" indent="0" algn="l" defTabSz="914400" rtl="0" eaLnBrk="0" fontAlgn="base" latinLnBrk="0" hangingPunct="0">
-              <a:lnSpc>
-                <a:spcPct val="100000"/>
-              </a:lnSpc>
-              <a:spcBef>
-                <a:spcPct val="0"/>
-              </a:spcBef>
-              <a:spcAft>
-                <a:spcPct val="0"/>
-              </a:spcAft>
-              <a:buClrTx/>
-              <a:buSzTx/>
-              <a:buFontTx/>
-              <a:buNone/>
-              <a:tabLst/>
-            </a:pPr>
-            <a:r>
-              <a:rPr kumimoji="0" lang="en-AU" altLang="en-US" sz="1100" b="1" i="0" u="none" strike="noStrike" cap="none" normalizeH="0" baseline="0" dirty="0">
-                <a:ln>
-                  <a:noFill/>
-                </a:ln>
-                <a:solidFill>
-                  <a:schemeClr val="tx1"/>
-                </a:solidFill>
-                <a:effectLst/>
-                <a:latin typeface="Tw Cen MT" panose="020B0602020104020603" pitchFamily="34" charset="0"/>
-                <a:ea typeface="Calibri" panose="020F0502020204030204" pitchFamily="34" charset="0"/>
-                <a:cs typeface="Times New Roman" panose="02020603050405020304" pitchFamily="18" charset="0"/>
-              </a:rPr>
-              <a:t>AGENDA</a:t>
-            </a:r>
-            <a:endParaRPr kumimoji="0" lang="en-AU" altLang="en-US" sz="500" b="0" i="0" u="none" strike="noStrike" cap="none" normalizeH="0" baseline="0" dirty="0">
-              <a:ln>
-                <a:noFill/>
-              </a:ln>
-              <a:solidFill>
-                <a:schemeClr val="tx1"/>
-              </a:solidFill>
-              <a:effectLst/>
-            </a:endParaRPr>
-          </a:p>
-        </p:txBody>
-      </p:sp>
-      <p:sp>
-        <p:nvSpPr>
-          <p:cNvPr id="10" name="Rectangle 9">
-            <a:extLst>
-              <a:ext uri="{FF2B5EF4-FFF2-40B4-BE49-F238E27FC236}">
-                <a16:creationId xmlns:a16="http://schemas.microsoft.com/office/drawing/2014/main" id="{0063FAC6-1059-490E-9D0D-3CEF59DD566B}"/>
-              </a:ext>
-            </a:extLst>
-          </p:cNvPr>
-          <p:cNvSpPr/>
-          <p:nvPr/>
-        </p:nvSpPr>
-        <p:spPr>
-          <a:xfrm>
-            <a:off x="1959209" y="4444096"/>
-            <a:ext cx="4572000" cy="646331"/>
-          </a:xfrm>
-          <a:prstGeom prst="rect">
-            <a:avLst/>
-          </a:prstGeom>
-        </p:spPr>
-        <p:txBody>
-          <a:bodyPr>
-            <a:spAutoFit/>
-          </a:bodyPr>
-          <a:lstStyle/>
-          <a:p>
-            <a:pPr lvl="0" defTabSz="914400" eaLnBrk="0" hangingPunct="0"/>
-            <a:r>
-              <a:rPr lang="en-AU" altLang="en-US" sz="1200" i="1" dirty="0">
-                <a:latin typeface="Tw Cen MT" panose="020B0602020104020603" pitchFamily="34" charset="0"/>
-                <a:ea typeface="Calibri" panose="020F0502020204030204" pitchFamily="34" charset="0"/>
-                <a:cs typeface="Times New Roman" panose="02020603050405020304" pitchFamily="18" charset="0"/>
-              </a:rPr>
-              <a:t>Next meeting date and time:</a:t>
-            </a:r>
-          </a:p>
-          <a:p>
-            <a:pPr lvl="0" defTabSz="914400" eaLnBrk="0" hangingPunct="0"/>
-            <a:r>
-              <a:rPr lang="en-AU" altLang="en-US" sz="1200" i="1" dirty="0">
-                <a:latin typeface="Tw Cen MT" panose="020B0602020104020603" pitchFamily="34" charset="0"/>
-                <a:cs typeface="Times New Roman" panose="02020603050405020304" pitchFamily="18" charset="0"/>
-              </a:rPr>
-              <a:t>Group member responsible for finalising/submitting minutes:</a:t>
-            </a:r>
-          </a:p>
-          <a:p>
-            <a:pPr lvl="0" defTabSz="914400" eaLnBrk="0" hangingPunct="0"/>
-            <a:r>
-              <a:rPr lang="en-AU" altLang="en-US" sz="1200" i="1" dirty="0">
-                <a:solidFill>
-                  <a:srgbClr val="FF0000"/>
-                </a:solidFill>
-                <a:latin typeface="Tw Cen MT" panose="020B0602020104020603" pitchFamily="34" charset="0"/>
-                <a:cs typeface="Times New Roman" panose="02020603050405020304" pitchFamily="18" charset="0"/>
-              </a:rPr>
-              <a:t>To be posted on the CANVAS Individual group website</a:t>
-            </a:r>
-            <a:endParaRPr lang="en-AU" altLang="en-US" sz="500" dirty="0">
-              <a:solidFill>
-                <a:srgbClr val="FF0000"/>
-              </a:solidFill>
-            </a:endParaRPr>
-          </a:p>
-        </p:txBody>
-      </p:sp>
-    </p:spTree>
-    <p:extLst>
-      <p:ext uri="{BB962C8B-B14F-4D97-AF65-F5344CB8AC3E}">
-        <p14:creationId xmlns:p14="http://schemas.microsoft.com/office/powerpoint/2010/main" val="3534880242"/>
-      </p:ext>
-    </p:extLst>
-  </p:cSld>
-  <p:clrMapOvr>
-    <a:masterClrMapping/>
-  </p:clrMapOvr>
-</p:sld>
-</file>
-
-<file path=ppt/slides/slide17.xml><?xml version="1.0" encoding="utf-8"?>
-<p:sld xmlns:a="http://schemas.openxmlformats.org/drawingml/2006/main" xmlns:r="http://schemas.openxmlformats.org/officeDocument/2006/relationships" xmlns:p="http://schemas.openxmlformats.org/presentationml/2006/main">
-  <p:cSld>
-    <p:spTree>
-      <p:nvGrpSpPr>
-        <p:cNvPr id="1" name=""/>
-        <p:cNvGrpSpPr/>
-        <p:nvPr/>
-      </p:nvGrpSpPr>
-      <p:grpSpPr>
-        <a:xfrm>
-          <a:off x="0" y="0"/>
-          <a:ext cx="0" cy="0"/>
-          <a:chOff x="0" y="0"/>
-          <a:chExt cx="0" cy="0"/>
-        </a:xfrm>
-      </p:grpSpPr>
-      <p:sp>
-        <p:nvSpPr>
-          <p:cNvPr id="3" name="Content Placeholder 2">
-            <a:extLst>
-              <a:ext uri="{FF2B5EF4-FFF2-40B4-BE49-F238E27FC236}">
-                <a16:creationId xmlns:a16="http://schemas.microsoft.com/office/drawing/2014/main" id="{26F8F04C-1340-D543-8635-152D6014CEE3}"/>
-              </a:ext>
-            </a:extLst>
-          </p:cNvPr>
-          <p:cNvSpPr>
-            <a:spLocks noGrp="1"/>
-          </p:cNvSpPr>
-          <p:nvPr>
-            <p:ph idx="1"/>
-          </p:nvPr>
-        </p:nvSpPr>
-        <p:spPr/>
-        <p:txBody>
-          <a:bodyPr/>
-          <a:lstStyle/>
-          <a:p>
-            <a:r>
-              <a:rPr lang="en-US" b="0" dirty="0"/>
-              <a:t>Key message of the presentations. </a:t>
-            </a:r>
-          </a:p>
-          <a:p>
-            <a:r>
-              <a:rPr lang="en-US" b="0" dirty="0"/>
-              <a:t>…</a:t>
-            </a:r>
-          </a:p>
-          <a:p>
-            <a:r>
-              <a:rPr lang="en-US" b="0" dirty="0"/>
-              <a:t>…</a:t>
-            </a:r>
-          </a:p>
-          <a:p>
-            <a:endParaRPr lang="en-US" b="0" dirty="0"/>
-          </a:p>
-          <a:p>
-            <a:endParaRPr lang="en-US" b="0" dirty="0"/>
-          </a:p>
-          <a:p>
-            <a:r>
-              <a:rPr lang="en-US" b="0" dirty="0"/>
-              <a:t>Structure of the presentation</a:t>
-            </a:r>
-          </a:p>
-          <a:p>
-            <a:r>
-              <a:rPr lang="en-US" b="0" dirty="0"/>
-              <a:t>…</a:t>
-            </a:r>
-          </a:p>
-          <a:p>
-            <a:r>
-              <a:rPr lang="en-US" b="0" dirty="0"/>
-              <a:t>…</a:t>
-            </a:r>
-          </a:p>
-          <a:p>
-            <a:endParaRPr lang="en-US" b="0" dirty="0"/>
-          </a:p>
-          <a:p>
-            <a:endParaRPr lang="en-US" b="0" dirty="0"/>
-          </a:p>
-          <a:p>
-            <a:endParaRPr lang="en-US" b="0" dirty="0"/>
-          </a:p>
-        </p:txBody>
-      </p:sp>
-      <p:sp>
-        <p:nvSpPr>
-          <p:cNvPr id="2" name="Title 1">
-            <a:extLst>
-              <a:ext uri="{FF2B5EF4-FFF2-40B4-BE49-F238E27FC236}">
-                <a16:creationId xmlns:a16="http://schemas.microsoft.com/office/drawing/2014/main" id="{C853D6B5-55F1-4B43-B2CC-366F297FFD42}"/>
-              </a:ext>
-            </a:extLst>
-          </p:cNvPr>
-          <p:cNvSpPr>
-            <a:spLocks noGrp="1"/>
-          </p:cNvSpPr>
-          <p:nvPr>
-            <p:ph type="title"/>
-          </p:nvPr>
-        </p:nvSpPr>
-        <p:spPr/>
-        <p:txBody>
-          <a:bodyPr/>
-          <a:lstStyle/>
-          <a:p>
-            <a:r>
-              <a:rPr lang="en-US" dirty="0"/>
-              <a:t>Draft of the presentation outline</a:t>
-            </a:r>
-          </a:p>
-        </p:txBody>
-      </p:sp>
-    </p:spTree>
-    <p:extLst>
-      <p:ext uri="{BB962C8B-B14F-4D97-AF65-F5344CB8AC3E}">
-        <p14:creationId xmlns:p14="http://schemas.microsoft.com/office/powerpoint/2010/main" val="2264126969"/>
-      </p:ext>
-    </p:extLst>
-  </p:cSld>
-  <p:clrMapOvr>
-    <a:masterClrMapping/>
-  </p:clrMapOvr>
-</p:sld>
-</file>
-
-<file path=ppt/slides/slide18.xml><?xml version="1.0" encoding="utf-8"?>
-<p:sld xmlns:a="http://schemas.openxmlformats.org/drawingml/2006/main" xmlns:r="http://schemas.openxmlformats.org/officeDocument/2006/relationships" xmlns:p="http://schemas.openxmlformats.org/presentationml/2006/main">
-  <p:cSld>
-    <p:spTree>
-      <p:nvGrpSpPr>
-        <p:cNvPr id="1" name=""/>
-        <p:cNvGrpSpPr/>
-        <p:nvPr/>
-      </p:nvGrpSpPr>
-      <p:grpSpPr>
-        <a:xfrm>
-          <a:off x="0" y="0"/>
-          <a:ext cx="0" cy="0"/>
-          <a:chOff x="0" y="0"/>
-          <a:chExt cx="0" cy="0"/>
-        </a:xfrm>
-      </p:grpSpPr>
-      <p:sp>
-        <p:nvSpPr>
-          <p:cNvPr id="2" name="Content Placeholder 1">
-            <a:extLst>
-              <a:ext uri="{FF2B5EF4-FFF2-40B4-BE49-F238E27FC236}">
-                <a16:creationId xmlns:a16="http://schemas.microsoft.com/office/drawing/2014/main" id="{12C88FAB-057B-A144-BC8F-BAAD335252D5}"/>
-              </a:ext>
-            </a:extLst>
-          </p:cNvPr>
-          <p:cNvSpPr>
-            <a:spLocks noGrp="1"/>
-          </p:cNvSpPr>
-          <p:nvPr>
-            <p:ph idx="1"/>
-          </p:nvPr>
-        </p:nvSpPr>
-        <p:spPr/>
-        <p:txBody>
-          <a:bodyPr/>
-          <a:lstStyle/>
-          <a:p>
-            <a:r>
-              <a:rPr lang="en-US" b="0" dirty="0"/>
-              <a:t>Results 1: …</a:t>
-            </a:r>
-          </a:p>
-          <a:p>
-            <a:r>
-              <a:rPr lang="en-US" b="0" dirty="0"/>
-              <a:t>Results 2: …</a:t>
-            </a:r>
-          </a:p>
-          <a:p>
-            <a:r>
-              <a:rPr lang="en-US" b="0" dirty="0"/>
-              <a:t>…</a:t>
-            </a:r>
-          </a:p>
-          <a:p>
-            <a:r>
-              <a:rPr lang="en-US" b="0" dirty="0"/>
-              <a:t>Results n: …</a:t>
-            </a:r>
-          </a:p>
-          <a:p>
-            <a:endParaRPr lang="en-US" b="0" dirty="0"/>
-          </a:p>
-          <a:p>
-            <a:endParaRPr lang="en-US" b="0" dirty="0"/>
-          </a:p>
-        </p:txBody>
-      </p:sp>
-      <p:sp>
-        <p:nvSpPr>
-          <p:cNvPr id="3" name="Title 2">
-            <a:extLst>
-              <a:ext uri="{FF2B5EF4-FFF2-40B4-BE49-F238E27FC236}">
-                <a16:creationId xmlns:a16="http://schemas.microsoft.com/office/drawing/2014/main" id="{0C597ED5-62CF-EB42-AA5B-59DE9252A8AF}"/>
-              </a:ext>
-            </a:extLst>
-          </p:cNvPr>
-          <p:cNvSpPr>
-            <a:spLocks noGrp="1"/>
-          </p:cNvSpPr>
-          <p:nvPr>
-            <p:ph type="title"/>
-          </p:nvPr>
-        </p:nvSpPr>
-        <p:spPr/>
-        <p:txBody>
-          <a:bodyPr/>
-          <a:lstStyle/>
-          <a:p>
-            <a:r>
-              <a:rPr lang="en-US" dirty="0"/>
-              <a:t>Final results or messages from the project / analysis</a:t>
-            </a:r>
-          </a:p>
-        </p:txBody>
-      </p:sp>
-    </p:spTree>
-    <p:extLst>
-      <p:ext uri="{BB962C8B-B14F-4D97-AF65-F5344CB8AC3E}">
-        <p14:creationId xmlns:p14="http://schemas.microsoft.com/office/powerpoint/2010/main" val="2405485095"/>
-      </p:ext>
-    </p:extLst>
-  </p:cSld>
-  <p:clrMapOvr>
-    <a:masterClrMapping/>
-  </p:clrMapOvr>
-</p:sld>
-</file>
-
-<file path=ppt/slides/slide19.xml><?xml version="1.0" encoding="utf-8"?>
-<p:sld xmlns:a="http://schemas.openxmlformats.org/drawingml/2006/main" xmlns:r="http://schemas.openxmlformats.org/officeDocument/2006/relationships" xmlns:p="http://schemas.openxmlformats.org/presentationml/2006/main">
-  <p:cSld>
-    <p:spTree>
-      <p:nvGrpSpPr>
-        <p:cNvPr id="1" name=""/>
-        <p:cNvGrpSpPr/>
-        <p:nvPr/>
-      </p:nvGrpSpPr>
-      <p:grpSpPr>
-        <a:xfrm>
-          <a:off x="0" y="0"/>
-          <a:ext cx="0" cy="0"/>
-          <a:chOff x="0" y="0"/>
-          <a:chExt cx="0" cy="0"/>
-        </a:xfrm>
-      </p:grpSpPr>
-      <p:sp>
-        <p:nvSpPr>
-          <p:cNvPr id="10" name="Picture Placeholder 9">
-            <a:extLst>
-              <a:ext uri="{FF2B5EF4-FFF2-40B4-BE49-F238E27FC236}">
-                <a16:creationId xmlns:a16="http://schemas.microsoft.com/office/drawing/2014/main" id="{95BC7065-4970-D844-BAA5-3F7CAE4FDE02}"/>
-              </a:ext>
-            </a:extLst>
-          </p:cNvPr>
-          <p:cNvSpPr>
-            <a:spLocks noGrp="1"/>
-          </p:cNvSpPr>
-          <p:nvPr>
-            <p:ph type="pic" sz="quarter" idx="12"/>
-          </p:nvPr>
-        </p:nvSpPr>
-        <p:spPr/>
-      </p:sp>
-      <p:sp>
-        <p:nvSpPr>
-          <p:cNvPr id="3" name="Title 2">
-            <a:extLst>
-              <a:ext uri="{FF2B5EF4-FFF2-40B4-BE49-F238E27FC236}">
-                <a16:creationId xmlns:a16="http://schemas.microsoft.com/office/drawing/2014/main" id="{4DB2CBD8-6B11-7742-8F55-0A6B929DBF62}"/>
-              </a:ext>
-            </a:extLst>
-          </p:cNvPr>
-          <p:cNvSpPr>
-            <a:spLocks noGrp="1"/>
-          </p:cNvSpPr>
-          <p:nvPr>
-            <p:ph type="title"/>
-          </p:nvPr>
-        </p:nvSpPr>
-        <p:spPr/>
-        <p:txBody>
-          <a:bodyPr/>
-          <a:lstStyle/>
-          <a:p>
-            <a:r>
-              <a:rPr lang="en-US" dirty="0"/>
-              <a:t>Replace this with TWO key figures for your presentations</a:t>
-            </a:r>
-            <a:br>
-              <a:rPr lang="en-US" dirty="0"/>
-            </a:br>
-            <a:endParaRPr lang="en-US" dirty="0"/>
-          </a:p>
-        </p:txBody>
-      </p:sp>
-      <p:sp>
-        <p:nvSpPr>
-          <p:cNvPr id="9" name="Text Placeholder 8">
-            <a:extLst>
-              <a:ext uri="{FF2B5EF4-FFF2-40B4-BE49-F238E27FC236}">
-                <a16:creationId xmlns:a16="http://schemas.microsoft.com/office/drawing/2014/main" id="{33E2E283-3D04-A142-9D66-E0EB45F64193}"/>
-              </a:ext>
-            </a:extLst>
-          </p:cNvPr>
-          <p:cNvSpPr>
-            <a:spLocks noGrp="1"/>
-          </p:cNvSpPr>
-          <p:nvPr>
-            <p:ph type="body" sz="quarter" idx="11"/>
-          </p:nvPr>
-        </p:nvSpPr>
-        <p:spPr>
-          <a:xfrm>
-            <a:off x="293369" y="1991425"/>
-            <a:ext cx="3963817" cy="2267187"/>
-          </a:xfrm>
-        </p:spPr>
-        <p:txBody>
-          <a:bodyPr/>
-          <a:lstStyle/>
-          <a:p>
-            <a:r>
-              <a:rPr lang="en-US" dirty="0"/>
-              <a:t>Excluding Figure 1</a:t>
-            </a:r>
-          </a:p>
-        </p:txBody>
-      </p:sp>
-    </p:spTree>
-    <p:extLst>
-      <p:ext uri="{BB962C8B-B14F-4D97-AF65-F5344CB8AC3E}">
-        <p14:creationId xmlns:p14="http://schemas.microsoft.com/office/powerpoint/2010/main" val="2128485544"/>
+        <p14:creationId xmlns:p14="http://schemas.microsoft.com/office/powerpoint/2010/main" val="1418549919"/>
       </p:ext>
     </p:extLst>
   </p:cSld>
@@ -12882,85 +10119,6 @@
       </p:grpSpPr>
       <p:sp>
         <p:nvSpPr>
-          <p:cNvPr id="4" name="Content Placeholder 3">
-            <a:extLst>
-              <a:ext uri="{FF2B5EF4-FFF2-40B4-BE49-F238E27FC236}">
-                <a16:creationId xmlns:a16="http://schemas.microsoft.com/office/drawing/2014/main" id="{F79E8E1A-6AC7-3F4E-8F0D-D3A7F823361E}"/>
-              </a:ext>
-            </a:extLst>
-          </p:cNvPr>
-          <p:cNvSpPr>
-            <a:spLocks noGrp="1"/>
-          </p:cNvSpPr>
-          <p:nvPr>
-            <p:ph idx="1"/>
-          </p:nvPr>
-        </p:nvSpPr>
-        <p:spPr/>
-        <p:txBody>
-          <a:bodyPr/>
-          <a:lstStyle/>
-          <a:p>
-            <a:r>
-              <a:rPr lang="en-US" b="0" dirty="0"/>
-              <a:t>Action points from last week … …</a:t>
-            </a:r>
-          </a:p>
-          <a:p>
-            <a:r>
-              <a:rPr lang="en-US" b="0" dirty="0"/>
-              <a:t>…</a:t>
-            </a:r>
-          </a:p>
-          <a:p>
-            <a:r>
-              <a:rPr lang="en-US" b="0" dirty="0"/>
-              <a:t>…</a:t>
-            </a:r>
-          </a:p>
-          <a:p>
-            <a:pPr marL="0" indent="0">
-              <a:buNone/>
-            </a:pPr>
-            <a:endParaRPr lang="en-US" b="0" dirty="0"/>
-          </a:p>
-          <a:p>
-            <a:r>
-              <a:rPr lang="en-US" b="0" dirty="0"/>
-              <a:t>Key progress over last week …</a:t>
-            </a:r>
-          </a:p>
-          <a:p>
-            <a:r>
-              <a:rPr lang="en-US" b="0" dirty="0"/>
-              <a:t>…</a:t>
-            </a:r>
-          </a:p>
-          <a:p>
-            <a:r>
-              <a:rPr lang="en-US" b="0" dirty="0"/>
-              <a:t>…</a:t>
-            </a:r>
-          </a:p>
-          <a:p>
-            <a:endParaRPr lang="en-US" b="0" dirty="0"/>
-          </a:p>
-          <a:p>
-            <a:endParaRPr lang="en-US" b="0" dirty="0"/>
-          </a:p>
-          <a:p>
-            <a:endParaRPr lang="en-US" b="0" dirty="0"/>
-          </a:p>
-          <a:p>
-            <a:endParaRPr lang="en-US" b="0" dirty="0"/>
-          </a:p>
-          <a:p>
-            <a:endParaRPr lang="en-US" dirty="0"/>
-          </a:p>
-        </p:txBody>
-      </p:sp>
-      <p:sp>
-        <p:nvSpPr>
           <p:cNvPr id="2" name="Title 1">
             <a:extLst>
               <a:ext uri="{FF2B5EF4-FFF2-40B4-BE49-F238E27FC236}">
@@ -12982,377 +10140,7 @@
           <a:p>
             <a:r>
               <a:rPr lang="en-AU" dirty="0"/>
-              <a:t>Progress and action points </a:t>
-            </a:r>
-            <a:r>
-              <a:rPr lang="en-US" sz="1600" b="0" dirty="0"/>
-              <a:t>(not required for the first meeting)</a:t>
-            </a:r>
-            <a:br>
-              <a:rPr lang="en-US" b="0" dirty="0"/>
-            </a:br>
-            <a:endParaRPr lang="en-AU" dirty="0"/>
-          </a:p>
-        </p:txBody>
-      </p:sp>
-      <p:sp>
-        <p:nvSpPr>
-          <p:cNvPr id="3" name="Text Placeholder 2">
-            <a:extLst>
-              <a:ext uri="{FF2B5EF4-FFF2-40B4-BE49-F238E27FC236}">
-                <a16:creationId xmlns:a16="http://schemas.microsoft.com/office/drawing/2014/main" id="{93BAAD9B-F199-428F-8BD0-37301704CC09}"/>
-              </a:ext>
-            </a:extLst>
-          </p:cNvPr>
-          <p:cNvSpPr txBox="1">
-            <a:spLocks/>
-          </p:cNvSpPr>
-          <p:nvPr/>
-        </p:nvSpPr>
-        <p:spPr bwMode="auto">
-          <a:xfrm>
-            <a:off x="358775" y="1090063"/>
-            <a:ext cx="3963817" cy="3299057"/>
-          </a:xfrm>
-          <a:prstGeom prst="rect">
-            <a:avLst/>
-          </a:prstGeom>
-          <a:noFill/>
-          <a:ln>
-            <a:noFill/>
-          </a:ln>
-          <a:extLst>
-            <a:ext uri="{909E8E84-426E-40dd-AFC4-6F175D3DCCD1}">
-              <a14:hiddenFill xmlns="" xmlns:a14="http://schemas.microsoft.com/office/drawing/2010/main">
-                <a:solidFill>
-                  <a:srgbClr val="FFFFFF"/>
-                </a:solidFill>
-              </a14:hiddenFill>
-            </a:ext>
-            <a:ext uri="{91240B29-F687-4f45-9708-019B960494DF}">
-              <a14:hiddenLine xmlns="" xmlns:a14="http://schemas.microsoft.com/office/drawing/2010/main" w="9525">
-                <a:solidFill>
-                  <a:srgbClr val="000000"/>
-                </a:solidFill>
-                <a:miter lim="800000"/>
-                <a:headEnd/>
-                <a:tailEnd/>
-              </a14:hiddenLine>
-            </a:ext>
-            <a:ext uri="{FAA26D3D-D897-4be2-8F04-BA451C77F1D7}">
-              <ma14:placeholderFlag xmlns="" xmlns:ma14="http://schemas.microsoft.com/office/mac/drawingml/2011/main" val="1"/>
-            </a:ext>
-          </a:extLst>
-        </p:spPr>
-        <p:txBody>
-          <a:bodyPr vert="horz" wrap="square" lIns="91440" tIns="45720" rIns="91440" bIns="45720" numCol="1" anchor="t" anchorCtr="0" compatLnSpc="1">
-            <a:prstTxWarp prst="textNoShape">
-              <a:avLst/>
-            </a:prstTxWarp>
-          </a:bodyPr>
-          <a:lstStyle>
-            <a:lvl1pPr marL="257175" indent="-257175" algn="l" defTabSz="342900" rtl="0" eaLnBrk="1" fontAlgn="base" hangingPunct="1">
-              <a:spcBef>
-                <a:spcPct val="20000"/>
-              </a:spcBef>
-              <a:spcAft>
-                <a:spcPct val="0"/>
-              </a:spcAft>
-              <a:buFont typeface="Lucida Grande" charset="0"/>
-              <a:buChar char="–"/>
-              <a:defRPr sz="2400" b="1" kern="1200">
-                <a:solidFill>
-                  <a:schemeClr val="tx1"/>
-                </a:solidFill>
-                <a:latin typeface="Tw Cen MT"/>
-                <a:ea typeface="ＭＳ Ｐゴシック" charset="0"/>
-                <a:cs typeface="Tw Cen MT"/>
-              </a:defRPr>
-            </a:lvl1pPr>
-            <a:lvl2pPr marL="557213" indent="-214313" algn="l" defTabSz="342900" rtl="0" eaLnBrk="1" fontAlgn="base" hangingPunct="1">
-              <a:spcBef>
-                <a:spcPct val="20000"/>
-              </a:spcBef>
-              <a:spcAft>
-                <a:spcPct val="0"/>
-              </a:spcAft>
-              <a:buFont typeface="Arial" charset="0"/>
-              <a:buChar char="–"/>
-              <a:defRPr sz="1500" kern="1200">
-                <a:solidFill>
-                  <a:schemeClr val="tx1"/>
-                </a:solidFill>
-                <a:latin typeface="Tw Cen MT"/>
-                <a:ea typeface="ＭＳ Ｐゴシック" charset="0"/>
-                <a:cs typeface="Tw Cen MT"/>
-              </a:defRPr>
-            </a:lvl2pPr>
-            <a:lvl3pPr marL="857250" indent="-171450" algn="l" defTabSz="342900" rtl="0" eaLnBrk="1" fontAlgn="base" hangingPunct="1">
-              <a:spcBef>
-                <a:spcPct val="20000"/>
-              </a:spcBef>
-              <a:spcAft>
-                <a:spcPct val="0"/>
-              </a:spcAft>
-              <a:buFont typeface="Arial" charset="0"/>
-              <a:buChar char="•"/>
-              <a:defRPr sz="1500" kern="1200">
-                <a:solidFill>
-                  <a:schemeClr val="tx1"/>
-                </a:solidFill>
-                <a:latin typeface="Tw Cen MT"/>
-                <a:ea typeface="ＭＳ Ｐゴシック" charset="0"/>
-                <a:cs typeface="Tw Cen MT"/>
-              </a:defRPr>
-            </a:lvl3pPr>
-            <a:lvl4pPr marL="1200150" indent="-171450" algn="l" defTabSz="342900" rtl="0" eaLnBrk="1" fontAlgn="base" hangingPunct="1">
-              <a:spcBef>
-                <a:spcPct val="20000"/>
-              </a:spcBef>
-              <a:spcAft>
-                <a:spcPct val="0"/>
-              </a:spcAft>
-              <a:buFont typeface="Arial" charset="0"/>
-              <a:buChar char="–"/>
-              <a:defRPr sz="1500" kern="1200">
-                <a:solidFill>
-                  <a:schemeClr val="tx1"/>
-                </a:solidFill>
-                <a:latin typeface="Tw Cen MT"/>
-                <a:ea typeface="ＭＳ Ｐゴシック" charset="0"/>
-                <a:cs typeface="Tw Cen MT"/>
-              </a:defRPr>
-            </a:lvl4pPr>
-            <a:lvl5pPr marL="1543050" indent="-171450" algn="l" defTabSz="342900" rtl="0" eaLnBrk="1" fontAlgn="base" hangingPunct="1">
-              <a:spcBef>
-                <a:spcPct val="20000"/>
-              </a:spcBef>
-              <a:spcAft>
-                <a:spcPct val="0"/>
-              </a:spcAft>
-              <a:buFont typeface="Arial" charset="0"/>
-              <a:buChar char="»"/>
-              <a:defRPr sz="1500" kern="1200">
-                <a:solidFill>
-                  <a:schemeClr val="tx1"/>
-                </a:solidFill>
-                <a:latin typeface="Tw Cen MT"/>
-                <a:ea typeface="ＭＳ Ｐゴシック" charset="0"/>
-                <a:cs typeface="Tw Cen MT"/>
-              </a:defRPr>
-            </a:lvl5pPr>
-            <a:lvl6pPr marL="1885950" indent="-171450" algn="l" defTabSz="342900" rtl="0" eaLnBrk="1" latinLnBrk="0" hangingPunct="1">
-              <a:spcBef>
-                <a:spcPct val="20000"/>
-              </a:spcBef>
-              <a:buFont typeface="Arial"/>
-              <a:buChar char="•"/>
-              <a:defRPr sz="1500" kern="1200">
-                <a:solidFill>
-                  <a:schemeClr val="tx1"/>
-                </a:solidFill>
-                <a:latin typeface="+mn-lt"/>
-                <a:ea typeface="+mn-ea"/>
-                <a:cs typeface="+mn-cs"/>
-              </a:defRPr>
-            </a:lvl6pPr>
-            <a:lvl7pPr marL="2228850" indent="-171450" algn="l" defTabSz="342900" rtl="0" eaLnBrk="1" latinLnBrk="0" hangingPunct="1">
-              <a:spcBef>
-                <a:spcPct val="20000"/>
-              </a:spcBef>
-              <a:buFont typeface="Arial"/>
-              <a:buChar char="•"/>
-              <a:defRPr sz="1500" kern="1200">
-                <a:solidFill>
-                  <a:schemeClr val="tx1"/>
-                </a:solidFill>
-                <a:latin typeface="+mn-lt"/>
-                <a:ea typeface="+mn-ea"/>
-                <a:cs typeface="+mn-cs"/>
-              </a:defRPr>
-            </a:lvl7pPr>
-            <a:lvl8pPr marL="2571750" indent="-171450" algn="l" defTabSz="342900" rtl="0" eaLnBrk="1" latinLnBrk="0" hangingPunct="1">
-              <a:spcBef>
-                <a:spcPct val="20000"/>
-              </a:spcBef>
-              <a:buFont typeface="Arial"/>
-              <a:buChar char="•"/>
-              <a:defRPr sz="1500" kern="1200">
-                <a:solidFill>
-                  <a:schemeClr val="tx1"/>
-                </a:solidFill>
-                <a:latin typeface="+mn-lt"/>
-                <a:ea typeface="+mn-ea"/>
-                <a:cs typeface="+mn-cs"/>
-              </a:defRPr>
-            </a:lvl8pPr>
-            <a:lvl9pPr marL="2914650" indent="-171450" algn="l" defTabSz="342900" rtl="0" eaLnBrk="1" latinLnBrk="0" hangingPunct="1">
-              <a:spcBef>
-                <a:spcPct val="20000"/>
-              </a:spcBef>
-              <a:buFont typeface="Arial"/>
-              <a:buChar char="•"/>
-              <a:defRPr sz="1500" kern="1200">
-                <a:solidFill>
-                  <a:schemeClr val="tx1"/>
-                </a:solidFill>
-                <a:latin typeface="+mn-lt"/>
-                <a:ea typeface="+mn-ea"/>
-                <a:cs typeface="+mn-cs"/>
-              </a:defRPr>
-            </a:lvl9pPr>
-          </a:lstStyle>
-          <a:p>
-            <a:endParaRPr lang="en-US" sz="1800" b="0" dirty="0"/>
-          </a:p>
-        </p:txBody>
-      </p:sp>
-    </p:spTree>
-    <p:extLst>
-      <p:ext uri="{BB962C8B-B14F-4D97-AF65-F5344CB8AC3E}">
-        <p14:creationId xmlns:p14="http://schemas.microsoft.com/office/powerpoint/2010/main" val="1414804741"/>
-      </p:ext>
-    </p:extLst>
-  </p:cSld>
-  <p:clrMapOvr>
-    <a:masterClrMapping/>
-  </p:clrMapOvr>
-</p:sld>
-</file>
-
-<file path=ppt/slides/slide20.xml><?xml version="1.0" encoding="utf-8"?>
-<p:sld xmlns:a="http://schemas.openxmlformats.org/drawingml/2006/main" xmlns:r="http://schemas.openxmlformats.org/officeDocument/2006/relationships" xmlns:p="http://schemas.openxmlformats.org/presentationml/2006/main">
-  <p:cSld>
-    <p:spTree>
-      <p:nvGrpSpPr>
-        <p:cNvPr id="1" name=""/>
-        <p:cNvGrpSpPr/>
-        <p:nvPr/>
-      </p:nvGrpSpPr>
-      <p:grpSpPr>
-        <a:xfrm>
-          <a:off x="0" y="0"/>
-          <a:ext cx="0" cy="0"/>
-          <a:chOff x="0" y="0"/>
-          <a:chExt cx="0" cy="0"/>
-        </a:xfrm>
-      </p:grpSpPr>
-      <p:sp>
-        <p:nvSpPr>
-          <p:cNvPr id="2" name="Content Placeholder 1">
-            <a:extLst>
-              <a:ext uri="{FF2B5EF4-FFF2-40B4-BE49-F238E27FC236}">
-                <a16:creationId xmlns:a16="http://schemas.microsoft.com/office/drawing/2014/main" id="{32A88347-D643-8E49-9FCF-4EEE1039749C}"/>
-              </a:ext>
-            </a:extLst>
-          </p:cNvPr>
-          <p:cNvSpPr>
-            <a:spLocks noGrp="1"/>
-          </p:cNvSpPr>
-          <p:nvPr>
-            <p:ph idx="1"/>
-          </p:nvPr>
-        </p:nvSpPr>
-        <p:spPr/>
-        <p:txBody>
-          <a:bodyPr/>
-          <a:lstStyle/>
-          <a:p>
-            <a:r>
-              <a:rPr lang="en-US" b="0" dirty="0"/>
-              <a:t>Prerecording ?</a:t>
-            </a:r>
-          </a:p>
-          <a:p>
-            <a:r>
-              <a:rPr lang="en-US" b="0" dirty="0"/>
-              <a:t>Scaffold of the demonstration.</a:t>
-            </a:r>
-          </a:p>
-        </p:txBody>
-      </p:sp>
-      <p:sp>
-        <p:nvSpPr>
-          <p:cNvPr id="3" name="Title 2">
-            <a:extLst>
-              <a:ext uri="{FF2B5EF4-FFF2-40B4-BE49-F238E27FC236}">
-                <a16:creationId xmlns:a16="http://schemas.microsoft.com/office/drawing/2014/main" id="{582780C0-BD03-B043-8BCA-FC3F2F97845D}"/>
-              </a:ext>
-            </a:extLst>
-          </p:cNvPr>
-          <p:cNvSpPr>
-            <a:spLocks noGrp="1"/>
-          </p:cNvSpPr>
-          <p:nvPr>
-            <p:ph type="title"/>
-          </p:nvPr>
-        </p:nvSpPr>
-        <p:spPr/>
-        <p:txBody>
-          <a:bodyPr/>
-          <a:lstStyle/>
-          <a:p>
-            <a:r>
-              <a:rPr lang="en-US" dirty="0"/>
-              <a:t>Plan for demonstration</a:t>
-            </a:r>
-          </a:p>
-        </p:txBody>
-      </p:sp>
-    </p:spTree>
-    <p:extLst>
-      <p:ext uri="{BB962C8B-B14F-4D97-AF65-F5344CB8AC3E}">
-        <p14:creationId xmlns:p14="http://schemas.microsoft.com/office/powerpoint/2010/main" val="752901724"/>
-      </p:ext>
-    </p:extLst>
-  </p:cSld>
-  <p:clrMapOvr>
-    <a:masterClrMapping/>
-  </p:clrMapOvr>
-</p:sld>
-</file>
-
-<file path=ppt/slides/slide21.xml><?xml version="1.0" encoding="utf-8"?>
-<p:sld xmlns:a="http://schemas.openxmlformats.org/drawingml/2006/main" xmlns:r="http://schemas.openxmlformats.org/officeDocument/2006/relationships" xmlns:p="http://schemas.openxmlformats.org/presentationml/2006/main">
-  <p:cSld>
-    <p:spTree>
-      <p:nvGrpSpPr>
-        <p:cNvPr id="1" name=""/>
-        <p:cNvGrpSpPr/>
-        <p:nvPr/>
-      </p:nvGrpSpPr>
-      <p:grpSpPr>
-        <a:xfrm>
-          <a:off x="0" y="0"/>
-          <a:ext cx="0" cy="0"/>
-          <a:chOff x="0" y="0"/>
-          <a:chExt cx="0" cy="0"/>
-        </a:xfrm>
-      </p:grpSpPr>
-      <p:sp>
-        <p:nvSpPr>
-          <p:cNvPr id="2" name="Title 1">
-            <a:extLst>
-              <a:ext uri="{FF2B5EF4-FFF2-40B4-BE49-F238E27FC236}">
-                <a16:creationId xmlns:a16="http://schemas.microsoft.com/office/drawing/2014/main" id="{E2AEAF44-F909-4580-862E-7EB331AAAEC3}"/>
-              </a:ext>
-            </a:extLst>
-          </p:cNvPr>
-          <p:cNvSpPr>
-            <a:spLocks noGrp="1"/>
-          </p:cNvSpPr>
-          <p:nvPr>
-            <p:ph type="title"/>
-          </p:nvPr>
-        </p:nvSpPr>
-        <p:spPr/>
-        <p:txBody>
-          <a:bodyPr/>
-          <a:lstStyle/>
-          <a:p>
-            <a:r>
-              <a:rPr lang="en-AU" dirty="0"/>
-              <a:t>Meeting minutes</a:t>
+              <a:t>Overview of Week 6 Tasks</a:t>
             </a:r>
           </a:p>
         </p:txBody>
@@ -13369,11 +10157,17 @@
           <p:cNvGraphicFramePr>
             <a:graphicFrameLocks noGrp="1"/>
           </p:cNvGraphicFramePr>
-          <p:nvPr/>
+          <p:nvPr>
+            <p:extLst>
+              <p:ext uri="{D42A27DB-BD31-4B8C-83A1-F6EECF244321}">
+                <p14:modId xmlns:p14="http://schemas.microsoft.com/office/powerpoint/2010/main" val="3773864880"/>
+              </p:ext>
+            </p:extLst>
+          </p:nvPr>
         </p:nvGraphicFramePr>
         <p:xfrm>
-          <a:off x="358775" y="1497142"/>
-          <a:ext cx="8518715" cy="2936749"/>
+          <a:off x="358775" y="861625"/>
+          <a:ext cx="8518715" cy="3636803"/>
         </p:xfrm>
         <a:graphic>
           <a:graphicData uri="http://schemas.openxmlformats.org/drawingml/2006/table">
@@ -13382,21 +10176,21 @@
                 <a:tableStyleId>{5C22544A-7EE6-4342-B048-85BDC9FD1C3A}</a:tableStyleId>
               </a:tblPr>
               <a:tblGrid>
-                <a:gridCol w="1373987">
+                <a:gridCol w="2069115">
                   <a:extLst>
                     <a:ext uri="{9D8B030D-6E8A-4147-A177-3AD203B41FA5}">
                       <a16:colId xmlns:a16="http://schemas.microsoft.com/office/drawing/2014/main" val="1573866123"/>
                     </a:ext>
                   </a:extLst>
                 </a:gridCol>
-                <a:gridCol w="2534438">
+                <a:gridCol w="4683124">
                   <a:extLst>
                     <a:ext uri="{9D8B030D-6E8A-4147-A177-3AD203B41FA5}">
                       <a16:colId xmlns:a16="http://schemas.microsoft.com/office/drawing/2014/main" val="83730095"/>
                     </a:ext>
                   </a:extLst>
                 </a:gridCol>
-                <a:gridCol w="4610290">
+                <a:gridCol w="1766476">
                   <a:extLst>
                     <a:ext uri="{9D8B030D-6E8A-4147-A177-3AD203B41FA5}">
                       <a16:colId xmlns:a16="http://schemas.microsoft.com/office/drawing/2014/main" val="1624356449"/>
@@ -13404,7 +10198,7 @@
                   </a:extLst>
                 </a:gridCol>
               </a:tblGrid>
-              <a:tr h="564619">
+              <a:tr h="905030">
                 <a:tc>
                   <a:txBody>
                     <a:bodyPr/>
@@ -13421,56 +10215,11 @@
                       <a:r>
                         <a:rPr lang="en-AU" sz="1600" dirty="0">
                           <a:effectLst/>
-                        </a:rPr>
-                        <a:t>Item</a:t>
-                      </a:r>
-                      <a:endParaRPr lang="en-AU" sz="1600" dirty="0">
-                        <a:effectLst/>
-                        <a:latin typeface="Tw Cen MT" panose="020B0602020104020603" pitchFamily="34" charset="0"/>
-                        <a:ea typeface="Calibri" panose="020F0502020204030204" pitchFamily="34" charset="0"/>
-                        <a:cs typeface="Times New Roman" panose="02020603050405020304" pitchFamily="18" charset="0"/>
-                      </a:endParaRPr>
-                    </a:p>
-                  </a:txBody>
-                  <a:tcPr marL="81331" marR="81331" marT="0" marB="0" anchor="ctr"/>
-                </a:tc>
-                <a:tc>
-                  <a:txBody>
-                    <a:bodyPr/>
-                    <a:lstStyle/>
-                    <a:p>
-                      <a:pPr algn="ctr">
-                        <a:lnSpc>
-                          <a:spcPct val="107000"/>
-                        </a:lnSpc>
-                        <a:spcAft>
-                          <a:spcPts val="0"/>
-                        </a:spcAft>
-                      </a:pPr>
-                      <a:r>
-                        <a:rPr lang="en-AU" sz="1600" dirty="0">
-                          <a:effectLst/>
-                        </a:rPr>
-                        <a:t>Discussion</a:t>
-                      </a:r>
-                    </a:p>
-                    <a:p>
-                      <a:pPr algn="ctr">
-                        <a:lnSpc>
-                          <a:spcPct val="107000"/>
-                        </a:lnSpc>
-                        <a:spcAft>
-                          <a:spcPts val="0"/>
-                        </a:spcAft>
-                      </a:pPr>
-                      <a:r>
-                        <a:rPr lang="en-AU" sz="1100" dirty="0">
-                          <a:effectLst/>
                           <a:latin typeface="Tw Cen MT" panose="020B0602020104020603" pitchFamily="34" charset="0"/>
                           <a:ea typeface="Calibri" panose="020F0502020204030204" pitchFamily="34" charset="0"/>
                           <a:cs typeface="Times New Roman" panose="02020603050405020304" pitchFamily="18" charset="0"/>
                         </a:rPr>
-                        <a:t>(you can refer to previous slides)</a:t>
+                        <a:t>Task</a:t>
                       </a:r>
                     </a:p>
                   </a:txBody>
@@ -13492,8 +10241,37 @@
                       <a:r>
                         <a:rPr lang="en-AU" sz="1600" dirty="0">
                           <a:effectLst/>
+                          <a:latin typeface="Tw Cen MT" panose="020B0602020104020603" pitchFamily="34" charset="0"/>
+                          <a:ea typeface="Calibri" panose="020F0502020204030204" pitchFamily="34" charset="0"/>
+                          <a:cs typeface="Times New Roman" panose="02020603050405020304" pitchFamily="18" charset="0"/>
                         </a:rPr>
-                        <a:t>Actions (who) – action points for next week</a:t>
+                        <a:t>Summary</a:t>
+                      </a:r>
+                    </a:p>
+                  </a:txBody>
+                  <a:tcPr marL="81331" marR="81331" marT="0" marB="0" anchor="ctr"/>
+                </a:tc>
+                <a:tc>
+                  <a:txBody>
+                    <a:bodyPr/>
+                    <a:lstStyle/>
+                    <a:p>
+                      <a:pPr algn="ctr">
+                        <a:lnSpc>
+                          <a:spcPct val="107000"/>
+                        </a:lnSpc>
+                        <a:spcAft>
+                          <a:spcPts val="0"/>
+                        </a:spcAft>
+                      </a:pPr>
+                      <a:r>
+                        <a:rPr lang="en-AU" sz="1600" dirty="0">
+                          <a:effectLst/>
+                          <a:latin typeface="Tw Cen MT" panose="020B0602020104020603" pitchFamily="34" charset="0"/>
+                          <a:ea typeface="Calibri" panose="020F0502020204030204" pitchFamily="34" charset="0"/>
+                          <a:cs typeface="Times New Roman" panose="02020603050405020304" pitchFamily="18" charset="0"/>
+                        </a:rPr>
+                        <a:t>Assigned To</a:t>
                       </a:r>
                     </a:p>
                   </a:txBody>
@@ -13505,63 +10283,72 @@
                   </a:ext>
                 </a:extLst>
               </a:tr>
-              <a:tr h="474426">
+              <a:tr h="910591">
                 <a:tc>
                   <a:txBody>
                     <a:bodyPr/>
                     <a:lstStyle/>
                     <a:p>
-                      <a:pPr>
+                      <a:pPr algn="l">
                         <a:lnSpc>
                           <a:spcPct val="107000"/>
                         </a:lnSpc>
                       </a:pPr>
-                      <a:endParaRPr lang="en-AU" sz="1000" dirty="0">
-                        <a:effectLst/>
-                        <a:latin typeface="Calibri" panose="020F0502020204030204" pitchFamily="34" charset="0"/>
-                        <a:cs typeface="Times New Roman" panose="02020603050405020304" pitchFamily="18" charset="0"/>
-                      </a:endParaRPr>
+                      <a:r>
+                        <a:rPr lang="en-AU" sz="1600" dirty="0">
+                          <a:effectLst/>
+                          <a:latin typeface="Calibri" panose="020F0502020204030204" pitchFamily="34" charset="0"/>
+                          <a:cs typeface="Times New Roman" panose="02020603050405020304" pitchFamily="18" charset="0"/>
+                        </a:rPr>
+                        <a:t>Website &amp; Flow Chart</a:t>
+                      </a:r>
                     </a:p>
                   </a:txBody>
-                  <a:tcPr marL="81331" marR="81331" marT="0" marB="0" anchor="b"/>
+                  <a:tcPr marL="81331" marR="81331" marT="0" marB="0" anchor="ctr"/>
                 </a:tc>
                 <a:tc>
                   <a:txBody>
                     <a:bodyPr/>
                     <a:lstStyle/>
                     <a:p>
-                      <a:pPr>
+                      <a:pPr algn="l">
                         <a:lnSpc>
                           <a:spcPct val="107000"/>
                         </a:lnSpc>
                       </a:pPr>
-                      <a:endParaRPr lang="en-AU" sz="1000" dirty="0">
-                        <a:effectLst/>
-                        <a:latin typeface="Calibri" panose="020F0502020204030204" pitchFamily="34" charset="0"/>
-                        <a:cs typeface="Times New Roman" panose="02020603050405020304" pitchFamily="18" charset="0"/>
-                      </a:endParaRPr>
+                      <a:r>
+                        <a:rPr lang="en-AU" sz="1600" dirty="0">
+                          <a:effectLst/>
+                          <a:latin typeface="Calibri" panose="020F0502020204030204" pitchFamily="34" charset="0"/>
+                          <a:cs typeface="Times New Roman" panose="02020603050405020304" pitchFamily="18" charset="0"/>
+                        </a:rPr>
+                        <a:t>On Framer, Christy and Kylie learnt the basics and developed a sample flow chart for the final presentation.</a:t>
+                      </a:r>
                     </a:p>
                   </a:txBody>
-                  <a:tcPr marL="81331" marR="81331" marT="0" marB="0" anchor="b"/>
+                  <a:tcPr marL="81331" marR="81331" marT="0" marB="0" anchor="ctr"/>
                 </a:tc>
                 <a:tc>
                   <a:txBody>
                     <a:bodyPr/>
                     <a:lstStyle/>
                     <a:p>
-                      <a:pPr>
+                      <a:pPr algn="l">
                         <a:lnSpc>
                           <a:spcPct val="107000"/>
                         </a:lnSpc>
                       </a:pPr>
-                      <a:endParaRPr lang="en-AU" sz="1000" dirty="0">
-                        <a:effectLst/>
-                        <a:latin typeface="Calibri" panose="020F0502020204030204" pitchFamily="34" charset="0"/>
-                        <a:cs typeface="Times New Roman" panose="02020603050405020304" pitchFamily="18" charset="0"/>
-                      </a:endParaRPr>
+                      <a:r>
+                        <a:rPr lang="en-AU" sz="1600" dirty="0">
+                          <a:effectLst/>
+                          <a:latin typeface="Calibri" panose="020F0502020204030204" pitchFamily="34" charset="0"/>
+                          <a:cs typeface="Times New Roman" panose="02020603050405020304" pitchFamily="18" charset="0"/>
+                        </a:rPr>
+                        <a:t>Christy and Kylie.</a:t>
+                      </a:r>
                     </a:p>
                   </a:txBody>
-                  <a:tcPr marL="81331" marR="81331" marT="0" marB="0" anchor="b"/>
+                  <a:tcPr marL="81331" marR="81331" marT="0" marB="0" anchor="ctr"/>
                 </a:tc>
                 <a:extLst>
                   <a:ext uri="{0D108BD9-81ED-4DB2-BD59-A6C34878D82A}">
@@ -13569,63 +10356,72 @@
                   </a:ext>
                 </a:extLst>
               </a:tr>
-              <a:tr h="474426">
+              <a:tr h="910591">
                 <a:tc>
                   <a:txBody>
                     <a:bodyPr/>
                     <a:lstStyle/>
                     <a:p>
-                      <a:pPr>
+                      <a:pPr algn="l">
                         <a:lnSpc>
                           <a:spcPct val="107000"/>
                         </a:lnSpc>
                       </a:pPr>
-                      <a:endParaRPr lang="en-AU" sz="1000">
-                        <a:effectLst/>
-                        <a:latin typeface="Calibri" panose="020F0502020204030204" pitchFamily="34" charset="0"/>
-                        <a:cs typeface="Times New Roman" panose="02020603050405020304" pitchFamily="18" charset="0"/>
-                      </a:endParaRPr>
+                      <a:r>
+                        <a:rPr lang="en-AU" sz="1600" dirty="0">
+                          <a:effectLst/>
+                          <a:latin typeface="Calibri" panose="020F0502020204030204" pitchFamily="34" charset="0"/>
+                          <a:cs typeface="Times New Roman" panose="02020603050405020304" pitchFamily="18" charset="0"/>
+                        </a:rPr>
+                        <a:t>Noise Mitigation Research</a:t>
+                      </a:r>
                     </a:p>
                   </a:txBody>
-                  <a:tcPr marL="81331" marR="81331" marT="0" marB="0" anchor="b"/>
+                  <a:tcPr marL="81331" marR="81331" marT="0" marB="0" anchor="ctr"/>
                 </a:tc>
                 <a:tc>
                   <a:txBody>
                     <a:bodyPr/>
                     <a:lstStyle/>
                     <a:p>
-                      <a:pPr>
+                      <a:pPr algn="l">
                         <a:lnSpc>
                           <a:spcPct val="107000"/>
                         </a:lnSpc>
                       </a:pPr>
-                      <a:endParaRPr lang="en-AU" sz="1000">
-                        <a:effectLst/>
-                        <a:latin typeface="Calibri" panose="020F0502020204030204" pitchFamily="34" charset="0"/>
-                        <a:cs typeface="Times New Roman" panose="02020603050405020304" pitchFamily="18" charset="0"/>
-                      </a:endParaRPr>
+                      <a:r>
+                        <a:rPr lang="en-AU" sz="1600" dirty="0">
+                          <a:effectLst/>
+                          <a:latin typeface="Calibri" panose="020F0502020204030204" pitchFamily="34" charset="0"/>
+                          <a:cs typeface="Times New Roman" panose="02020603050405020304" pitchFamily="18" charset="0"/>
+                        </a:rPr>
+                        <a:t>We researched about how to reduce bid-ask spread noise in our dataset. We developed several ways for that.</a:t>
+                      </a:r>
                     </a:p>
                   </a:txBody>
-                  <a:tcPr marL="81331" marR="81331" marT="0" marB="0" anchor="b"/>
+                  <a:tcPr marL="81331" marR="81331" marT="0" marB="0" anchor="ctr"/>
                 </a:tc>
                 <a:tc>
                   <a:txBody>
                     <a:bodyPr/>
                     <a:lstStyle/>
                     <a:p>
-                      <a:pPr>
+                      <a:pPr algn="l">
                         <a:lnSpc>
                           <a:spcPct val="107000"/>
                         </a:lnSpc>
                       </a:pPr>
-                      <a:endParaRPr lang="en-AU" sz="1000">
-                        <a:effectLst/>
-                        <a:latin typeface="Calibri" panose="020F0502020204030204" pitchFamily="34" charset="0"/>
-                        <a:cs typeface="Times New Roman" panose="02020603050405020304" pitchFamily="18" charset="0"/>
-                      </a:endParaRPr>
+                      <a:r>
+                        <a:rPr lang="en-AU" sz="1600" dirty="0">
+                          <a:effectLst/>
+                          <a:latin typeface="Calibri" panose="020F0502020204030204" pitchFamily="34" charset="0"/>
+                          <a:cs typeface="Times New Roman" panose="02020603050405020304" pitchFamily="18" charset="0"/>
+                        </a:rPr>
+                        <a:t>Ayush, Christy, and Kylie.</a:t>
+                      </a:r>
                     </a:p>
                   </a:txBody>
-                  <a:tcPr marL="81331" marR="81331" marT="0" marB="0" anchor="b"/>
+                  <a:tcPr marL="81331" marR="81331" marT="0" marB="0" anchor="ctr"/>
                 </a:tc>
                 <a:extLst>
                   <a:ext uri="{0D108BD9-81ED-4DB2-BD59-A6C34878D82A}">
@@ -13633,63 +10429,72 @@
                   </a:ext>
                 </a:extLst>
               </a:tr>
-              <a:tr h="474426">
+              <a:tr h="910591">
                 <a:tc>
                   <a:txBody>
                     <a:bodyPr/>
                     <a:lstStyle/>
                     <a:p>
-                      <a:pPr>
+                      <a:pPr algn="l">
                         <a:lnSpc>
                           <a:spcPct val="107000"/>
                         </a:lnSpc>
                       </a:pPr>
-                      <a:endParaRPr lang="en-AU" sz="1000">
-                        <a:effectLst/>
-                        <a:latin typeface="Calibri" panose="020F0502020204030204" pitchFamily="34" charset="0"/>
-                        <a:cs typeface="Times New Roman" panose="02020603050405020304" pitchFamily="18" charset="0"/>
-                      </a:endParaRPr>
+                      <a:r>
+                        <a:rPr lang="en-AU" sz="1600" dirty="0">
+                          <a:effectLst/>
+                          <a:latin typeface="Calibri" panose="020F0502020204030204" pitchFamily="34" charset="0"/>
+                          <a:cs typeface="Times New Roman" panose="02020603050405020304" pitchFamily="18" charset="0"/>
+                        </a:rPr>
+                        <a:t>Feature Engineering</a:t>
+                      </a:r>
                     </a:p>
                   </a:txBody>
-                  <a:tcPr marL="81331" marR="81331" marT="0" marB="0" anchor="b"/>
+                  <a:tcPr marL="81331" marR="81331" marT="0" marB="0" anchor="ctr"/>
                 </a:tc>
                 <a:tc>
                   <a:txBody>
                     <a:bodyPr/>
                     <a:lstStyle/>
                     <a:p>
-                      <a:pPr>
+                      <a:pPr algn="l">
                         <a:lnSpc>
                           <a:spcPct val="107000"/>
                         </a:lnSpc>
                       </a:pPr>
-                      <a:endParaRPr lang="en-AU" sz="1000">
-                        <a:effectLst/>
-                        <a:latin typeface="Calibri" panose="020F0502020204030204" pitchFamily="34" charset="0"/>
-                        <a:cs typeface="Times New Roman" panose="02020603050405020304" pitchFamily="18" charset="0"/>
-                      </a:endParaRPr>
+                      <a:r>
+                        <a:rPr lang="en-AU" sz="1600" dirty="0">
+                          <a:effectLst/>
+                          <a:latin typeface="Calibri" panose="020F0502020204030204" pitchFamily="34" charset="0"/>
+                          <a:cs typeface="Times New Roman" panose="02020603050405020304" pitchFamily="18" charset="0"/>
+                        </a:rPr>
+                        <a:t>We derive new market microstructure metrics from raw LOB data to have multiple signals going in our dataset.</a:t>
+                      </a:r>
                     </a:p>
                   </a:txBody>
-                  <a:tcPr marL="81331" marR="81331" marT="0" marB="0" anchor="b"/>
+                  <a:tcPr marL="81331" marR="81331" marT="0" marB="0" anchor="ctr"/>
                 </a:tc>
                 <a:tc>
                   <a:txBody>
                     <a:bodyPr/>
                     <a:lstStyle/>
                     <a:p>
-                      <a:pPr>
+                      <a:pPr algn="l">
                         <a:lnSpc>
                           <a:spcPct val="107000"/>
                         </a:lnSpc>
                       </a:pPr>
-                      <a:endParaRPr lang="en-AU" sz="1000">
-                        <a:effectLst/>
-                        <a:latin typeface="Calibri" panose="020F0502020204030204" pitchFamily="34" charset="0"/>
-                        <a:cs typeface="Times New Roman" panose="02020603050405020304" pitchFamily="18" charset="0"/>
-                      </a:endParaRPr>
+                      <a:r>
+                        <a:rPr lang="en-AU" sz="1600" dirty="0">
+                          <a:effectLst/>
+                          <a:latin typeface="Calibri" panose="020F0502020204030204" pitchFamily="34" charset="0"/>
+                          <a:cs typeface="Times New Roman" panose="02020603050405020304" pitchFamily="18" charset="0"/>
+                        </a:rPr>
+                        <a:t>Ayush, Han, and Tobit.</a:t>
+                      </a:r>
                     </a:p>
                   </a:txBody>
-                  <a:tcPr marL="81331" marR="81331" marT="0" marB="0" anchor="b"/>
+                  <a:tcPr marL="81331" marR="81331" marT="0" marB="0" anchor="ctr"/>
                 </a:tc>
                 <a:extLst>
                   <a:ext uri="{0D108BD9-81ED-4DB2-BD59-A6C34878D82A}">
@@ -13697,419 +10502,14 @@
                   </a:ext>
                 </a:extLst>
               </a:tr>
-              <a:tr h="474426">
-                <a:tc>
-                  <a:txBody>
-                    <a:bodyPr/>
-                    <a:lstStyle/>
-                    <a:p>
-                      <a:pPr>
-                        <a:lnSpc>
-                          <a:spcPct val="107000"/>
-                        </a:lnSpc>
-                      </a:pPr>
-                      <a:endParaRPr lang="en-AU" sz="1000">
-                        <a:effectLst/>
-                        <a:latin typeface="Calibri" panose="020F0502020204030204" pitchFamily="34" charset="0"/>
-                        <a:cs typeface="Times New Roman" panose="02020603050405020304" pitchFamily="18" charset="0"/>
-                      </a:endParaRPr>
-                    </a:p>
-                  </a:txBody>
-                  <a:tcPr marL="81331" marR="81331" marT="0" marB="0" anchor="b"/>
-                </a:tc>
-                <a:tc>
-                  <a:txBody>
-                    <a:bodyPr/>
-                    <a:lstStyle/>
-                    <a:p>
-                      <a:pPr>
-                        <a:lnSpc>
-                          <a:spcPct val="107000"/>
-                        </a:lnSpc>
-                      </a:pPr>
-                      <a:endParaRPr lang="en-AU" sz="1000">
-                        <a:effectLst/>
-                        <a:latin typeface="Calibri" panose="020F0502020204030204" pitchFamily="34" charset="0"/>
-                        <a:cs typeface="Times New Roman" panose="02020603050405020304" pitchFamily="18" charset="0"/>
-                      </a:endParaRPr>
-                    </a:p>
-                  </a:txBody>
-                  <a:tcPr marL="81331" marR="81331" marT="0" marB="0" anchor="b"/>
-                </a:tc>
-                <a:tc>
-                  <a:txBody>
-                    <a:bodyPr/>
-                    <a:lstStyle/>
-                    <a:p>
-                      <a:pPr>
-                        <a:lnSpc>
-                          <a:spcPct val="107000"/>
-                        </a:lnSpc>
-                      </a:pPr>
-                      <a:endParaRPr lang="en-AU" sz="1000" dirty="0">
-                        <a:effectLst/>
-                        <a:latin typeface="Calibri" panose="020F0502020204030204" pitchFamily="34" charset="0"/>
-                        <a:cs typeface="Times New Roman" panose="02020603050405020304" pitchFamily="18" charset="0"/>
-                      </a:endParaRPr>
-                    </a:p>
-                  </a:txBody>
-                  <a:tcPr marL="81331" marR="81331" marT="0" marB="0" anchor="b"/>
-                </a:tc>
-                <a:extLst>
-                  <a:ext uri="{0D108BD9-81ED-4DB2-BD59-A6C34878D82A}">
-                    <a16:rowId xmlns:a16="http://schemas.microsoft.com/office/drawing/2014/main" val="1757599085"/>
-                  </a:ext>
-                </a:extLst>
-              </a:tr>
-              <a:tr h="474426">
-                <a:tc>
-                  <a:txBody>
-                    <a:bodyPr/>
-                    <a:lstStyle/>
-                    <a:p>
-                      <a:pPr>
-                        <a:lnSpc>
-                          <a:spcPct val="107000"/>
-                        </a:lnSpc>
-                      </a:pPr>
-                      <a:endParaRPr lang="en-AU" sz="1000">
-                        <a:effectLst/>
-                        <a:latin typeface="Calibri" panose="020F0502020204030204" pitchFamily="34" charset="0"/>
-                        <a:cs typeface="Times New Roman" panose="02020603050405020304" pitchFamily="18" charset="0"/>
-                      </a:endParaRPr>
-                    </a:p>
-                  </a:txBody>
-                  <a:tcPr marL="81331" marR="81331" marT="0" marB="0" anchor="b"/>
-                </a:tc>
-                <a:tc>
-                  <a:txBody>
-                    <a:bodyPr/>
-                    <a:lstStyle/>
-                    <a:p>
-                      <a:pPr>
-                        <a:lnSpc>
-                          <a:spcPct val="107000"/>
-                        </a:lnSpc>
-                      </a:pPr>
-                      <a:endParaRPr lang="en-AU" sz="1000">
-                        <a:effectLst/>
-                        <a:latin typeface="Calibri" panose="020F0502020204030204" pitchFamily="34" charset="0"/>
-                        <a:cs typeface="Times New Roman" panose="02020603050405020304" pitchFamily="18" charset="0"/>
-                      </a:endParaRPr>
-                    </a:p>
-                  </a:txBody>
-                  <a:tcPr marL="81331" marR="81331" marT="0" marB="0" anchor="b"/>
-                </a:tc>
-                <a:tc>
-                  <a:txBody>
-                    <a:bodyPr/>
-                    <a:lstStyle/>
-                    <a:p>
-                      <a:pPr>
-                        <a:lnSpc>
-                          <a:spcPct val="107000"/>
-                        </a:lnSpc>
-                      </a:pPr>
-                      <a:endParaRPr lang="en-AU" sz="1000" dirty="0">
-                        <a:effectLst/>
-                        <a:latin typeface="Calibri" panose="020F0502020204030204" pitchFamily="34" charset="0"/>
-                        <a:cs typeface="Times New Roman" panose="02020603050405020304" pitchFamily="18" charset="0"/>
-                      </a:endParaRPr>
-                    </a:p>
-                  </a:txBody>
-                  <a:tcPr marL="81331" marR="81331" marT="0" marB="0" anchor="b"/>
-                </a:tc>
-                <a:extLst>
-                  <a:ext uri="{0D108BD9-81ED-4DB2-BD59-A6C34878D82A}">
-                    <a16:rowId xmlns:a16="http://schemas.microsoft.com/office/drawing/2014/main" val="927903413"/>
-                  </a:ext>
-                </a:extLst>
-              </a:tr>
             </a:tbl>
           </a:graphicData>
         </a:graphic>
       </p:graphicFrame>
-      <p:sp>
-        <p:nvSpPr>
-          <p:cNvPr id="9" name="Rectangle 2">
-            <a:extLst>
-              <a:ext uri="{FF2B5EF4-FFF2-40B4-BE49-F238E27FC236}">
-                <a16:creationId xmlns:a16="http://schemas.microsoft.com/office/drawing/2014/main" id="{A2ADCF7C-1D56-46C0-AA47-22DB2F49BF52}"/>
-              </a:ext>
-            </a:extLst>
-          </p:cNvPr>
-          <p:cNvSpPr>
-            <a:spLocks noChangeArrowheads="1"/>
-          </p:cNvSpPr>
-          <p:nvPr/>
-        </p:nvSpPr>
-        <p:spPr bwMode="auto">
-          <a:xfrm>
-            <a:off x="358775" y="820034"/>
-            <a:ext cx="4699191" cy="677108"/>
-          </a:xfrm>
-          <a:prstGeom prst="rect">
-            <a:avLst/>
-          </a:prstGeom>
-          <a:noFill/>
-          <a:ln>
-            <a:noFill/>
-          </a:ln>
-          <a:effectLst/>
-          <a:extLst>
-            <a:ext uri="{909E8E84-426E-40DD-AFC4-6F175D3DCCD1}">
-              <a14:hiddenFill xmlns:a14="http://schemas.microsoft.com/office/drawing/2010/main">
-                <a:solidFill>
-                  <a:schemeClr val="accent1"/>
-                </a:solidFill>
-              </a14:hiddenFill>
-            </a:ext>
-            <a:ext uri="{91240B29-F687-4F45-9708-019B960494DF}">
-              <a14:hiddenLine xmlns:a14="http://schemas.microsoft.com/office/drawing/2010/main" w="9525">
-                <a:solidFill>
-                  <a:schemeClr val="tx1"/>
-                </a:solidFill>
-                <a:miter lim="800000"/>
-                <a:headEnd/>
-                <a:tailEnd/>
-              </a14:hiddenLine>
-            </a:ext>
-            <a:ext uri="{AF507438-7753-43E0-B8FC-AC1667EBCBE1}">
-              <a14:hiddenEffects xmlns:a14="http://schemas.microsoft.com/office/drawing/2010/main">
-                <a:effectLst>
-                  <a:outerShdw dist="35921" dir="2700000" algn="ctr" rotWithShape="0">
-                    <a:schemeClr val="bg2"/>
-                  </a:outerShdw>
-                </a:effectLst>
-              </a14:hiddenEffects>
-            </a:ext>
-          </a:extLst>
-        </p:spPr>
-        <p:txBody>
-          <a:bodyPr vert="horz" wrap="square" lIns="91440" tIns="45720" rIns="91440" bIns="45720" numCol="1" anchor="ctr" anchorCtr="0" compatLnSpc="1">
-            <a:prstTxWarp prst="textNoShape">
-              <a:avLst/>
-            </a:prstTxWarp>
-            <a:spAutoFit/>
-          </a:bodyPr>
-          <a:lstStyle/>
-          <a:p>
-            <a:pPr marL="0" marR="0" lvl="0" indent="0" algn="l" defTabSz="914400" rtl="0" eaLnBrk="0" fontAlgn="base" latinLnBrk="0" hangingPunct="0">
-              <a:lnSpc>
-                <a:spcPct val="100000"/>
-              </a:lnSpc>
-              <a:spcBef>
-                <a:spcPct val="0"/>
-              </a:spcBef>
-              <a:spcAft>
-                <a:spcPct val="0"/>
-              </a:spcAft>
-              <a:buClrTx/>
-              <a:buSzTx/>
-              <a:buFontTx/>
-              <a:buNone/>
-              <a:tabLst/>
-            </a:pPr>
-            <a:r>
-              <a:rPr kumimoji="0" lang="en-AU" altLang="en-US" sz="1100" b="0" i="1" u="none" strike="noStrike" cap="none" normalizeH="0" baseline="0" dirty="0">
-                <a:ln>
-                  <a:noFill/>
-                </a:ln>
-                <a:solidFill>
-                  <a:schemeClr val="tx1"/>
-                </a:solidFill>
-                <a:effectLst/>
-                <a:latin typeface="Tw Cen MT" panose="020B0602020104020603" pitchFamily="34" charset="0"/>
-                <a:ea typeface="Calibri" panose="020F0502020204030204" pitchFamily="34" charset="0"/>
-                <a:cs typeface="Times New Roman" panose="02020603050405020304" pitchFamily="18" charset="0"/>
-              </a:rPr>
-              <a:t>Date and time of meeting:</a:t>
-            </a:r>
-            <a:endParaRPr kumimoji="0" lang="en-AU" altLang="en-US" sz="500" b="0" i="0" u="none" strike="noStrike" cap="none" normalizeH="0" baseline="0" dirty="0">
-              <a:ln>
-                <a:noFill/>
-              </a:ln>
-              <a:solidFill>
-                <a:schemeClr val="tx1"/>
-              </a:solidFill>
-              <a:effectLst/>
-            </a:endParaRPr>
-          </a:p>
-          <a:p>
-            <a:pPr marL="0" marR="0" lvl="0" indent="0" algn="l" defTabSz="914400" rtl="0" eaLnBrk="0" fontAlgn="base" latinLnBrk="0" hangingPunct="0">
-              <a:lnSpc>
-                <a:spcPct val="100000"/>
-              </a:lnSpc>
-              <a:spcBef>
-                <a:spcPct val="0"/>
-              </a:spcBef>
-              <a:spcAft>
-                <a:spcPct val="0"/>
-              </a:spcAft>
-              <a:buClrTx/>
-              <a:buSzTx/>
-              <a:buFontTx/>
-              <a:buNone/>
-              <a:tabLst/>
-            </a:pPr>
-            <a:r>
-              <a:rPr kumimoji="0" lang="en-AU" altLang="en-US" sz="1100" b="0" i="1" u="none" strike="noStrike" cap="none" normalizeH="0" baseline="0" dirty="0">
-                <a:ln>
-                  <a:noFill/>
-                </a:ln>
-                <a:solidFill>
-                  <a:schemeClr val="tx1"/>
-                </a:solidFill>
-                <a:effectLst/>
-                <a:latin typeface="Tw Cen MT" panose="020B0602020104020603" pitchFamily="34" charset="0"/>
-                <a:ea typeface="Calibri" panose="020F0502020204030204" pitchFamily="34" charset="0"/>
-                <a:cs typeface="Times New Roman" panose="02020603050405020304" pitchFamily="18" charset="0"/>
-              </a:rPr>
-              <a:t>Team members present:</a:t>
-            </a:r>
-          </a:p>
-          <a:p>
-            <a:pPr marL="0" marR="0" lvl="0" indent="0" algn="l" defTabSz="914400" rtl="0" eaLnBrk="0" fontAlgn="base" latinLnBrk="0" hangingPunct="0">
-              <a:lnSpc>
-                <a:spcPct val="100000"/>
-              </a:lnSpc>
-              <a:spcBef>
-                <a:spcPct val="0"/>
-              </a:spcBef>
-              <a:spcAft>
-                <a:spcPct val="0"/>
-              </a:spcAft>
-              <a:buClrTx/>
-              <a:buSzTx/>
-              <a:buFontTx/>
-              <a:buNone/>
-              <a:tabLst/>
-            </a:pPr>
-            <a:endParaRPr kumimoji="0" lang="en-AU" altLang="en-US" sz="500" b="0" i="0" u="none" strike="noStrike" cap="none" normalizeH="0" baseline="0" dirty="0">
-              <a:ln>
-                <a:noFill/>
-              </a:ln>
-              <a:solidFill>
-                <a:schemeClr val="tx1"/>
-              </a:solidFill>
-              <a:effectLst/>
-            </a:endParaRPr>
-          </a:p>
-          <a:p>
-            <a:pPr marL="0" marR="0" lvl="0" indent="0" algn="l" defTabSz="914400" rtl="0" eaLnBrk="0" fontAlgn="base" latinLnBrk="0" hangingPunct="0">
-              <a:lnSpc>
-                <a:spcPct val="100000"/>
-              </a:lnSpc>
-              <a:spcBef>
-                <a:spcPct val="0"/>
-              </a:spcBef>
-              <a:spcAft>
-                <a:spcPct val="0"/>
-              </a:spcAft>
-              <a:buClrTx/>
-              <a:buSzTx/>
-              <a:buFontTx/>
-              <a:buNone/>
-              <a:tabLst/>
-            </a:pPr>
-            <a:r>
-              <a:rPr kumimoji="0" lang="en-AU" altLang="en-US" sz="1100" b="1" i="0" u="none" strike="noStrike" cap="none" normalizeH="0" baseline="0" dirty="0">
-                <a:ln>
-                  <a:noFill/>
-                </a:ln>
-                <a:solidFill>
-                  <a:schemeClr val="tx1"/>
-                </a:solidFill>
-                <a:effectLst/>
-                <a:latin typeface="Tw Cen MT" panose="020B0602020104020603" pitchFamily="34" charset="0"/>
-                <a:ea typeface="Calibri" panose="020F0502020204030204" pitchFamily="34" charset="0"/>
-                <a:cs typeface="Times New Roman" panose="02020603050405020304" pitchFamily="18" charset="0"/>
-              </a:rPr>
-              <a:t>AGENDA</a:t>
-            </a:r>
-            <a:endParaRPr kumimoji="0" lang="en-AU" altLang="en-US" sz="500" b="0" i="0" u="none" strike="noStrike" cap="none" normalizeH="0" baseline="0" dirty="0">
-              <a:ln>
-                <a:noFill/>
-              </a:ln>
-              <a:solidFill>
-                <a:schemeClr val="tx1"/>
-              </a:solidFill>
-              <a:effectLst/>
-            </a:endParaRPr>
-          </a:p>
-        </p:txBody>
-      </p:sp>
-      <p:sp>
-        <p:nvSpPr>
-          <p:cNvPr id="10" name="Rectangle 9">
-            <a:extLst>
-              <a:ext uri="{FF2B5EF4-FFF2-40B4-BE49-F238E27FC236}">
-                <a16:creationId xmlns:a16="http://schemas.microsoft.com/office/drawing/2014/main" id="{0063FAC6-1059-490E-9D0D-3CEF59DD566B}"/>
-              </a:ext>
-            </a:extLst>
-          </p:cNvPr>
-          <p:cNvSpPr/>
-          <p:nvPr/>
-        </p:nvSpPr>
-        <p:spPr>
-          <a:xfrm>
-            <a:off x="1959209" y="4444096"/>
-            <a:ext cx="4572000" cy="646331"/>
-          </a:xfrm>
-          <a:prstGeom prst="rect">
-            <a:avLst/>
-          </a:prstGeom>
-        </p:spPr>
-        <p:txBody>
-          <a:bodyPr>
-            <a:spAutoFit/>
-          </a:bodyPr>
-          <a:lstStyle/>
-          <a:p>
-            <a:pPr lvl="0" defTabSz="914400" eaLnBrk="0" hangingPunct="0"/>
-            <a:r>
-              <a:rPr lang="en-AU" altLang="en-US" sz="1200" i="1" dirty="0">
-                <a:latin typeface="Tw Cen MT" panose="020B0602020104020603" pitchFamily="34" charset="0"/>
-                <a:ea typeface="Calibri" panose="020F0502020204030204" pitchFamily="34" charset="0"/>
-                <a:cs typeface="Times New Roman" panose="02020603050405020304" pitchFamily="18" charset="0"/>
-              </a:rPr>
-              <a:t>Next meeting date and time:</a:t>
-            </a:r>
-          </a:p>
-          <a:p>
-            <a:pPr lvl="0" defTabSz="914400" eaLnBrk="0" hangingPunct="0"/>
-            <a:r>
-              <a:rPr lang="en-AU" altLang="en-US" sz="1200" i="1" dirty="0">
-                <a:latin typeface="Tw Cen MT" panose="020B0602020104020603" pitchFamily="34" charset="0"/>
-                <a:cs typeface="Times New Roman" panose="02020603050405020304" pitchFamily="18" charset="0"/>
-              </a:rPr>
-              <a:t>Group member responsible for finalising/submitting minutes:</a:t>
-            </a:r>
-          </a:p>
-          <a:p>
-            <a:pPr lvl="0" defTabSz="914400" eaLnBrk="0" hangingPunct="0"/>
-            <a:r>
-              <a:rPr lang="en-AU" altLang="en-US" sz="1200" i="1" dirty="0">
-                <a:solidFill>
-                  <a:srgbClr val="FF0000"/>
-                </a:solidFill>
-                <a:latin typeface="Tw Cen MT" panose="020B0602020104020603" pitchFamily="34" charset="0"/>
-                <a:cs typeface="Times New Roman" panose="02020603050405020304" pitchFamily="18" charset="0"/>
-              </a:rPr>
-              <a:t>To be posted on the CANVAS Individual group website</a:t>
-            </a:r>
-            <a:endParaRPr lang="en-AU" altLang="en-US" sz="500" dirty="0">
-              <a:solidFill>
-                <a:srgbClr val="FF0000"/>
-              </a:solidFill>
-            </a:endParaRPr>
-          </a:p>
-        </p:txBody>
-      </p:sp>
     </p:spTree>
     <p:extLst>
       <p:ext uri="{BB962C8B-B14F-4D97-AF65-F5344CB8AC3E}">
-        <p14:creationId xmlns:p14="http://schemas.microsoft.com/office/powerpoint/2010/main" val="3980826411"/>
+        <p14:creationId xmlns:p14="http://schemas.microsoft.com/office/powerpoint/2010/main" val="419967489"/>
       </p:ext>
     </p:extLst>
   </p:cSld>
@@ -14157,37 +10557,34 @@
           <a:bodyPr/>
           <a:lstStyle/>
           <a:p>
-            <a:pPr marL="0" indent="0">
-              <a:buNone/>
-            </a:pPr>
-            <a:r>
-              <a:rPr lang="en-US" sz="2000" b="0" dirty="0"/>
-              <a:t>Brainstorm various questions and consider its scope and feasibility</a:t>
-            </a:r>
-          </a:p>
-          <a:p>
-            <a:r>
-              <a:rPr lang="en-US" sz="2000" b="0" dirty="0"/>
-              <a:t>Question 1: …</a:t>
-            </a:r>
-          </a:p>
-          <a:p>
-            <a:r>
-              <a:rPr lang="en-US" sz="2000" b="0" dirty="0"/>
-              <a:t>…</a:t>
-            </a:r>
-          </a:p>
-          <a:p>
-            <a:r>
-              <a:rPr lang="en-US" sz="2000" b="0" dirty="0"/>
-              <a:t>Question n: …</a:t>
-            </a:r>
-          </a:p>
-          <a:p>
-            <a:endParaRPr lang="en-US" sz="2000" b="0" dirty="0"/>
-          </a:p>
-          <a:p>
-            <a:endParaRPr lang="en-US" sz="2000" dirty="0"/>
+            <a:r>
+              <a:rPr lang="en-US" sz="2200" b="0" dirty="0"/>
+              <a:t>We learn Framer basics (crash courses on YouTube).</a:t>
+            </a:r>
+          </a:p>
+          <a:p>
+            <a:r>
+              <a:rPr lang="en-US" sz="2200" b="0" dirty="0"/>
+              <a:t>Selected a suitable template and build a basic proof-of-concept site.</a:t>
+            </a:r>
+          </a:p>
+          <a:p>
+            <a:r>
+              <a:rPr lang="en-US" sz="2200" b="0" dirty="0"/>
+              <a:t>Drafted a flow chart for final presentation (e.g., Introduction, Data &amp; Feature Engineering, Noise Handling, Final Model &amp; Results, Q&amp;A &amp; Next Steps).</a:t>
+            </a:r>
+          </a:p>
+          <a:p>
+            <a:r>
+              <a:rPr lang="en-US" sz="2200" b="0" dirty="0"/>
+              <a:t>Challenges: Minimal prior experience with Framer and choosing a layout that showcases both data and explanations.</a:t>
+            </a:r>
+          </a:p>
+          <a:p>
+            <a:r>
+              <a:rPr lang="en-US" sz="2200" b="0" dirty="0"/>
+              <a:t>Solution: We watched structured tutorials, experimented with Framer templates, incorporated feedback to pick a clean, data-centric design, and are working on a rough flow chart to keep content organized.</a:t>
+            </a:r>
           </a:p>
         </p:txBody>
       </p:sp>
@@ -14214,7 +10611,7 @@
           <a:p>
             <a:r>
               <a:rPr lang="en-AU" dirty="0"/>
-              <a:t>Define your project – What is your question/product</a:t>
+              <a:t>Website Development &amp; Flow Chart</a:t>
             </a:r>
           </a:p>
         </p:txBody>
@@ -14270,31 +10667,31 @@
           <a:bodyPr/>
           <a:lstStyle/>
           <a:p>
-            <a:pPr marL="0" indent="0">
-              <a:buNone/>
-            </a:pPr>
-            <a:r>
-              <a:rPr lang="en-US" b="0" dirty="0"/>
-              <a:t>For Project X or Question X: </a:t>
-            </a:r>
-          </a:p>
-          <a:p>
-            <a:r>
-              <a:rPr lang="en-US" b="0" dirty="0"/>
-              <a:t>Challenge 1: One sentence description</a:t>
-            </a:r>
-          </a:p>
-          <a:p>
-            <a:r>
-              <a:rPr lang="en-US" b="0" dirty="0"/>
-              <a:t>…</a:t>
-            </a:r>
-          </a:p>
-          <a:p>
-            <a:r>
-              <a:rPr lang="en-US" b="0" dirty="0"/>
-              <a:t>Challenge n: One sentence description</a:t>
-            </a:r>
+            <a:r>
+              <a:rPr lang="en-US" sz="2200" b="0" dirty="0"/>
+              <a:t>We focused on reducing microstructure noise from Bid-Ask Spread.</a:t>
+            </a:r>
+          </a:p>
+          <a:p>
+            <a:r>
+              <a:rPr lang="en-US" sz="2200" b="0" dirty="0"/>
+              <a:t>Findings: Realized Kernel Estimator is robust against noise. Adjusted Realized Volatility (Adjusted-RV) can correct bid-ask bias, but calibration is non-trivial. Lee-Ready Algorithm helps improve data quality via trade classification.</a:t>
+            </a:r>
+          </a:p>
+          <a:p>
+            <a:r>
+              <a:rPr lang="en-US" sz="2200" b="0" dirty="0"/>
+              <a:t>Challenges: Determining which technique best fits our data. Integrating these approaches with the pipeline.</a:t>
+            </a:r>
+          </a:p>
+          <a:p>
+            <a:r>
+              <a:rPr lang="en-US" sz="2200" b="0" dirty="0"/>
+              <a:t>Solution: Plan to test both Realized Kernel and Adjusted-RV on sample datasets. Consider refining data classification before volatility estimation</a:t>
+            </a:r>
+          </a:p>
+          <a:p>
+            <a:endParaRPr lang="en-US" b="0" dirty="0"/>
           </a:p>
           <a:p>
             <a:endParaRPr lang="en-US" b="0" dirty="0"/>
@@ -14327,7 +10724,7 @@
           <a:p>
             <a:r>
               <a:rPr lang="en-AU" dirty="0"/>
-              <a:t>Define your project – Anticipated challenges  </a:t>
+              <a:t>Noise Handling in Volatility Prediction</a:t>
             </a:r>
           </a:p>
         </p:txBody>
@@ -14345,7 +10742,13 @@
   <p:cSld>
     <p:spTree>
       <p:nvGrpSpPr>
-        <p:cNvPr id="1" name=""/>
+        <p:cNvPr id="1" name="">
+          <a:extLst>
+            <a:ext uri="{FF2B5EF4-FFF2-40B4-BE49-F238E27FC236}">
+              <a16:creationId xmlns:a16="http://schemas.microsoft.com/office/drawing/2014/main" id="{3971B5E3-86C2-866D-CC00-2BFA673C7E59}"/>
+            </a:ext>
+          </a:extLst>
+        </p:cNvPr>
         <p:cNvGrpSpPr/>
         <p:nvPr/>
       </p:nvGrpSpPr>
@@ -14359,10 +10762,62 @@
       </p:grpSpPr>
       <p:sp>
         <p:nvSpPr>
+          <p:cNvPr id="4" name="Content Placeholder 3">
+            <a:extLst>
+              <a:ext uri="{FF2B5EF4-FFF2-40B4-BE49-F238E27FC236}">
+                <a16:creationId xmlns:a16="http://schemas.microsoft.com/office/drawing/2014/main" id="{CFDDFE33-0932-2BE0-78D5-C04517E5DEF7}"/>
+              </a:ext>
+            </a:extLst>
+          </p:cNvPr>
+          <p:cNvSpPr>
+            <a:spLocks noGrp="1"/>
+          </p:cNvSpPr>
+          <p:nvPr>
+            <p:ph idx="1"/>
+          </p:nvPr>
+        </p:nvSpPr>
+        <p:spPr/>
+        <p:txBody>
+          <a:bodyPr/>
+          <a:lstStyle/>
+          <a:p>
+            <a:r>
+              <a:rPr lang="en-US" sz="2000" b="0" dirty="0"/>
+              <a:t>We create new columns from LOB data for volatility prediction.</a:t>
+            </a:r>
+          </a:p>
+          <a:p>
+            <a:r>
+              <a:rPr lang="en-US" sz="2000" b="0" dirty="0"/>
+              <a:t>The key features are Midpoint &amp; Bid-Ask Spread, Realized/Integrated/Rolling Volatility, Normalized BAS &amp; Adverse Selection Cost, Order Book Imbalance (OBI) &amp; Cumulative OBI, LOB Slope &amp; LOB Entropy, and Micro-price.</a:t>
+            </a:r>
+          </a:p>
+          <a:p>
+            <a:r>
+              <a:rPr lang="en-US" sz="2000" b="0" dirty="0"/>
+              <a:t>Challenges: Ensuring accurate derivation from raw data (data mismatch, definitions). Handling large volumes of high-frequency data efficiently in code.</a:t>
+            </a:r>
+          </a:p>
+          <a:p>
+            <a:r>
+              <a:rPr lang="en-US" sz="2000" b="0" dirty="0"/>
+              <a:t>Solution: Clearly documented formulas in Market Microstructure Metrics pdf. Verified intermediate calculations via hand in small test subsets. Prepped for dimensionality reduction (e.g., PCA) in the next phase.</a:t>
+            </a:r>
+          </a:p>
+          <a:p>
+            <a:endParaRPr lang="en-US" b="0" dirty="0"/>
+          </a:p>
+          <a:p>
+            <a:endParaRPr lang="en-US" dirty="0"/>
+          </a:p>
+        </p:txBody>
+      </p:sp>
+      <p:sp>
+        <p:nvSpPr>
           <p:cNvPr id="2" name="Title 1">
             <a:extLst>
               <a:ext uri="{FF2B5EF4-FFF2-40B4-BE49-F238E27FC236}">
-                <a16:creationId xmlns:a16="http://schemas.microsoft.com/office/drawing/2014/main" id="{E2AEAF44-F909-4580-862E-7EB331AAAEC3}"/>
+                <a16:creationId xmlns:a16="http://schemas.microsoft.com/office/drawing/2014/main" id="{6AADB822-16AC-03F0-B7CC-93519CAA979E}"/>
               </a:ext>
             </a:extLst>
           </p:cNvPr>
@@ -14380,397 +10835,15 @@
           <a:p>
             <a:r>
               <a:rPr lang="en-AU" dirty="0"/>
-              <a:t>Define your project – who is your target audience</a:t>
-            </a:r>
-          </a:p>
-        </p:txBody>
-      </p:sp>
-      <p:graphicFrame>
-        <p:nvGraphicFramePr>
-          <p:cNvPr id="8" name="Table 7">
-            <a:extLst>
-              <a:ext uri="{FF2B5EF4-FFF2-40B4-BE49-F238E27FC236}">
-                <a16:creationId xmlns:a16="http://schemas.microsoft.com/office/drawing/2014/main" id="{3A87D348-55EA-4938-B716-4176C77A2C27}"/>
-              </a:ext>
-            </a:extLst>
-          </p:cNvPr>
-          <p:cNvGraphicFramePr>
-            <a:graphicFrameLocks noGrp="1"/>
-          </p:cNvGraphicFramePr>
-          <p:nvPr>
-            <p:extLst>
-              <p:ext uri="{D42A27DB-BD31-4B8C-83A1-F6EECF244321}">
-                <p14:modId xmlns:p14="http://schemas.microsoft.com/office/powerpoint/2010/main" val="2531115316"/>
-              </p:ext>
-            </p:extLst>
-          </p:nvPr>
-        </p:nvGraphicFramePr>
-        <p:xfrm>
-          <a:off x="358775" y="1684826"/>
-          <a:ext cx="8518715" cy="2813602"/>
-        </p:xfrm>
-        <a:graphic>
-          <a:graphicData uri="http://schemas.openxmlformats.org/drawingml/2006/table">
-            <a:tbl>
-              <a:tblPr firstRow="1" firstCol="1" bandRow="1">
-                <a:tableStyleId>{5C22544A-7EE6-4342-B048-85BDC9FD1C3A}</a:tableStyleId>
-              </a:tblPr>
-              <a:tblGrid>
-                <a:gridCol w="2069115">
-                  <a:extLst>
-                    <a:ext uri="{9D8B030D-6E8A-4147-A177-3AD203B41FA5}">
-                      <a16:colId xmlns:a16="http://schemas.microsoft.com/office/drawing/2014/main" val="1573866123"/>
-                    </a:ext>
-                  </a:extLst>
-                </a:gridCol>
-                <a:gridCol w="3112776">
-                  <a:extLst>
-                    <a:ext uri="{9D8B030D-6E8A-4147-A177-3AD203B41FA5}">
-                      <a16:colId xmlns:a16="http://schemas.microsoft.com/office/drawing/2014/main" val="83730095"/>
-                    </a:ext>
-                  </a:extLst>
-                </a:gridCol>
-                <a:gridCol w="3336824">
-                  <a:extLst>
-                    <a:ext uri="{9D8B030D-6E8A-4147-A177-3AD203B41FA5}">
-                      <a16:colId xmlns:a16="http://schemas.microsoft.com/office/drawing/2014/main" val="1624356449"/>
-                    </a:ext>
-                  </a:extLst>
-                </a:gridCol>
-              </a:tblGrid>
-              <a:tr h="700174">
-                <a:tc>
-                  <a:txBody>
-                    <a:bodyPr/>
-                    <a:lstStyle/>
-                    <a:p>
-                      <a:pPr algn="l">
-                        <a:lnSpc>
-                          <a:spcPct val="107000"/>
-                        </a:lnSpc>
-                        <a:spcAft>
-                          <a:spcPts val="0"/>
-                        </a:spcAft>
-                      </a:pPr>
-                      <a:r>
-                        <a:rPr lang="en-AU" sz="1600" dirty="0">
-                          <a:effectLst/>
-                          <a:latin typeface="Tw Cen MT" panose="020B0602020104020603" pitchFamily="34" charset="0"/>
-                          <a:ea typeface="Calibri" panose="020F0502020204030204" pitchFamily="34" charset="0"/>
-                          <a:cs typeface="Times New Roman" panose="02020603050405020304" pitchFamily="18" charset="0"/>
-                        </a:rPr>
-                        <a:t>Target audience</a:t>
-                      </a:r>
-                    </a:p>
-                  </a:txBody>
-                  <a:tcPr marL="81331" marR="81331" marT="0" marB="0" anchor="ctr"/>
-                </a:tc>
-                <a:tc>
-                  <a:txBody>
-                    <a:bodyPr/>
-                    <a:lstStyle/>
-                    <a:p>
-                      <a:pPr algn="l">
-                        <a:lnSpc>
-                          <a:spcPct val="107000"/>
-                        </a:lnSpc>
-                        <a:spcAft>
-                          <a:spcPts val="0"/>
-                        </a:spcAft>
-                      </a:pPr>
-                      <a:r>
-                        <a:rPr lang="en-AU" sz="1600" dirty="0">
-                          <a:effectLst/>
-                          <a:latin typeface="Tw Cen MT" panose="020B0602020104020603" pitchFamily="34" charset="0"/>
-                          <a:ea typeface="Calibri" panose="020F0502020204030204" pitchFamily="34" charset="0"/>
-                          <a:cs typeface="Times New Roman" panose="02020603050405020304" pitchFamily="18" charset="0"/>
-                        </a:rPr>
-                        <a:t>Characteristics of target audience</a:t>
-                      </a:r>
-                    </a:p>
-                  </a:txBody>
-                  <a:tcPr marL="81331" marR="81331" marT="0" marB="0" anchor="ctr"/>
-                </a:tc>
-                <a:tc>
-                  <a:txBody>
-                    <a:bodyPr/>
-                    <a:lstStyle/>
-                    <a:p>
-                      <a:pPr algn="l">
-                        <a:lnSpc>
-                          <a:spcPct val="107000"/>
-                        </a:lnSpc>
-                        <a:spcAft>
-                          <a:spcPts val="0"/>
-                        </a:spcAft>
-                      </a:pPr>
-                      <a:r>
-                        <a:rPr lang="en-AU" sz="1600" dirty="0">
-                          <a:effectLst/>
-                          <a:latin typeface="Tw Cen MT" panose="020B0602020104020603" pitchFamily="34" charset="0"/>
-                          <a:ea typeface="Calibri" panose="020F0502020204030204" pitchFamily="34" charset="0"/>
-                          <a:cs typeface="Times New Roman" panose="02020603050405020304" pitchFamily="18" charset="0"/>
-                        </a:rPr>
-                        <a:t>How does it impact your project</a:t>
-                      </a:r>
-                    </a:p>
-                  </a:txBody>
-                  <a:tcPr marL="81331" marR="81331" marT="0" marB="0" anchor="ctr"/>
-                </a:tc>
-                <a:extLst>
-                  <a:ext uri="{0D108BD9-81ED-4DB2-BD59-A6C34878D82A}">
-                    <a16:rowId xmlns:a16="http://schemas.microsoft.com/office/drawing/2014/main" val="921860958"/>
-                  </a:ext>
-                </a:extLst>
-              </a:tr>
-              <a:tr h="704476">
-                <a:tc>
-                  <a:txBody>
-                    <a:bodyPr/>
-                    <a:lstStyle/>
-                    <a:p>
-                      <a:pPr algn="l">
-                        <a:lnSpc>
-                          <a:spcPct val="107000"/>
-                        </a:lnSpc>
-                      </a:pPr>
-                      <a:endParaRPr lang="en-AU" sz="1600" dirty="0">
-                        <a:effectLst/>
-                        <a:latin typeface="Calibri" panose="020F0502020204030204" pitchFamily="34" charset="0"/>
-                        <a:cs typeface="Times New Roman" panose="02020603050405020304" pitchFamily="18" charset="0"/>
-                      </a:endParaRPr>
-                    </a:p>
-                  </a:txBody>
-                  <a:tcPr marL="81331" marR="81331" marT="0" marB="0" anchor="ctr"/>
-                </a:tc>
-                <a:tc>
-                  <a:txBody>
-                    <a:bodyPr/>
-                    <a:lstStyle/>
-                    <a:p>
-                      <a:pPr algn="l">
-                        <a:lnSpc>
-                          <a:spcPct val="107000"/>
-                        </a:lnSpc>
-                      </a:pPr>
-                      <a:endParaRPr lang="en-AU" sz="1600" dirty="0">
-                        <a:effectLst/>
-                        <a:latin typeface="Calibri" panose="020F0502020204030204" pitchFamily="34" charset="0"/>
-                        <a:cs typeface="Times New Roman" panose="02020603050405020304" pitchFamily="18" charset="0"/>
-                      </a:endParaRPr>
-                    </a:p>
-                  </a:txBody>
-                  <a:tcPr marL="81331" marR="81331" marT="0" marB="0" anchor="ctr"/>
-                </a:tc>
-                <a:tc>
-                  <a:txBody>
-                    <a:bodyPr/>
-                    <a:lstStyle/>
-                    <a:p>
-                      <a:pPr algn="l">
-                        <a:lnSpc>
-                          <a:spcPct val="107000"/>
-                        </a:lnSpc>
-                      </a:pPr>
-                      <a:endParaRPr lang="en-AU" sz="1600" dirty="0">
-                        <a:effectLst/>
-                        <a:latin typeface="Calibri" panose="020F0502020204030204" pitchFamily="34" charset="0"/>
-                        <a:cs typeface="Times New Roman" panose="02020603050405020304" pitchFamily="18" charset="0"/>
-                      </a:endParaRPr>
-                    </a:p>
-                  </a:txBody>
-                  <a:tcPr marL="81331" marR="81331" marT="0" marB="0" anchor="ctr"/>
-                </a:tc>
-                <a:extLst>
-                  <a:ext uri="{0D108BD9-81ED-4DB2-BD59-A6C34878D82A}">
-                    <a16:rowId xmlns:a16="http://schemas.microsoft.com/office/drawing/2014/main" val="2191457816"/>
-                  </a:ext>
-                </a:extLst>
-              </a:tr>
-              <a:tr h="704476">
-                <a:tc>
-                  <a:txBody>
-                    <a:bodyPr/>
-                    <a:lstStyle/>
-                    <a:p>
-                      <a:pPr algn="l">
-                        <a:lnSpc>
-                          <a:spcPct val="107000"/>
-                        </a:lnSpc>
-                      </a:pPr>
-                      <a:endParaRPr lang="en-AU" sz="1600">
-                        <a:effectLst/>
-                        <a:latin typeface="Calibri" panose="020F0502020204030204" pitchFamily="34" charset="0"/>
-                        <a:cs typeface="Times New Roman" panose="02020603050405020304" pitchFamily="18" charset="0"/>
-                      </a:endParaRPr>
-                    </a:p>
-                  </a:txBody>
-                  <a:tcPr marL="81331" marR="81331" marT="0" marB="0" anchor="ctr"/>
-                </a:tc>
-                <a:tc>
-                  <a:txBody>
-                    <a:bodyPr/>
-                    <a:lstStyle/>
-                    <a:p>
-                      <a:pPr algn="l">
-                        <a:lnSpc>
-                          <a:spcPct val="107000"/>
-                        </a:lnSpc>
-                      </a:pPr>
-                      <a:endParaRPr lang="en-AU" sz="1600">
-                        <a:effectLst/>
-                        <a:latin typeface="Calibri" panose="020F0502020204030204" pitchFamily="34" charset="0"/>
-                        <a:cs typeface="Times New Roman" panose="02020603050405020304" pitchFamily="18" charset="0"/>
-                      </a:endParaRPr>
-                    </a:p>
-                  </a:txBody>
-                  <a:tcPr marL="81331" marR="81331" marT="0" marB="0" anchor="ctr"/>
-                </a:tc>
-                <a:tc>
-                  <a:txBody>
-                    <a:bodyPr/>
-                    <a:lstStyle/>
-                    <a:p>
-                      <a:pPr algn="l">
-                        <a:lnSpc>
-                          <a:spcPct val="107000"/>
-                        </a:lnSpc>
-                      </a:pPr>
-                      <a:endParaRPr lang="en-AU" sz="1600">
-                        <a:effectLst/>
-                        <a:latin typeface="Calibri" panose="020F0502020204030204" pitchFamily="34" charset="0"/>
-                        <a:cs typeface="Times New Roman" panose="02020603050405020304" pitchFamily="18" charset="0"/>
-                      </a:endParaRPr>
-                    </a:p>
-                  </a:txBody>
-                  <a:tcPr marL="81331" marR="81331" marT="0" marB="0" anchor="ctr"/>
-                </a:tc>
-                <a:extLst>
-                  <a:ext uri="{0D108BD9-81ED-4DB2-BD59-A6C34878D82A}">
-                    <a16:rowId xmlns:a16="http://schemas.microsoft.com/office/drawing/2014/main" val="2947246499"/>
-                  </a:ext>
-                </a:extLst>
-              </a:tr>
-              <a:tr h="704476">
-                <a:tc>
-                  <a:txBody>
-                    <a:bodyPr/>
-                    <a:lstStyle/>
-                    <a:p>
-                      <a:pPr algn="l">
-                        <a:lnSpc>
-                          <a:spcPct val="107000"/>
-                        </a:lnSpc>
-                      </a:pPr>
-                      <a:endParaRPr lang="en-AU" sz="1600">
-                        <a:effectLst/>
-                        <a:latin typeface="Calibri" panose="020F0502020204030204" pitchFamily="34" charset="0"/>
-                        <a:cs typeface="Times New Roman" panose="02020603050405020304" pitchFamily="18" charset="0"/>
-                      </a:endParaRPr>
-                    </a:p>
-                  </a:txBody>
-                  <a:tcPr marL="81331" marR="81331" marT="0" marB="0" anchor="ctr"/>
-                </a:tc>
-                <a:tc>
-                  <a:txBody>
-                    <a:bodyPr/>
-                    <a:lstStyle/>
-                    <a:p>
-                      <a:pPr algn="l">
-                        <a:lnSpc>
-                          <a:spcPct val="107000"/>
-                        </a:lnSpc>
-                      </a:pPr>
-                      <a:endParaRPr lang="en-AU" sz="1600" dirty="0">
-                        <a:effectLst/>
-                        <a:latin typeface="Calibri" panose="020F0502020204030204" pitchFamily="34" charset="0"/>
-                        <a:cs typeface="Times New Roman" panose="02020603050405020304" pitchFamily="18" charset="0"/>
-                      </a:endParaRPr>
-                    </a:p>
-                  </a:txBody>
-                  <a:tcPr marL="81331" marR="81331" marT="0" marB="0" anchor="ctr"/>
-                </a:tc>
-                <a:tc>
-                  <a:txBody>
-                    <a:bodyPr/>
-                    <a:lstStyle/>
-                    <a:p>
-                      <a:pPr algn="l">
-                        <a:lnSpc>
-                          <a:spcPct val="107000"/>
-                        </a:lnSpc>
-                      </a:pPr>
-                      <a:endParaRPr lang="en-AU" sz="1600" dirty="0">
-                        <a:effectLst/>
-                        <a:latin typeface="Calibri" panose="020F0502020204030204" pitchFamily="34" charset="0"/>
-                        <a:cs typeface="Times New Roman" panose="02020603050405020304" pitchFamily="18" charset="0"/>
-                      </a:endParaRPr>
-                    </a:p>
-                  </a:txBody>
-                  <a:tcPr marL="81331" marR="81331" marT="0" marB="0" anchor="ctr"/>
-                </a:tc>
-                <a:extLst>
-                  <a:ext uri="{0D108BD9-81ED-4DB2-BD59-A6C34878D82A}">
-                    <a16:rowId xmlns:a16="http://schemas.microsoft.com/office/drawing/2014/main" val="942335013"/>
-                  </a:ext>
-                </a:extLst>
-              </a:tr>
-            </a:tbl>
-          </a:graphicData>
-        </a:graphic>
-      </p:graphicFrame>
-      <p:sp>
-        <p:nvSpPr>
-          <p:cNvPr id="5" name="TextBox 4">
-            <a:extLst>
-              <a:ext uri="{FF2B5EF4-FFF2-40B4-BE49-F238E27FC236}">
-                <a16:creationId xmlns:a16="http://schemas.microsoft.com/office/drawing/2014/main" id="{CD987332-518C-8C49-9E52-3780D8769E1B}"/>
-              </a:ext>
-            </a:extLst>
-          </p:cNvPr>
-          <p:cNvSpPr txBox="1"/>
-          <p:nvPr/>
-        </p:nvSpPr>
-        <p:spPr>
-          <a:xfrm>
-            <a:off x="287531" y="924039"/>
-            <a:ext cx="8099781" cy="830997"/>
-          </a:xfrm>
-          <a:prstGeom prst="rect">
-            <a:avLst/>
-          </a:prstGeom>
-          <a:noFill/>
-        </p:spPr>
-        <p:txBody>
-          <a:bodyPr wrap="none" rtlCol="0">
-            <a:spAutoFit/>
-          </a:bodyPr>
-          <a:lstStyle/>
-          <a:p>
-            <a:r>
-              <a:rPr lang="en-US" sz="1600" dirty="0"/>
-              <a:t>Explore different types of target audience and its relationship to your project and select </a:t>
-            </a:r>
-          </a:p>
-          <a:p>
-            <a:r>
-              <a:rPr lang="en-US" sz="1600" dirty="0"/>
-              <a:t>the most appropriate.</a:t>
-            </a:r>
-          </a:p>
-          <a:p>
-            <a:pPr marL="285750" indent="-285750">
-              <a:buFont typeface="Arial" panose="020B0604020202020204" pitchFamily="34" charset="0"/>
-              <a:buChar char="•"/>
-            </a:pPr>
-            <a:endParaRPr lang="en-US" sz="1600" dirty="0"/>
+              <a:t>Feature Engineering</a:t>
+            </a:r>
           </a:p>
         </p:txBody>
       </p:sp>
     </p:spTree>
     <p:extLst>
       <p:ext uri="{BB962C8B-B14F-4D97-AF65-F5344CB8AC3E}">
-        <p14:creationId xmlns:p14="http://schemas.microsoft.com/office/powerpoint/2010/main" val="419967489"/>
+        <p14:creationId xmlns:p14="http://schemas.microsoft.com/office/powerpoint/2010/main" val="278547822"/>
       </p:ext>
     </p:extLst>
   </p:cSld>
@@ -14799,10 +10872,62 @@
       </p:grpSpPr>
       <p:sp>
         <p:nvSpPr>
+          <p:cNvPr id="3" name="Content Placeholder 2">
+            <a:extLst>
+              <a:ext uri="{FF2B5EF4-FFF2-40B4-BE49-F238E27FC236}">
+                <a16:creationId xmlns:a16="http://schemas.microsoft.com/office/drawing/2014/main" id="{09AABE22-4E0D-634D-AD9A-9FA33E2A0475}"/>
+              </a:ext>
+            </a:extLst>
+          </p:cNvPr>
+          <p:cNvSpPr>
+            <a:spLocks noGrp="1"/>
+          </p:cNvSpPr>
+          <p:nvPr>
+            <p:ph idx="1"/>
+          </p:nvPr>
+        </p:nvSpPr>
+        <p:spPr/>
+        <p:txBody>
+          <a:bodyPr/>
+          <a:lstStyle/>
+          <a:p>
+            <a:r>
+              <a:rPr lang="en-US" b="0" dirty="0"/>
+              <a:t>Website Refinement: Add visualizations, and interactive elements to the presentation website.</a:t>
+            </a:r>
+          </a:p>
+          <a:p>
+            <a:r>
+              <a:rPr lang="en-US" b="0" dirty="0"/>
+              <a:t>Develop the features in actual dataset.</a:t>
+            </a:r>
+          </a:p>
+          <a:p>
+            <a:r>
+              <a:rPr lang="en-US" b="0" dirty="0"/>
+              <a:t>Volatility Modeling: Compare performance of noise reduction methods (Realized Kernel vs. Adjusted-RV).</a:t>
+            </a:r>
+          </a:p>
+          <a:p>
+            <a:r>
+              <a:rPr lang="en-US" b="0" dirty="0"/>
+              <a:t>Dimensionality Reduction: Apply PCA or similar techniques to new feature set.</a:t>
+            </a:r>
+          </a:p>
+          <a:p>
+            <a:r>
+              <a:rPr lang="en-US" b="0" dirty="0"/>
+              <a:t>Find out how does multiple stocks can affect our machine learning model.</a:t>
+            </a:r>
+          </a:p>
+        </p:txBody>
+      </p:sp>
+      <p:sp>
+        <p:nvSpPr>
           <p:cNvPr id="2" name="Title 1">
             <a:extLst>
               <a:ext uri="{FF2B5EF4-FFF2-40B4-BE49-F238E27FC236}">
-                <a16:creationId xmlns:a16="http://schemas.microsoft.com/office/drawing/2014/main" id="{E2AEAF44-F909-4580-862E-7EB331AAAEC3}"/>
+                <a16:creationId xmlns:a16="http://schemas.microsoft.com/office/drawing/2014/main" id="{424F715F-14FE-2747-8110-408D8A46F9B7}"/>
               </a:ext>
             </a:extLst>
           </p:cNvPr>
@@ -14819,1201 +10944,8 @@
           <a:lstStyle/>
           <a:p>
             <a:r>
-              <a:rPr lang="en-AU" dirty="0"/>
-              <a:t>Meeting minutes</a:t>
-            </a:r>
-          </a:p>
-        </p:txBody>
-      </p:sp>
-      <p:graphicFrame>
-        <p:nvGraphicFramePr>
-          <p:cNvPr id="8" name="Table 7">
-            <a:extLst>
-              <a:ext uri="{FF2B5EF4-FFF2-40B4-BE49-F238E27FC236}">
-                <a16:creationId xmlns:a16="http://schemas.microsoft.com/office/drawing/2014/main" id="{3A87D348-55EA-4938-B716-4176C77A2C27}"/>
-              </a:ext>
-            </a:extLst>
-          </p:cNvPr>
-          <p:cNvGraphicFramePr>
-            <a:graphicFrameLocks noGrp="1"/>
-          </p:cNvGraphicFramePr>
-          <p:nvPr>
-            <p:extLst>
-              <p:ext uri="{D42A27DB-BD31-4B8C-83A1-F6EECF244321}">
-                <p14:modId xmlns:p14="http://schemas.microsoft.com/office/powerpoint/2010/main" val="1265988804"/>
-              </p:ext>
-            </p:extLst>
-          </p:nvPr>
-        </p:nvGraphicFramePr>
-        <p:xfrm>
-          <a:off x="358775" y="1497142"/>
-          <a:ext cx="8518715" cy="2936749"/>
-        </p:xfrm>
-        <a:graphic>
-          <a:graphicData uri="http://schemas.openxmlformats.org/drawingml/2006/table">
-            <a:tbl>
-              <a:tblPr firstRow="1" firstCol="1" bandRow="1">
-                <a:tableStyleId>{5C22544A-7EE6-4342-B048-85BDC9FD1C3A}</a:tableStyleId>
-              </a:tblPr>
-              <a:tblGrid>
-                <a:gridCol w="1373987">
-                  <a:extLst>
-                    <a:ext uri="{9D8B030D-6E8A-4147-A177-3AD203B41FA5}">
-                      <a16:colId xmlns:a16="http://schemas.microsoft.com/office/drawing/2014/main" val="1573866123"/>
-                    </a:ext>
-                  </a:extLst>
-                </a:gridCol>
-                <a:gridCol w="2534438">
-                  <a:extLst>
-                    <a:ext uri="{9D8B030D-6E8A-4147-A177-3AD203B41FA5}">
-                      <a16:colId xmlns:a16="http://schemas.microsoft.com/office/drawing/2014/main" val="83730095"/>
-                    </a:ext>
-                  </a:extLst>
-                </a:gridCol>
-                <a:gridCol w="4610290">
-                  <a:extLst>
-                    <a:ext uri="{9D8B030D-6E8A-4147-A177-3AD203B41FA5}">
-                      <a16:colId xmlns:a16="http://schemas.microsoft.com/office/drawing/2014/main" val="1624356449"/>
-                    </a:ext>
-                  </a:extLst>
-                </a:gridCol>
-              </a:tblGrid>
-              <a:tr h="564619">
-                <a:tc>
-                  <a:txBody>
-                    <a:bodyPr/>
-                    <a:lstStyle/>
-                    <a:p>
-                      <a:pPr algn="ctr">
-                        <a:lnSpc>
-                          <a:spcPct val="107000"/>
-                        </a:lnSpc>
-                        <a:spcAft>
-                          <a:spcPts val="0"/>
-                        </a:spcAft>
-                      </a:pPr>
-                      <a:r>
-                        <a:rPr lang="en-AU" sz="1600" dirty="0">
-                          <a:effectLst/>
-                        </a:rPr>
-                        <a:t>Item</a:t>
-                      </a:r>
-                      <a:endParaRPr lang="en-AU" sz="1600" dirty="0">
-                        <a:effectLst/>
-                        <a:latin typeface="Tw Cen MT" panose="020B0602020104020603" pitchFamily="34" charset="0"/>
-                        <a:ea typeface="Calibri" panose="020F0502020204030204" pitchFamily="34" charset="0"/>
-                        <a:cs typeface="Times New Roman" panose="02020603050405020304" pitchFamily="18" charset="0"/>
-                      </a:endParaRPr>
-                    </a:p>
-                  </a:txBody>
-                  <a:tcPr marL="81331" marR="81331" marT="0" marB="0" anchor="ctr"/>
-                </a:tc>
-                <a:tc>
-                  <a:txBody>
-                    <a:bodyPr/>
-                    <a:lstStyle/>
-                    <a:p>
-                      <a:pPr algn="ctr">
-                        <a:lnSpc>
-                          <a:spcPct val="107000"/>
-                        </a:lnSpc>
-                        <a:spcAft>
-                          <a:spcPts val="0"/>
-                        </a:spcAft>
-                      </a:pPr>
-                      <a:r>
-                        <a:rPr lang="en-AU" sz="1600" dirty="0">
-                          <a:effectLst/>
-                        </a:rPr>
-                        <a:t>Discussion</a:t>
-                      </a:r>
-                    </a:p>
-                    <a:p>
-                      <a:pPr algn="ctr">
-                        <a:lnSpc>
-                          <a:spcPct val="107000"/>
-                        </a:lnSpc>
-                        <a:spcAft>
-                          <a:spcPts val="0"/>
-                        </a:spcAft>
-                      </a:pPr>
-                      <a:r>
-                        <a:rPr lang="en-AU" sz="1100" dirty="0">
-                          <a:effectLst/>
-                          <a:latin typeface="Tw Cen MT" panose="020B0602020104020603" pitchFamily="34" charset="0"/>
-                          <a:ea typeface="Calibri" panose="020F0502020204030204" pitchFamily="34" charset="0"/>
-                          <a:cs typeface="Times New Roman" panose="02020603050405020304" pitchFamily="18" charset="0"/>
-                        </a:rPr>
-                        <a:t>(you can refer to previous slides)</a:t>
-                      </a:r>
-                    </a:p>
-                  </a:txBody>
-                  <a:tcPr marL="81331" marR="81331" marT="0" marB="0" anchor="ctr"/>
-                </a:tc>
-                <a:tc>
-                  <a:txBody>
-                    <a:bodyPr/>
-                    <a:lstStyle/>
-                    <a:p>
-                      <a:pPr algn="ctr">
-                        <a:lnSpc>
-                          <a:spcPct val="107000"/>
-                        </a:lnSpc>
-                        <a:spcAft>
-                          <a:spcPts val="0"/>
-                        </a:spcAft>
-                      </a:pPr>
-                      <a:r>
-                        <a:rPr lang="en-AU" sz="1600" dirty="0">
-                          <a:effectLst/>
-                        </a:rPr>
-                        <a:t>Actions (who) – action points for next week</a:t>
-                      </a:r>
-                    </a:p>
-                  </a:txBody>
-                  <a:tcPr marL="81331" marR="81331" marT="0" marB="0" anchor="ctr"/>
-                </a:tc>
-                <a:extLst>
-                  <a:ext uri="{0D108BD9-81ED-4DB2-BD59-A6C34878D82A}">
-                    <a16:rowId xmlns:a16="http://schemas.microsoft.com/office/drawing/2014/main" val="921860958"/>
-                  </a:ext>
-                </a:extLst>
-              </a:tr>
-              <a:tr h="474426">
-                <a:tc>
-                  <a:txBody>
-                    <a:bodyPr/>
-                    <a:lstStyle/>
-                    <a:p>
-                      <a:pPr>
-                        <a:lnSpc>
-                          <a:spcPct val="107000"/>
-                        </a:lnSpc>
-                      </a:pPr>
-                      <a:endParaRPr lang="en-AU" sz="1000" dirty="0">
-                        <a:effectLst/>
-                        <a:latin typeface="Calibri" panose="020F0502020204030204" pitchFamily="34" charset="0"/>
-                        <a:cs typeface="Times New Roman" panose="02020603050405020304" pitchFamily="18" charset="0"/>
-                      </a:endParaRPr>
-                    </a:p>
-                  </a:txBody>
-                  <a:tcPr marL="81331" marR="81331" marT="0" marB="0" anchor="b"/>
-                </a:tc>
-                <a:tc>
-                  <a:txBody>
-                    <a:bodyPr/>
-                    <a:lstStyle/>
-                    <a:p>
-                      <a:pPr>
-                        <a:lnSpc>
-                          <a:spcPct val="107000"/>
-                        </a:lnSpc>
-                      </a:pPr>
-                      <a:endParaRPr lang="en-AU" sz="1000" dirty="0">
-                        <a:effectLst/>
-                        <a:latin typeface="Calibri" panose="020F0502020204030204" pitchFamily="34" charset="0"/>
-                        <a:cs typeface="Times New Roman" panose="02020603050405020304" pitchFamily="18" charset="0"/>
-                      </a:endParaRPr>
-                    </a:p>
-                  </a:txBody>
-                  <a:tcPr marL="81331" marR="81331" marT="0" marB="0" anchor="b"/>
-                </a:tc>
-                <a:tc>
-                  <a:txBody>
-                    <a:bodyPr/>
-                    <a:lstStyle/>
-                    <a:p>
-                      <a:pPr>
-                        <a:lnSpc>
-                          <a:spcPct val="107000"/>
-                        </a:lnSpc>
-                      </a:pPr>
-                      <a:endParaRPr lang="en-AU" sz="1000" dirty="0">
-                        <a:effectLst/>
-                        <a:latin typeface="Calibri" panose="020F0502020204030204" pitchFamily="34" charset="0"/>
-                        <a:cs typeface="Times New Roman" panose="02020603050405020304" pitchFamily="18" charset="0"/>
-                      </a:endParaRPr>
-                    </a:p>
-                  </a:txBody>
-                  <a:tcPr marL="81331" marR="81331" marT="0" marB="0" anchor="b"/>
-                </a:tc>
-                <a:extLst>
-                  <a:ext uri="{0D108BD9-81ED-4DB2-BD59-A6C34878D82A}">
-                    <a16:rowId xmlns:a16="http://schemas.microsoft.com/office/drawing/2014/main" val="2191457816"/>
-                  </a:ext>
-                </a:extLst>
-              </a:tr>
-              <a:tr h="474426">
-                <a:tc>
-                  <a:txBody>
-                    <a:bodyPr/>
-                    <a:lstStyle/>
-                    <a:p>
-                      <a:pPr>
-                        <a:lnSpc>
-                          <a:spcPct val="107000"/>
-                        </a:lnSpc>
-                      </a:pPr>
-                      <a:endParaRPr lang="en-AU" sz="1000">
-                        <a:effectLst/>
-                        <a:latin typeface="Calibri" panose="020F0502020204030204" pitchFamily="34" charset="0"/>
-                        <a:cs typeface="Times New Roman" panose="02020603050405020304" pitchFamily="18" charset="0"/>
-                      </a:endParaRPr>
-                    </a:p>
-                  </a:txBody>
-                  <a:tcPr marL="81331" marR="81331" marT="0" marB="0" anchor="b"/>
-                </a:tc>
-                <a:tc>
-                  <a:txBody>
-                    <a:bodyPr/>
-                    <a:lstStyle/>
-                    <a:p>
-                      <a:pPr>
-                        <a:lnSpc>
-                          <a:spcPct val="107000"/>
-                        </a:lnSpc>
-                      </a:pPr>
-                      <a:endParaRPr lang="en-AU" sz="1000">
-                        <a:effectLst/>
-                        <a:latin typeface="Calibri" panose="020F0502020204030204" pitchFamily="34" charset="0"/>
-                        <a:cs typeface="Times New Roman" panose="02020603050405020304" pitchFamily="18" charset="0"/>
-                      </a:endParaRPr>
-                    </a:p>
-                  </a:txBody>
-                  <a:tcPr marL="81331" marR="81331" marT="0" marB="0" anchor="b"/>
-                </a:tc>
-                <a:tc>
-                  <a:txBody>
-                    <a:bodyPr/>
-                    <a:lstStyle/>
-                    <a:p>
-                      <a:pPr>
-                        <a:lnSpc>
-                          <a:spcPct val="107000"/>
-                        </a:lnSpc>
-                      </a:pPr>
-                      <a:endParaRPr lang="en-AU" sz="1000">
-                        <a:effectLst/>
-                        <a:latin typeface="Calibri" panose="020F0502020204030204" pitchFamily="34" charset="0"/>
-                        <a:cs typeface="Times New Roman" panose="02020603050405020304" pitchFamily="18" charset="0"/>
-                      </a:endParaRPr>
-                    </a:p>
-                  </a:txBody>
-                  <a:tcPr marL="81331" marR="81331" marT="0" marB="0" anchor="b"/>
-                </a:tc>
-                <a:extLst>
-                  <a:ext uri="{0D108BD9-81ED-4DB2-BD59-A6C34878D82A}">
-                    <a16:rowId xmlns:a16="http://schemas.microsoft.com/office/drawing/2014/main" val="2947246499"/>
-                  </a:ext>
-                </a:extLst>
-              </a:tr>
-              <a:tr h="474426">
-                <a:tc>
-                  <a:txBody>
-                    <a:bodyPr/>
-                    <a:lstStyle/>
-                    <a:p>
-                      <a:pPr>
-                        <a:lnSpc>
-                          <a:spcPct val="107000"/>
-                        </a:lnSpc>
-                      </a:pPr>
-                      <a:endParaRPr lang="en-AU" sz="1000">
-                        <a:effectLst/>
-                        <a:latin typeface="Calibri" panose="020F0502020204030204" pitchFamily="34" charset="0"/>
-                        <a:cs typeface="Times New Roman" panose="02020603050405020304" pitchFamily="18" charset="0"/>
-                      </a:endParaRPr>
-                    </a:p>
-                  </a:txBody>
-                  <a:tcPr marL="81331" marR="81331" marT="0" marB="0" anchor="b"/>
-                </a:tc>
-                <a:tc>
-                  <a:txBody>
-                    <a:bodyPr/>
-                    <a:lstStyle/>
-                    <a:p>
-                      <a:pPr>
-                        <a:lnSpc>
-                          <a:spcPct val="107000"/>
-                        </a:lnSpc>
-                      </a:pPr>
-                      <a:endParaRPr lang="en-AU" sz="1000">
-                        <a:effectLst/>
-                        <a:latin typeface="Calibri" panose="020F0502020204030204" pitchFamily="34" charset="0"/>
-                        <a:cs typeface="Times New Roman" panose="02020603050405020304" pitchFamily="18" charset="0"/>
-                      </a:endParaRPr>
-                    </a:p>
-                  </a:txBody>
-                  <a:tcPr marL="81331" marR="81331" marT="0" marB="0" anchor="b"/>
-                </a:tc>
-                <a:tc>
-                  <a:txBody>
-                    <a:bodyPr/>
-                    <a:lstStyle/>
-                    <a:p>
-                      <a:pPr>
-                        <a:lnSpc>
-                          <a:spcPct val="107000"/>
-                        </a:lnSpc>
-                      </a:pPr>
-                      <a:endParaRPr lang="en-AU" sz="1000">
-                        <a:effectLst/>
-                        <a:latin typeface="Calibri" panose="020F0502020204030204" pitchFamily="34" charset="0"/>
-                        <a:cs typeface="Times New Roman" panose="02020603050405020304" pitchFamily="18" charset="0"/>
-                      </a:endParaRPr>
-                    </a:p>
-                  </a:txBody>
-                  <a:tcPr marL="81331" marR="81331" marT="0" marB="0" anchor="b"/>
-                </a:tc>
-                <a:extLst>
-                  <a:ext uri="{0D108BD9-81ED-4DB2-BD59-A6C34878D82A}">
-                    <a16:rowId xmlns:a16="http://schemas.microsoft.com/office/drawing/2014/main" val="942335013"/>
-                  </a:ext>
-                </a:extLst>
-              </a:tr>
-              <a:tr h="474426">
-                <a:tc>
-                  <a:txBody>
-                    <a:bodyPr/>
-                    <a:lstStyle/>
-                    <a:p>
-                      <a:pPr>
-                        <a:lnSpc>
-                          <a:spcPct val="107000"/>
-                        </a:lnSpc>
-                      </a:pPr>
-                      <a:endParaRPr lang="en-AU" sz="1000">
-                        <a:effectLst/>
-                        <a:latin typeface="Calibri" panose="020F0502020204030204" pitchFamily="34" charset="0"/>
-                        <a:cs typeface="Times New Roman" panose="02020603050405020304" pitchFamily="18" charset="0"/>
-                      </a:endParaRPr>
-                    </a:p>
-                  </a:txBody>
-                  <a:tcPr marL="81331" marR="81331" marT="0" marB="0" anchor="b"/>
-                </a:tc>
-                <a:tc>
-                  <a:txBody>
-                    <a:bodyPr/>
-                    <a:lstStyle/>
-                    <a:p>
-                      <a:pPr>
-                        <a:lnSpc>
-                          <a:spcPct val="107000"/>
-                        </a:lnSpc>
-                      </a:pPr>
-                      <a:endParaRPr lang="en-AU" sz="1000">
-                        <a:effectLst/>
-                        <a:latin typeface="Calibri" panose="020F0502020204030204" pitchFamily="34" charset="0"/>
-                        <a:cs typeface="Times New Roman" panose="02020603050405020304" pitchFamily="18" charset="0"/>
-                      </a:endParaRPr>
-                    </a:p>
-                  </a:txBody>
-                  <a:tcPr marL="81331" marR="81331" marT="0" marB="0" anchor="b"/>
-                </a:tc>
-                <a:tc>
-                  <a:txBody>
-                    <a:bodyPr/>
-                    <a:lstStyle/>
-                    <a:p>
-                      <a:pPr>
-                        <a:lnSpc>
-                          <a:spcPct val="107000"/>
-                        </a:lnSpc>
-                      </a:pPr>
-                      <a:endParaRPr lang="en-AU" sz="1000" dirty="0">
-                        <a:effectLst/>
-                        <a:latin typeface="Calibri" panose="020F0502020204030204" pitchFamily="34" charset="0"/>
-                        <a:cs typeface="Times New Roman" panose="02020603050405020304" pitchFamily="18" charset="0"/>
-                      </a:endParaRPr>
-                    </a:p>
-                  </a:txBody>
-                  <a:tcPr marL="81331" marR="81331" marT="0" marB="0" anchor="b"/>
-                </a:tc>
-                <a:extLst>
-                  <a:ext uri="{0D108BD9-81ED-4DB2-BD59-A6C34878D82A}">
-                    <a16:rowId xmlns:a16="http://schemas.microsoft.com/office/drawing/2014/main" val="1757599085"/>
-                  </a:ext>
-                </a:extLst>
-              </a:tr>
-              <a:tr h="474426">
-                <a:tc>
-                  <a:txBody>
-                    <a:bodyPr/>
-                    <a:lstStyle/>
-                    <a:p>
-                      <a:pPr>
-                        <a:lnSpc>
-                          <a:spcPct val="107000"/>
-                        </a:lnSpc>
-                      </a:pPr>
-                      <a:endParaRPr lang="en-AU" sz="1000">
-                        <a:effectLst/>
-                        <a:latin typeface="Calibri" panose="020F0502020204030204" pitchFamily="34" charset="0"/>
-                        <a:cs typeface="Times New Roman" panose="02020603050405020304" pitchFamily="18" charset="0"/>
-                      </a:endParaRPr>
-                    </a:p>
-                  </a:txBody>
-                  <a:tcPr marL="81331" marR="81331" marT="0" marB="0" anchor="b"/>
-                </a:tc>
-                <a:tc>
-                  <a:txBody>
-                    <a:bodyPr/>
-                    <a:lstStyle/>
-                    <a:p>
-                      <a:pPr>
-                        <a:lnSpc>
-                          <a:spcPct val="107000"/>
-                        </a:lnSpc>
-                      </a:pPr>
-                      <a:endParaRPr lang="en-AU" sz="1000">
-                        <a:effectLst/>
-                        <a:latin typeface="Calibri" panose="020F0502020204030204" pitchFamily="34" charset="0"/>
-                        <a:cs typeface="Times New Roman" panose="02020603050405020304" pitchFamily="18" charset="0"/>
-                      </a:endParaRPr>
-                    </a:p>
-                  </a:txBody>
-                  <a:tcPr marL="81331" marR="81331" marT="0" marB="0" anchor="b"/>
-                </a:tc>
-                <a:tc>
-                  <a:txBody>
-                    <a:bodyPr/>
-                    <a:lstStyle/>
-                    <a:p>
-                      <a:pPr>
-                        <a:lnSpc>
-                          <a:spcPct val="107000"/>
-                        </a:lnSpc>
-                      </a:pPr>
-                      <a:endParaRPr lang="en-AU" sz="1000" dirty="0">
-                        <a:effectLst/>
-                        <a:latin typeface="Calibri" panose="020F0502020204030204" pitchFamily="34" charset="0"/>
-                        <a:cs typeface="Times New Roman" panose="02020603050405020304" pitchFamily="18" charset="0"/>
-                      </a:endParaRPr>
-                    </a:p>
-                  </a:txBody>
-                  <a:tcPr marL="81331" marR="81331" marT="0" marB="0" anchor="b"/>
-                </a:tc>
-                <a:extLst>
-                  <a:ext uri="{0D108BD9-81ED-4DB2-BD59-A6C34878D82A}">
-                    <a16:rowId xmlns:a16="http://schemas.microsoft.com/office/drawing/2014/main" val="927903413"/>
-                  </a:ext>
-                </a:extLst>
-              </a:tr>
-            </a:tbl>
-          </a:graphicData>
-        </a:graphic>
-      </p:graphicFrame>
-      <p:sp>
-        <p:nvSpPr>
-          <p:cNvPr id="9" name="Rectangle 2">
-            <a:extLst>
-              <a:ext uri="{FF2B5EF4-FFF2-40B4-BE49-F238E27FC236}">
-                <a16:creationId xmlns:a16="http://schemas.microsoft.com/office/drawing/2014/main" id="{A2ADCF7C-1D56-46C0-AA47-22DB2F49BF52}"/>
-              </a:ext>
-            </a:extLst>
-          </p:cNvPr>
-          <p:cNvSpPr>
-            <a:spLocks noChangeArrowheads="1"/>
-          </p:cNvSpPr>
-          <p:nvPr/>
-        </p:nvSpPr>
-        <p:spPr bwMode="auto">
-          <a:xfrm>
-            <a:off x="358775" y="820034"/>
-            <a:ext cx="4699191" cy="677108"/>
-          </a:xfrm>
-          <a:prstGeom prst="rect">
-            <a:avLst/>
-          </a:prstGeom>
-          <a:noFill/>
-          <a:ln>
-            <a:noFill/>
-          </a:ln>
-          <a:effectLst/>
-          <a:extLst>
-            <a:ext uri="{909E8E84-426E-40DD-AFC4-6F175D3DCCD1}">
-              <a14:hiddenFill xmlns:a14="http://schemas.microsoft.com/office/drawing/2010/main">
-                <a:solidFill>
-                  <a:schemeClr val="accent1"/>
-                </a:solidFill>
-              </a14:hiddenFill>
-            </a:ext>
-            <a:ext uri="{91240B29-F687-4F45-9708-019B960494DF}">
-              <a14:hiddenLine xmlns:a14="http://schemas.microsoft.com/office/drawing/2010/main" w="9525">
-                <a:solidFill>
-                  <a:schemeClr val="tx1"/>
-                </a:solidFill>
-                <a:miter lim="800000"/>
-                <a:headEnd/>
-                <a:tailEnd/>
-              </a14:hiddenLine>
-            </a:ext>
-            <a:ext uri="{AF507438-7753-43E0-B8FC-AC1667EBCBE1}">
-              <a14:hiddenEffects xmlns:a14="http://schemas.microsoft.com/office/drawing/2010/main">
-                <a:effectLst>
-                  <a:outerShdw dist="35921" dir="2700000" algn="ctr" rotWithShape="0">
-                    <a:schemeClr val="bg2"/>
-                  </a:outerShdw>
-                </a:effectLst>
-              </a14:hiddenEffects>
-            </a:ext>
-          </a:extLst>
-        </p:spPr>
-        <p:txBody>
-          <a:bodyPr vert="horz" wrap="square" lIns="91440" tIns="45720" rIns="91440" bIns="45720" numCol="1" anchor="ctr" anchorCtr="0" compatLnSpc="1">
-            <a:prstTxWarp prst="textNoShape">
-              <a:avLst/>
-            </a:prstTxWarp>
-            <a:spAutoFit/>
-          </a:bodyPr>
-          <a:lstStyle/>
-          <a:p>
-            <a:pPr marL="0" marR="0" lvl="0" indent="0" algn="l" defTabSz="914400" rtl="0" eaLnBrk="0" fontAlgn="base" latinLnBrk="0" hangingPunct="0">
-              <a:lnSpc>
-                <a:spcPct val="100000"/>
-              </a:lnSpc>
-              <a:spcBef>
-                <a:spcPct val="0"/>
-              </a:spcBef>
-              <a:spcAft>
-                <a:spcPct val="0"/>
-              </a:spcAft>
-              <a:buClrTx/>
-              <a:buSzTx/>
-              <a:buFontTx/>
-              <a:buNone/>
-              <a:tabLst/>
-            </a:pPr>
-            <a:r>
-              <a:rPr kumimoji="0" lang="en-AU" altLang="en-US" sz="1100" b="0" i="1" u="none" strike="noStrike" cap="none" normalizeH="0" baseline="0" dirty="0">
-                <a:ln>
-                  <a:noFill/>
-                </a:ln>
-                <a:solidFill>
-                  <a:schemeClr val="tx1"/>
-                </a:solidFill>
-                <a:effectLst/>
-                <a:latin typeface="Tw Cen MT" panose="020B0602020104020603" pitchFamily="34" charset="0"/>
-                <a:ea typeface="Calibri" panose="020F0502020204030204" pitchFamily="34" charset="0"/>
-                <a:cs typeface="Times New Roman" panose="02020603050405020304" pitchFamily="18" charset="0"/>
-              </a:rPr>
-              <a:t>Date and time of meeting:</a:t>
-            </a:r>
-            <a:endParaRPr kumimoji="0" lang="en-AU" altLang="en-US" sz="500" b="0" i="0" u="none" strike="noStrike" cap="none" normalizeH="0" baseline="0" dirty="0">
-              <a:ln>
-                <a:noFill/>
-              </a:ln>
-              <a:solidFill>
-                <a:schemeClr val="tx1"/>
-              </a:solidFill>
-              <a:effectLst/>
-            </a:endParaRPr>
-          </a:p>
-          <a:p>
-            <a:pPr marL="0" marR="0" lvl="0" indent="0" algn="l" defTabSz="914400" rtl="0" eaLnBrk="0" fontAlgn="base" latinLnBrk="0" hangingPunct="0">
-              <a:lnSpc>
-                <a:spcPct val="100000"/>
-              </a:lnSpc>
-              <a:spcBef>
-                <a:spcPct val="0"/>
-              </a:spcBef>
-              <a:spcAft>
-                <a:spcPct val="0"/>
-              </a:spcAft>
-              <a:buClrTx/>
-              <a:buSzTx/>
-              <a:buFontTx/>
-              <a:buNone/>
-              <a:tabLst/>
-            </a:pPr>
-            <a:r>
-              <a:rPr kumimoji="0" lang="en-AU" altLang="en-US" sz="1100" b="0" i="1" u="none" strike="noStrike" cap="none" normalizeH="0" baseline="0" dirty="0">
-                <a:ln>
-                  <a:noFill/>
-                </a:ln>
-                <a:solidFill>
-                  <a:schemeClr val="tx1"/>
-                </a:solidFill>
-                <a:effectLst/>
-                <a:latin typeface="Tw Cen MT" panose="020B0602020104020603" pitchFamily="34" charset="0"/>
-                <a:ea typeface="Calibri" panose="020F0502020204030204" pitchFamily="34" charset="0"/>
-                <a:cs typeface="Times New Roman" panose="02020603050405020304" pitchFamily="18" charset="0"/>
-              </a:rPr>
-              <a:t>Team members present:</a:t>
-            </a:r>
-          </a:p>
-          <a:p>
-            <a:pPr marL="0" marR="0" lvl="0" indent="0" algn="l" defTabSz="914400" rtl="0" eaLnBrk="0" fontAlgn="base" latinLnBrk="0" hangingPunct="0">
-              <a:lnSpc>
-                <a:spcPct val="100000"/>
-              </a:lnSpc>
-              <a:spcBef>
-                <a:spcPct val="0"/>
-              </a:spcBef>
-              <a:spcAft>
-                <a:spcPct val="0"/>
-              </a:spcAft>
-              <a:buClrTx/>
-              <a:buSzTx/>
-              <a:buFontTx/>
-              <a:buNone/>
-              <a:tabLst/>
-            </a:pPr>
-            <a:endParaRPr kumimoji="0" lang="en-AU" altLang="en-US" sz="500" b="0" i="0" u="none" strike="noStrike" cap="none" normalizeH="0" baseline="0" dirty="0">
-              <a:ln>
-                <a:noFill/>
-              </a:ln>
-              <a:solidFill>
-                <a:schemeClr val="tx1"/>
-              </a:solidFill>
-              <a:effectLst/>
-            </a:endParaRPr>
-          </a:p>
-          <a:p>
-            <a:pPr marL="0" marR="0" lvl="0" indent="0" algn="l" defTabSz="914400" rtl="0" eaLnBrk="0" fontAlgn="base" latinLnBrk="0" hangingPunct="0">
-              <a:lnSpc>
-                <a:spcPct val="100000"/>
-              </a:lnSpc>
-              <a:spcBef>
-                <a:spcPct val="0"/>
-              </a:spcBef>
-              <a:spcAft>
-                <a:spcPct val="0"/>
-              </a:spcAft>
-              <a:buClrTx/>
-              <a:buSzTx/>
-              <a:buFontTx/>
-              <a:buNone/>
-              <a:tabLst/>
-            </a:pPr>
-            <a:r>
-              <a:rPr kumimoji="0" lang="en-AU" altLang="en-US" sz="1100" b="1" i="0" u="none" strike="noStrike" cap="none" normalizeH="0" baseline="0" dirty="0">
-                <a:ln>
-                  <a:noFill/>
-                </a:ln>
-                <a:solidFill>
-                  <a:schemeClr val="tx1"/>
-                </a:solidFill>
-                <a:effectLst/>
-                <a:latin typeface="Tw Cen MT" panose="020B0602020104020603" pitchFamily="34" charset="0"/>
-                <a:ea typeface="Calibri" panose="020F0502020204030204" pitchFamily="34" charset="0"/>
-                <a:cs typeface="Times New Roman" panose="02020603050405020304" pitchFamily="18" charset="0"/>
-              </a:rPr>
-              <a:t>AGENDA</a:t>
-            </a:r>
-            <a:endParaRPr kumimoji="0" lang="en-AU" altLang="en-US" sz="500" b="0" i="0" u="none" strike="noStrike" cap="none" normalizeH="0" baseline="0" dirty="0">
-              <a:ln>
-                <a:noFill/>
-              </a:ln>
-              <a:solidFill>
-                <a:schemeClr val="tx1"/>
-              </a:solidFill>
-              <a:effectLst/>
-            </a:endParaRPr>
-          </a:p>
-        </p:txBody>
-      </p:sp>
-      <p:sp>
-        <p:nvSpPr>
-          <p:cNvPr id="10" name="Rectangle 9">
-            <a:extLst>
-              <a:ext uri="{FF2B5EF4-FFF2-40B4-BE49-F238E27FC236}">
-                <a16:creationId xmlns:a16="http://schemas.microsoft.com/office/drawing/2014/main" id="{0063FAC6-1059-490E-9D0D-3CEF59DD566B}"/>
-              </a:ext>
-            </a:extLst>
-          </p:cNvPr>
-          <p:cNvSpPr/>
-          <p:nvPr/>
-        </p:nvSpPr>
-        <p:spPr>
-          <a:xfrm>
-            <a:off x="1959209" y="4444096"/>
-            <a:ext cx="4572000" cy="646331"/>
-          </a:xfrm>
-          <a:prstGeom prst="rect">
-            <a:avLst/>
-          </a:prstGeom>
-        </p:spPr>
-        <p:txBody>
-          <a:bodyPr>
-            <a:spAutoFit/>
-          </a:bodyPr>
-          <a:lstStyle/>
-          <a:p>
-            <a:pPr lvl="0" defTabSz="914400" eaLnBrk="0" hangingPunct="0"/>
-            <a:r>
-              <a:rPr lang="en-AU" altLang="en-US" sz="1200" i="1" dirty="0">
-                <a:latin typeface="Tw Cen MT" panose="020B0602020104020603" pitchFamily="34" charset="0"/>
-                <a:ea typeface="Calibri" panose="020F0502020204030204" pitchFamily="34" charset="0"/>
-                <a:cs typeface="Times New Roman" panose="02020603050405020304" pitchFamily="18" charset="0"/>
-              </a:rPr>
-              <a:t>Next meeting date and time:</a:t>
-            </a:r>
-          </a:p>
-          <a:p>
-            <a:pPr lvl="0" defTabSz="914400" eaLnBrk="0" hangingPunct="0"/>
-            <a:r>
-              <a:rPr lang="en-AU" altLang="en-US" sz="1200" i="1" dirty="0">
-                <a:latin typeface="Tw Cen MT" panose="020B0602020104020603" pitchFamily="34" charset="0"/>
-                <a:cs typeface="Times New Roman" panose="02020603050405020304" pitchFamily="18" charset="0"/>
-              </a:rPr>
-              <a:t>Group member responsible for finalising/submitting minutes:</a:t>
-            </a:r>
-          </a:p>
-          <a:p>
-            <a:pPr lvl="0" defTabSz="914400" eaLnBrk="0" hangingPunct="0"/>
-            <a:r>
-              <a:rPr lang="en-AU" altLang="en-US" sz="1200" i="1" dirty="0">
-                <a:solidFill>
-                  <a:srgbClr val="FF0000"/>
-                </a:solidFill>
-                <a:latin typeface="Tw Cen MT" panose="020B0602020104020603" pitchFamily="34" charset="0"/>
-                <a:cs typeface="Times New Roman" panose="02020603050405020304" pitchFamily="18" charset="0"/>
-              </a:rPr>
-              <a:t>To be posted on the CANVAS Individual group website</a:t>
-            </a:r>
-            <a:endParaRPr lang="en-AU" altLang="en-US" sz="500" dirty="0">
-              <a:solidFill>
-                <a:srgbClr val="FF0000"/>
-              </a:solidFill>
-            </a:endParaRPr>
-          </a:p>
-        </p:txBody>
-      </p:sp>
-    </p:spTree>
-    <p:extLst>
-      <p:ext uri="{BB962C8B-B14F-4D97-AF65-F5344CB8AC3E}">
-        <p14:creationId xmlns:p14="http://schemas.microsoft.com/office/powerpoint/2010/main" val="3311122397"/>
-      </p:ext>
-    </p:extLst>
-  </p:cSld>
-  <p:clrMapOvr>
-    <a:masterClrMapping/>
-  </p:clrMapOvr>
-</p:sld>
-</file>
-
-<file path=ppt/slides/slide7.xml><?xml version="1.0" encoding="utf-8"?>
-<p:sld xmlns:a="http://schemas.openxmlformats.org/drawingml/2006/main" xmlns:r="http://schemas.openxmlformats.org/officeDocument/2006/relationships" xmlns:p="http://schemas.openxmlformats.org/presentationml/2006/main">
-  <p:cSld>
-    <p:spTree>
-      <p:nvGrpSpPr>
-        <p:cNvPr id="1" name=""/>
-        <p:cNvGrpSpPr/>
-        <p:nvPr/>
-      </p:nvGrpSpPr>
-      <p:grpSpPr>
-        <a:xfrm>
-          <a:off x="0" y="0"/>
-          <a:ext cx="0" cy="0"/>
-          <a:chOff x="0" y="0"/>
-          <a:chExt cx="0" cy="0"/>
-        </a:xfrm>
-      </p:grpSpPr>
-      <p:sp>
-        <p:nvSpPr>
-          <p:cNvPr id="4" name="Content Placeholder 3">
-            <a:extLst>
-              <a:ext uri="{FF2B5EF4-FFF2-40B4-BE49-F238E27FC236}">
-                <a16:creationId xmlns:a16="http://schemas.microsoft.com/office/drawing/2014/main" id="{F79E8E1A-6AC7-3F4E-8F0D-D3A7F823361E}"/>
-              </a:ext>
-            </a:extLst>
-          </p:cNvPr>
-          <p:cNvSpPr>
-            <a:spLocks noGrp="1"/>
-          </p:cNvSpPr>
-          <p:nvPr>
-            <p:ph idx="1"/>
-          </p:nvPr>
-        </p:nvSpPr>
-        <p:spPr/>
-        <p:txBody>
-          <a:bodyPr/>
-          <a:lstStyle/>
-          <a:p>
-            <a:r>
-              <a:rPr lang="en-US" b="0" dirty="0"/>
-              <a:t>Action points from last week … …</a:t>
-            </a:r>
-          </a:p>
-          <a:p>
-            <a:r>
-              <a:rPr lang="en-US" b="0" dirty="0"/>
-              <a:t>…</a:t>
-            </a:r>
-          </a:p>
-          <a:p>
-            <a:r>
-              <a:rPr lang="en-US" b="0" dirty="0"/>
-              <a:t>…</a:t>
-            </a:r>
-          </a:p>
-          <a:p>
-            <a:pPr marL="0" indent="0">
-              <a:buNone/>
-            </a:pPr>
-            <a:endParaRPr lang="en-US" b="0" dirty="0"/>
-          </a:p>
-          <a:p>
-            <a:r>
-              <a:rPr lang="en-US" b="0" dirty="0"/>
-              <a:t>Key progress over last week …</a:t>
-            </a:r>
-          </a:p>
-          <a:p>
-            <a:r>
-              <a:rPr lang="en-US" b="0" dirty="0"/>
-              <a:t>…</a:t>
-            </a:r>
-          </a:p>
-          <a:p>
-            <a:r>
-              <a:rPr lang="en-US" b="0" dirty="0"/>
-              <a:t>…</a:t>
-            </a:r>
-          </a:p>
-          <a:p>
-            <a:endParaRPr lang="en-US" b="0" dirty="0"/>
-          </a:p>
-          <a:p>
-            <a:endParaRPr lang="en-US" b="0" dirty="0"/>
-          </a:p>
-          <a:p>
-            <a:endParaRPr lang="en-US" b="0" dirty="0"/>
-          </a:p>
-          <a:p>
-            <a:endParaRPr lang="en-US" b="0" dirty="0"/>
-          </a:p>
-          <a:p>
-            <a:endParaRPr lang="en-US" dirty="0"/>
-          </a:p>
-        </p:txBody>
-      </p:sp>
-      <p:sp>
-        <p:nvSpPr>
-          <p:cNvPr id="2" name="Title 1">
-            <a:extLst>
-              <a:ext uri="{FF2B5EF4-FFF2-40B4-BE49-F238E27FC236}">
-                <a16:creationId xmlns:a16="http://schemas.microsoft.com/office/drawing/2014/main" id="{E2AEAF44-F909-4580-862E-7EB331AAAEC3}"/>
-              </a:ext>
-            </a:extLst>
-          </p:cNvPr>
-          <p:cNvSpPr>
-            <a:spLocks noGrp="1"/>
-          </p:cNvSpPr>
-          <p:nvPr>
-            <p:ph type="title"/>
-          </p:nvPr>
-        </p:nvSpPr>
-        <p:spPr/>
-        <p:txBody>
-          <a:bodyPr/>
-          <a:lstStyle/>
-          <a:p>
-            <a:r>
-              <a:rPr lang="en-AU" dirty="0"/>
-              <a:t>Progress and action points</a:t>
-            </a:r>
-          </a:p>
-        </p:txBody>
-      </p:sp>
-      <p:sp>
-        <p:nvSpPr>
-          <p:cNvPr id="3" name="Text Placeholder 2">
-            <a:extLst>
-              <a:ext uri="{FF2B5EF4-FFF2-40B4-BE49-F238E27FC236}">
-                <a16:creationId xmlns:a16="http://schemas.microsoft.com/office/drawing/2014/main" id="{93BAAD9B-F199-428F-8BD0-37301704CC09}"/>
-              </a:ext>
-            </a:extLst>
-          </p:cNvPr>
-          <p:cNvSpPr txBox="1">
-            <a:spLocks/>
-          </p:cNvSpPr>
-          <p:nvPr/>
-        </p:nvSpPr>
-        <p:spPr bwMode="auto">
-          <a:xfrm>
-            <a:off x="358775" y="1090063"/>
-            <a:ext cx="3963817" cy="3299057"/>
-          </a:xfrm>
-          <a:prstGeom prst="rect">
-            <a:avLst/>
-          </a:prstGeom>
-          <a:noFill/>
-          <a:ln>
-            <a:noFill/>
-          </a:ln>
-          <a:extLst>
-            <a:ext uri="{909E8E84-426E-40dd-AFC4-6F175D3DCCD1}">
-              <a14:hiddenFill xmlns="" xmlns:a14="http://schemas.microsoft.com/office/drawing/2010/main">
-                <a:solidFill>
-                  <a:srgbClr val="FFFFFF"/>
-                </a:solidFill>
-              </a14:hiddenFill>
-            </a:ext>
-            <a:ext uri="{91240B29-F687-4f45-9708-019B960494DF}">
-              <a14:hiddenLine xmlns="" xmlns:a14="http://schemas.microsoft.com/office/drawing/2010/main" w="9525">
-                <a:solidFill>
-                  <a:srgbClr val="000000"/>
-                </a:solidFill>
-                <a:miter lim="800000"/>
-                <a:headEnd/>
-                <a:tailEnd/>
-              </a14:hiddenLine>
-            </a:ext>
-            <a:ext uri="{FAA26D3D-D897-4be2-8F04-BA451C77F1D7}">
-              <ma14:placeholderFlag xmlns="" xmlns:ma14="http://schemas.microsoft.com/office/mac/drawingml/2011/main" val="1"/>
-            </a:ext>
-          </a:extLst>
-        </p:spPr>
-        <p:txBody>
-          <a:bodyPr vert="horz" wrap="square" lIns="91440" tIns="45720" rIns="91440" bIns="45720" numCol="1" anchor="t" anchorCtr="0" compatLnSpc="1">
-            <a:prstTxWarp prst="textNoShape">
-              <a:avLst/>
-            </a:prstTxWarp>
-          </a:bodyPr>
-          <a:lstStyle>
-            <a:lvl1pPr marL="257175" indent="-257175" algn="l" defTabSz="342900" rtl="0" eaLnBrk="1" fontAlgn="base" hangingPunct="1">
-              <a:spcBef>
-                <a:spcPct val="20000"/>
-              </a:spcBef>
-              <a:spcAft>
-                <a:spcPct val="0"/>
-              </a:spcAft>
-              <a:buFont typeface="Lucida Grande" charset="0"/>
-              <a:buChar char="–"/>
-              <a:defRPr sz="2400" b="1" kern="1200">
-                <a:solidFill>
-                  <a:schemeClr val="tx1"/>
-                </a:solidFill>
-                <a:latin typeface="Tw Cen MT"/>
-                <a:ea typeface="ＭＳ Ｐゴシック" charset="0"/>
-                <a:cs typeface="Tw Cen MT"/>
-              </a:defRPr>
-            </a:lvl1pPr>
-            <a:lvl2pPr marL="557213" indent="-214313" algn="l" defTabSz="342900" rtl="0" eaLnBrk="1" fontAlgn="base" hangingPunct="1">
-              <a:spcBef>
-                <a:spcPct val="20000"/>
-              </a:spcBef>
-              <a:spcAft>
-                <a:spcPct val="0"/>
-              </a:spcAft>
-              <a:buFont typeface="Arial" charset="0"/>
-              <a:buChar char="–"/>
-              <a:defRPr sz="1500" kern="1200">
-                <a:solidFill>
-                  <a:schemeClr val="tx1"/>
-                </a:solidFill>
-                <a:latin typeface="Tw Cen MT"/>
-                <a:ea typeface="ＭＳ Ｐゴシック" charset="0"/>
-                <a:cs typeface="Tw Cen MT"/>
-              </a:defRPr>
-            </a:lvl2pPr>
-            <a:lvl3pPr marL="857250" indent="-171450" algn="l" defTabSz="342900" rtl="0" eaLnBrk="1" fontAlgn="base" hangingPunct="1">
-              <a:spcBef>
-                <a:spcPct val="20000"/>
-              </a:spcBef>
-              <a:spcAft>
-                <a:spcPct val="0"/>
-              </a:spcAft>
-              <a:buFont typeface="Arial" charset="0"/>
-              <a:buChar char="•"/>
-              <a:defRPr sz="1500" kern="1200">
-                <a:solidFill>
-                  <a:schemeClr val="tx1"/>
-                </a:solidFill>
-                <a:latin typeface="Tw Cen MT"/>
-                <a:ea typeface="ＭＳ Ｐゴシック" charset="0"/>
-                <a:cs typeface="Tw Cen MT"/>
-              </a:defRPr>
-            </a:lvl3pPr>
-            <a:lvl4pPr marL="1200150" indent="-171450" algn="l" defTabSz="342900" rtl="0" eaLnBrk="1" fontAlgn="base" hangingPunct="1">
-              <a:spcBef>
-                <a:spcPct val="20000"/>
-              </a:spcBef>
-              <a:spcAft>
-                <a:spcPct val="0"/>
-              </a:spcAft>
-              <a:buFont typeface="Arial" charset="0"/>
-              <a:buChar char="–"/>
-              <a:defRPr sz="1500" kern="1200">
-                <a:solidFill>
-                  <a:schemeClr val="tx1"/>
-                </a:solidFill>
-                <a:latin typeface="Tw Cen MT"/>
-                <a:ea typeface="ＭＳ Ｐゴシック" charset="0"/>
-                <a:cs typeface="Tw Cen MT"/>
-              </a:defRPr>
-            </a:lvl4pPr>
-            <a:lvl5pPr marL="1543050" indent="-171450" algn="l" defTabSz="342900" rtl="0" eaLnBrk="1" fontAlgn="base" hangingPunct="1">
-              <a:spcBef>
-                <a:spcPct val="20000"/>
-              </a:spcBef>
-              <a:spcAft>
-                <a:spcPct val="0"/>
-              </a:spcAft>
-              <a:buFont typeface="Arial" charset="0"/>
-              <a:buChar char="»"/>
-              <a:defRPr sz="1500" kern="1200">
-                <a:solidFill>
-                  <a:schemeClr val="tx1"/>
-                </a:solidFill>
-                <a:latin typeface="Tw Cen MT"/>
-                <a:ea typeface="ＭＳ Ｐゴシック" charset="0"/>
-                <a:cs typeface="Tw Cen MT"/>
-              </a:defRPr>
-            </a:lvl5pPr>
-            <a:lvl6pPr marL="1885950" indent="-171450" algn="l" defTabSz="342900" rtl="0" eaLnBrk="1" latinLnBrk="0" hangingPunct="1">
-              <a:spcBef>
-                <a:spcPct val="20000"/>
-              </a:spcBef>
-              <a:buFont typeface="Arial"/>
-              <a:buChar char="•"/>
-              <a:defRPr sz="1500" kern="1200">
-                <a:solidFill>
-                  <a:schemeClr val="tx1"/>
-                </a:solidFill>
-                <a:latin typeface="+mn-lt"/>
-                <a:ea typeface="+mn-ea"/>
-                <a:cs typeface="+mn-cs"/>
-              </a:defRPr>
-            </a:lvl6pPr>
-            <a:lvl7pPr marL="2228850" indent="-171450" algn="l" defTabSz="342900" rtl="0" eaLnBrk="1" latinLnBrk="0" hangingPunct="1">
-              <a:spcBef>
-                <a:spcPct val="20000"/>
-              </a:spcBef>
-              <a:buFont typeface="Arial"/>
-              <a:buChar char="•"/>
-              <a:defRPr sz="1500" kern="1200">
-                <a:solidFill>
-                  <a:schemeClr val="tx1"/>
-                </a:solidFill>
-                <a:latin typeface="+mn-lt"/>
-                <a:ea typeface="+mn-ea"/>
-                <a:cs typeface="+mn-cs"/>
-              </a:defRPr>
-            </a:lvl7pPr>
-            <a:lvl8pPr marL="2571750" indent="-171450" algn="l" defTabSz="342900" rtl="0" eaLnBrk="1" latinLnBrk="0" hangingPunct="1">
-              <a:spcBef>
-                <a:spcPct val="20000"/>
-              </a:spcBef>
-              <a:buFont typeface="Arial"/>
-              <a:buChar char="•"/>
-              <a:defRPr sz="1500" kern="1200">
-                <a:solidFill>
-                  <a:schemeClr val="tx1"/>
-                </a:solidFill>
-                <a:latin typeface="+mn-lt"/>
-                <a:ea typeface="+mn-ea"/>
-                <a:cs typeface="+mn-cs"/>
-              </a:defRPr>
-            </a:lvl8pPr>
-            <a:lvl9pPr marL="2914650" indent="-171450" algn="l" defTabSz="342900" rtl="0" eaLnBrk="1" latinLnBrk="0" hangingPunct="1">
-              <a:spcBef>
-                <a:spcPct val="20000"/>
-              </a:spcBef>
-              <a:buFont typeface="Arial"/>
-              <a:buChar char="•"/>
-              <a:defRPr sz="1500" kern="1200">
-                <a:solidFill>
-                  <a:schemeClr val="tx1"/>
-                </a:solidFill>
-                <a:latin typeface="+mn-lt"/>
-                <a:ea typeface="+mn-ea"/>
-                <a:cs typeface="+mn-cs"/>
-              </a:defRPr>
-            </a:lvl9pPr>
-          </a:lstStyle>
-          <a:p>
-            <a:endParaRPr lang="en-US" sz="1800" b="0" dirty="0"/>
-          </a:p>
-        </p:txBody>
-      </p:sp>
-    </p:spTree>
-    <p:extLst>
-      <p:ext uri="{BB962C8B-B14F-4D97-AF65-F5344CB8AC3E}">
-        <p14:creationId xmlns:p14="http://schemas.microsoft.com/office/powerpoint/2010/main" val="1205355963"/>
-      </p:ext>
-    </p:extLst>
-  </p:cSld>
-  <p:clrMapOvr>
-    <a:masterClrMapping/>
-  </p:clrMapOvr>
-</p:sld>
-</file>
-
-<file path=ppt/slides/slide8.xml><?xml version="1.0" encoding="utf-8"?>
-<p:sld xmlns:a="http://schemas.openxmlformats.org/drawingml/2006/main" xmlns:r="http://schemas.openxmlformats.org/officeDocument/2006/relationships" xmlns:p="http://schemas.openxmlformats.org/presentationml/2006/main">
-  <p:cSld>
-    <p:spTree>
-      <p:nvGrpSpPr>
-        <p:cNvPr id="1" name=""/>
-        <p:cNvGrpSpPr/>
-        <p:nvPr/>
-      </p:nvGrpSpPr>
-      <p:grpSpPr>
-        <a:xfrm>
-          <a:off x="0" y="0"/>
-          <a:ext cx="0" cy="0"/>
-          <a:chOff x="0" y="0"/>
-          <a:chExt cx="0" cy="0"/>
-        </a:xfrm>
-      </p:grpSpPr>
-      <p:sp>
-        <p:nvSpPr>
-          <p:cNvPr id="3" name="Content Placeholder 2">
-            <a:extLst>
-              <a:ext uri="{FF2B5EF4-FFF2-40B4-BE49-F238E27FC236}">
-                <a16:creationId xmlns:a16="http://schemas.microsoft.com/office/drawing/2014/main" id="{09AABE22-4E0D-634D-AD9A-9FA33E2A0475}"/>
-              </a:ext>
-            </a:extLst>
-          </p:cNvPr>
-          <p:cNvSpPr>
-            <a:spLocks noGrp="1"/>
-          </p:cNvSpPr>
-          <p:nvPr>
-            <p:ph idx="1"/>
-          </p:nvPr>
-        </p:nvSpPr>
-        <p:spPr/>
-        <p:txBody>
-          <a:bodyPr/>
-          <a:lstStyle/>
-          <a:p>
-            <a:r>
-              <a:rPr lang="en-US" b="0" dirty="0"/>
-              <a:t>Illustrate progress in data generation or data collection by showing some initial data analysis of your data. </a:t>
-            </a:r>
-          </a:p>
-          <a:p>
-            <a:endParaRPr lang="en-US" b="0" dirty="0"/>
-          </a:p>
-        </p:txBody>
-      </p:sp>
-      <p:sp>
-        <p:nvSpPr>
-          <p:cNvPr id="2" name="Title 1">
-            <a:extLst>
-              <a:ext uri="{FF2B5EF4-FFF2-40B4-BE49-F238E27FC236}">
-                <a16:creationId xmlns:a16="http://schemas.microsoft.com/office/drawing/2014/main" id="{424F715F-14FE-2747-8110-408D8A46F9B7}"/>
-              </a:ext>
-            </a:extLst>
-          </p:cNvPr>
-          <p:cNvSpPr>
-            <a:spLocks noGrp="1"/>
-          </p:cNvSpPr>
-          <p:nvPr>
-            <p:ph type="title"/>
-          </p:nvPr>
-        </p:nvSpPr>
-        <p:spPr/>
-        <p:txBody>
-          <a:bodyPr/>
-          <a:lstStyle/>
-          <a:p>
-            <a:r>
-              <a:rPr lang="en-US" dirty="0"/>
-              <a:t>Developing the project – data</a:t>
+              <a:rPr lang="en-US" dirty="0"/>
+              <a:t>Next Steps– Week 07</a:t>
             </a:r>
             <a:br>
               <a:rPr lang="en-US" dirty="0"/>
@@ -16026,106 +10958,6 @@
     <p:extLst>
       <p:ext uri="{BB962C8B-B14F-4D97-AF65-F5344CB8AC3E}">
         <p14:creationId xmlns:p14="http://schemas.microsoft.com/office/powerpoint/2010/main" val="1575878537"/>
-      </p:ext>
-    </p:extLst>
-  </p:cSld>
-  <p:clrMapOvr>
-    <a:masterClrMapping/>
-  </p:clrMapOvr>
-</p:sld>
-</file>
-
-<file path=ppt/slides/slide9.xml><?xml version="1.0" encoding="utf-8"?>
-<p:sld xmlns:a="http://schemas.openxmlformats.org/drawingml/2006/main" xmlns:r="http://schemas.openxmlformats.org/officeDocument/2006/relationships" xmlns:p="http://schemas.openxmlformats.org/presentationml/2006/main">
-  <p:cSld>
-    <p:spTree>
-      <p:nvGrpSpPr>
-        <p:cNvPr id="1" name=""/>
-        <p:cNvGrpSpPr/>
-        <p:nvPr/>
-      </p:nvGrpSpPr>
-      <p:grpSpPr>
-        <a:xfrm>
-          <a:off x="0" y="0"/>
-          <a:ext cx="0" cy="0"/>
-          <a:chOff x="0" y="0"/>
-          <a:chExt cx="0" cy="0"/>
-        </a:xfrm>
-      </p:grpSpPr>
-      <p:sp>
-        <p:nvSpPr>
-          <p:cNvPr id="3" name="Content Placeholder 2">
-            <a:extLst>
-              <a:ext uri="{FF2B5EF4-FFF2-40B4-BE49-F238E27FC236}">
-                <a16:creationId xmlns:a16="http://schemas.microsoft.com/office/drawing/2014/main" id="{09AABE22-4E0D-634D-AD9A-9FA33E2A0475}"/>
-              </a:ext>
-            </a:extLst>
-          </p:cNvPr>
-          <p:cNvSpPr>
-            <a:spLocks noGrp="1"/>
-          </p:cNvSpPr>
-          <p:nvPr>
-            <p:ph idx="1"/>
-          </p:nvPr>
-        </p:nvSpPr>
-        <p:spPr>
-          <a:xfrm>
-            <a:off x="358775" y="1019176"/>
-            <a:ext cx="8328025" cy="3575447"/>
-          </a:xfrm>
-        </p:spPr>
-        <p:txBody>
-          <a:bodyPr/>
-          <a:lstStyle/>
-          <a:p>
-            <a:r>
-              <a:rPr lang="en-US" b="0" dirty="0"/>
-              <a:t>Proposed analytics or proposed methods.</a:t>
-            </a:r>
-          </a:p>
-        </p:txBody>
-      </p:sp>
-      <p:sp>
-        <p:nvSpPr>
-          <p:cNvPr id="2" name="Title 1">
-            <a:extLst>
-              <a:ext uri="{FF2B5EF4-FFF2-40B4-BE49-F238E27FC236}">
-                <a16:creationId xmlns:a16="http://schemas.microsoft.com/office/drawing/2014/main" id="{424F715F-14FE-2747-8110-408D8A46F9B7}"/>
-              </a:ext>
-            </a:extLst>
-          </p:cNvPr>
-          <p:cNvSpPr>
-            <a:spLocks noGrp="1"/>
-          </p:cNvSpPr>
-          <p:nvPr>
-            <p:ph type="title"/>
-          </p:nvPr>
-        </p:nvSpPr>
-        <p:spPr>
-          <a:xfrm>
-            <a:off x="358775" y="376238"/>
-            <a:ext cx="8426450" cy="485387"/>
-          </a:xfrm>
-        </p:spPr>
-        <p:txBody>
-          <a:bodyPr/>
-          <a:lstStyle/>
-          <a:p>
-            <a:r>
-              <a:rPr lang="en-US" dirty="0"/>
-              <a:t>Developing the project – methods</a:t>
-            </a:r>
-            <a:br>
-              <a:rPr lang="en-US" dirty="0"/>
-            </a:br>
-            <a:endParaRPr lang="en-US" dirty="0"/>
-          </a:p>
-        </p:txBody>
-      </p:sp>
-    </p:spTree>
-    <p:extLst>
-      <p:ext uri="{BB962C8B-B14F-4D97-AF65-F5344CB8AC3E}">
-        <p14:creationId xmlns:p14="http://schemas.microsoft.com/office/powerpoint/2010/main" val="3204104704"/>
       </p:ext>
     </p:extLst>
   </p:cSld>
